--- a/Presentazione/Atsilo2/[BOZZA] Atsilo_M_PresentazioneFinale.pptx
+++ b/Presentazione/Atsilo2/[BOZZA] Atsilo_M_PresentazioneFinale.pptx
@@ -5,7 +5,7 @@
     <p:sldMasterId id="2147483684" r:id="rId1"/>
   </p:sldMasterIdLst>
   <p:notesMasterIdLst>
-    <p:notesMasterId r:id="rId63"/>
+    <p:notesMasterId r:id="rId64"/>
   </p:notesMasterIdLst>
   <p:sldIdLst>
     <p:sldId id="256" r:id="rId2"/>
@@ -52,23 +52,24 @@
     <p:sldId id="295" r:id="rId43"/>
     <p:sldId id="296" r:id="rId44"/>
     <p:sldId id="297" r:id="rId45"/>
-    <p:sldId id="298" r:id="rId46"/>
-    <p:sldId id="299" r:id="rId47"/>
-    <p:sldId id="300" r:id="rId48"/>
-    <p:sldId id="301" r:id="rId49"/>
-    <p:sldId id="302" r:id="rId50"/>
-    <p:sldId id="303" r:id="rId51"/>
-    <p:sldId id="304" r:id="rId52"/>
-    <p:sldId id="305" r:id="rId53"/>
-    <p:sldId id="306" r:id="rId54"/>
-    <p:sldId id="307" r:id="rId55"/>
-    <p:sldId id="308" r:id="rId56"/>
-    <p:sldId id="309" r:id="rId57"/>
-    <p:sldId id="310" r:id="rId58"/>
-    <p:sldId id="311" r:id="rId59"/>
-    <p:sldId id="312" r:id="rId60"/>
-    <p:sldId id="313" r:id="rId61"/>
-    <p:sldId id="316" r:id="rId62"/>
+    <p:sldId id="317" r:id="rId46"/>
+    <p:sldId id="298" r:id="rId47"/>
+    <p:sldId id="299" r:id="rId48"/>
+    <p:sldId id="300" r:id="rId49"/>
+    <p:sldId id="301" r:id="rId50"/>
+    <p:sldId id="302" r:id="rId51"/>
+    <p:sldId id="303" r:id="rId52"/>
+    <p:sldId id="304" r:id="rId53"/>
+    <p:sldId id="305" r:id="rId54"/>
+    <p:sldId id="306" r:id="rId55"/>
+    <p:sldId id="307" r:id="rId56"/>
+    <p:sldId id="308" r:id="rId57"/>
+    <p:sldId id="309" r:id="rId58"/>
+    <p:sldId id="310" r:id="rId59"/>
+    <p:sldId id="311" r:id="rId60"/>
+    <p:sldId id="312" r:id="rId61"/>
+    <p:sldId id="313" r:id="rId62"/>
+    <p:sldId id="316" r:id="rId63"/>
   </p:sldIdLst>
   <p:sldSz cx="9144000" cy="6858000" type="screen4x3"/>
   <p:notesSz cx="6858000" cy="9144000"/>
@@ -249,7 +250,7 @@
 <file path=ppt/comments/comment16.xml><?xml version="1.0" encoding="utf-8"?>
 <p:cmLst xmlns:a="http://schemas.openxmlformats.org/drawingml/2006/main" xmlns:r="http://schemas.openxmlformats.org/officeDocument/2006/relationships" xmlns:p="http://schemas.openxmlformats.org/presentationml/2006/main">
   <p:cm authorId="0" dt="2012-12-30T14:53:02.823" idx="27">
-    <p:pos x="10" y="10"/>
+    <p:pos x="44" y="53"/>
     <p:text>E' interessante, ma non so se altri lo dicono già. Controlla le bozze degli altri.</p:text>
   </p:cm>
 </p:cmLst>
@@ -269,7 +270,7 @@
 <file path=ppt/comments/comment18.xml><?xml version="1.0" encoding="utf-8"?>
 <p:cmLst xmlns:a="http://schemas.openxmlformats.org/drawingml/2006/main" xmlns:r="http://schemas.openxmlformats.org/officeDocument/2006/relationships" xmlns:p="http://schemas.openxmlformats.org/presentationml/2006/main">
   <p:cm authorId="0" dt="2012-12-30T14:56:19.819" idx="29">
-    <p:pos x="10" y="10"/>
+    <p:pos x="10" y="36"/>
     <p:text>Anche qui, per l'esempio, basati su diagrammi a vari livelli (qui puoi partire addirittura dalla gerarchia iniziale degli attori, e far vedere tutta l'evoluzione).</p:text>
   </p:cm>
 </p:cmLst>
@@ -538,7 +539,7 @@
             <a:fld id="{38D78F4D-402C-46E0-A4BB-DF91EA86B14C}" type="datetimeFigureOut">
               <a:rPr lang="it-IT" smtClean="0"/>
               <a:pPr/>
-              <a:t>02/01/2013</a:t>
+              <a:t>03/01/2013</a:t>
             </a:fld>
             <a:endParaRPr lang="it-IT"/>
           </a:p>
@@ -707,7 +708,7 @@
     </p:spTree>
     <p:extLst>
       <p:ext uri="{BB962C8B-B14F-4D97-AF65-F5344CB8AC3E}">
-        <p14:creationId xmlns="" xmlns:p14="http://schemas.microsoft.com/office/powerpoint/2010/main" val="2126419590"/>
+        <p14:creationId xmlns:p14="http://schemas.microsoft.com/office/powerpoint/2010/main" val="2126419590"/>
       </p:ext>
     </p:extLst>
   </p:cSld>
@@ -930,18 +931,12 @@
         </p:nvSpPr>
         <p:spPr/>
         <p:txBody>
-          <a:bodyPr>
-            <a:normAutofit/>
-          </a:bodyPr>
+          <a:bodyPr/>
           <a:lstStyle/>
           <a:p>
             <a:r>
               <a:rPr lang="it-IT" dirty="0" smtClean="0"/>
-              <a:t>Visualizza</a:t>
-            </a:r>
-            <a:r>
-              <a:rPr lang="it-IT" baseline="0" dirty="0" smtClean="0"/>
-              <a:t> eventi. Tramite un calendario è possibile selezionare il giorno per il quale vogliamo mostrare gli eventi. Gli eventi sono : Filtrati (Genitore vede solo quelli di suo figlio, Staff modifica solo i propri eventi e visualizza gli eventi degli altri).</a:t>
+              <a:t>45 secondi</a:t>
             </a:r>
             <a:endParaRPr lang="it-IT" dirty="0"/>
           </a:p>
@@ -965,13 +960,18 @@
             <a:fld id="{D70604CA-7593-4640-8FA1-5523937B8510}" type="slidenum">
               <a:rPr lang="it-IT" smtClean="0"/>
               <a:pPr/>
-              <a:t>52</a:t>
+              <a:t>44</a:t>
             </a:fld>
             <a:endParaRPr lang="it-IT"/>
           </a:p>
         </p:txBody>
       </p:sp>
     </p:spTree>
+    <p:extLst>
+      <p:ext uri="{BB962C8B-B14F-4D97-AF65-F5344CB8AC3E}">
+        <p14:creationId xmlns:p14="http://schemas.microsoft.com/office/powerpoint/2010/main" val="434121971"/>
+      </p:ext>
+    </p:extLst>
   </p:cSld>
   <p:clrMapOvr>
     <a:masterClrMapping/>
@@ -1020,34 +1020,12 @@
         </p:nvSpPr>
         <p:spPr/>
         <p:txBody>
-          <a:bodyPr>
-            <a:normAutofit/>
-          </a:bodyPr>
+          <a:bodyPr/>
           <a:lstStyle/>
           <a:p>
             <a:r>
               <a:rPr lang="it-IT" dirty="0" smtClean="0"/>
-              <a:t>E’ possibile inserire un evento</a:t>
-            </a:r>
-            <a:r>
-              <a:rPr lang="it-IT" baseline="0" dirty="0" smtClean="0"/>
-              <a:t> compilando un </a:t>
-            </a:r>
-            <a:r>
-              <a:rPr lang="it-IT" baseline="0" dirty="0" err="1" smtClean="0"/>
-              <a:t>form</a:t>
-            </a:r>
-            <a:r>
-              <a:rPr lang="it-IT" baseline="0" dirty="0" smtClean="0"/>
-              <a:t> (con controlli su ogni campo </a:t>
-            </a:r>
-            <a:r>
-              <a:rPr lang="it-IT" baseline="0" dirty="0" err="1" smtClean="0"/>
-              <a:t>pre</a:t>
-            </a:r>
-            <a:r>
-              <a:rPr lang="it-IT" baseline="0" dirty="0" smtClean="0"/>
-              <a:t> invio). Si può allegare un file contenente il programma dell’evento.</a:t>
+              <a:t>65 secondi</a:t>
             </a:r>
             <a:endParaRPr lang="it-IT" dirty="0"/>
           </a:p>
@@ -1071,13 +1049,18 @@
             <a:fld id="{D70604CA-7593-4640-8FA1-5523937B8510}" type="slidenum">
               <a:rPr lang="it-IT" smtClean="0"/>
               <a:pPr/>
-              <a:t>53</a:t>
+              <a:t>46</a:t>
             </a:fld>
             <a:endParaRPr lang="it-IT"/>
           </a:p>
         </p:txBody>
       </p:sp>
     </p:spTree>
+    <p:extLst>
+      <p:ext uri="{BB962C8B-B14F-4D97-AF65-F5344CB8AC3E}">
+        <p14:creationId xmlns:p14="http://schemas.microsoft.com/office/powerpoint/2010/main" val="3512014957"/>
+      </p:ext>
+    </p:extLst>
   </p:cSld>
   <p:clrMapOvr>
     <a:masterClrMapping/>
@@ -1126,34 +1109,12 @@
         </p:nvSpPr>
         <p:spPr/>
         <p:txBody>
-          <a:bodyPr>
-            <a:normAutofit/>
-          </a:bodyPr>
+          <a:bodyPr/>
           <a:lstStyle/>
           <a:p>
             <a:r>
               <a:rPr lang="it-IT" dirty="0" smtClean="0"/>
-              <a:t>E’ possibile modificare</a:t>
-            </a:r>
-            <a:r>
-              <a:rPr lang="it-IT" baseline="0" dirty="0" smtClean="0"/>
-              <a:t> un evento cliccando il tasto modifica. Per questioni di ottimizzazione la modifica di un evento </a:t>
-            </a:r>
-            <a:r>
-              <a:rPr lang="it-IT" baseline="0" dirty="0" err="1" smtClean="0"/>
-              <a:t>precarica</a:t>
-            </a:r>
-            <a:r>
-              <a:rPr lang="it-IT" baseline="0" dirty="0" smtClean="0"/>
-              <a:t> nella </a:t>
-            </a:r>
-            <a:r>
-              <a:rPr lang="it-IT" baseline="0" dirty="0" err="1" smtClean="0"/>
-              <a:t>form</a:t>
-            </a:r>
-            <a:r>
-              <a:rPr lang="it-IT" baseline="0" dirty="0" smtClean="0"/>
-              <a:t> i dati già presenti e permette allo staff di modificarli. E’ possibile modificare solo un evento creato dalla stessa persona che sta effettuando la modifica. L’allegato può essere ricaricato.</a:t>
+              <a:t>64 secondi</a:t>
             </a:r>
             <a:endParaRPr lang="it-IT" dirty="0"/>
           </a:p>
@@ -1177,13 +1138,18 @@
             <a:fld id="{D70604CA-7593-4640-8FA1-5523937B8510}" type="slidenum">
               <a:rPr lang="it-IT" smtClean="0"/>
               <a:pPr/>
-              <a:t>54</a:t>
+              <a:t>47</a:t>
             </a:fld>
             <a:endParaRPr lang="it-IT"/>
           </a:p>
         </p:txBody>
       </p:sp>
     </p:spTree>
+    <p:extLst>
+      <p:ext uri="{BB962C8B-B14F-4D97-AF65-F5344CB8AC3E}">
+        <p14:creationId xmlns:p14="http://schemas.microsoft.com/office/powerpoint/2010/main" val="2345158521"/>
+      </p:ext>
+    </p:extLst>
   </p:cSld>
   <p:clrMapOvr>
     <a:masterClrMapping/>
@@ -1232,19 +1198,9 @@
         </p:nvSpPr>
         <p:spPr/>
         <p:txBody>
-          <a:bodyPr>
-            <a:normAutofit/>
-          </a:bodyPr>
+          <a:bodyPr/>
           <a:lstStyle/>
           <a:p>
-            <a:r>
-              <a:rPr lang="it-IT" dirty="0" smtClean="0"/>
-              <a:t>E’ </a:t>
-            </a:r>
-            <a:r>
-              <a:rPr lang="it-IT" baseline="0" dirty="0" smtClean="0"/>
-              <a:t> possibile cancellare un evento. Per rimuoverlo bisogna essere l’autore dell’evento.</a:t>
-            </a:r>
             <a:endParaRPr lang="it-IT" dirty="0"/>
           </a:p>
         </p:txBody>
@@ -1267,13 +1223,18 @@
             <a:fld id="{D70604CA-7593-4640-8FA1-5523937B8510}" type="slidenum">
               <a:rPr lang="it-IT" smtClean="0"/>
               <a:pPr/>
-              <a:t>55</a:t>
+              <a:t>48</a:t>
             </a:fld>
             <a:endParaRPr lang="it-IT"/>
           </a:p>
         </p:txBody>
       </p:sp>
     </p:spTree>
+    <p:extLst>
+      <p:ext uri="{BB962C8B-B14F-4D97-AF65-F5344CB8AC3E}">
+        <p14:creationId xmlns:p14="http://schemas.microsoft.com/office/powerpoint/2010/main" val="1015010449"/>
+      </p:ext>
+    </p:extLst>
   </p:cSld>
   <p:clrMapOvr>
     <a:masterClrMapping/>
@@ -1322,49 +1283,12 @@
         </p:nvSpPr>
         <p:spPr/>
         <p:txBody>
-          <a:bodyPr>
-            <a:normAutofit/>
-          </a:bodyPr>
+          <a:bodyPr/>
           <a:lstStyle/>
           <a:p>
             <a:r>
-              <a:rPr lang="it-IT" baseline="0" dirty="0" smtClean="0"/>
-              <a:t>Nota numero 1: il singleton pattern viene utilizzato per evitare di creare un’istanza di </a:t>
-            </a:r>
-            <a:r>
-              <a:rPr lang="it-IT" baseline="0" dirty="0" err="1" smtClean="0"/>
-              <a:t>control</a:t>
-            </a:r>
-            <a:r>
-              <a:rPr lang="it-IT" baseline="0" dirty="0" smtClean="0"/>
-              <a:t> a ogni richiesta, poiché questo introdurrebbe un ritardo, e incrementerebbe l’utilizzo di memoria RAM.</a:t>
-            </a:r>
-            <a:endParaRPr lang="it-IT" dirty="0" smtClean="0"/>
-          </a:p>
-          <a:p>
-            <a:r>
               <a:rPr lang="it-IT" dirty="0" smtClean="0"/>
-              <a:t>Nota numero 2:</a:t>
-            </a:r>
-            <a:r>
-              <a:rPr lang="it-IT" baseline="0" dirty="0" smtClean="0"/>
-              <a:t> Non abbiamo variabili d’istanza per i </a:t>
-            </a:r>
-            <a:r>
-              <a:rPr lang="it-IT" baseline="0" dirty="0" err="1" smtClean="0"/>
-              <a:t>control</a:t>
-            </a:r>
-            <a:r>
-              <a:rPr lang="it-IT" baseline="0" dirty="0" smtClean="0"/>
-              <a:t>, poiché queste sarebbero accedute in concorrenza da più </a:t>
-            </a:r>
-            <a:r>
-              <a:rPr lang="it-IT" baseline="0" dirty="0" err="1" smtClean="0"/>
-              <a:t>thread</a:t>
-            </a:r>
-            <a:r>
-              <a:rPr lang="it-IT" baseline="0" dirty="0" smtClean="0"/>
-              <a:t>, e quindi si avrebbero problemi di concorrenza.</a:t>
+              <a:t>90 secondi</a:t>
             </a:r>
             <a:endParaRPr lang="it-IT" dirty="0"/>
           </a:p>
@@ -1388,7 +1312,494 @@
             <a:fld id="{D70604CA-7593-4640-8FA1-5523937B8510}" type="slidenum">
               <a:rPr lang="it-IT" smtClean="0"/>
               <a:pPr/>
-              <a:t>56</a:t>
+              <a:t>50</a:t>
+            </a:fld>
+            <a:endParaRPr lang="it-IT"/>
+          </a:p>
+        </p:txBody>
+      </p:sp>
+    </p:spTree>
+    <p:extLst>
+      <p:ext uri="{BB962C8B-B14F-4D97-AF65-F5344CB8AC3E}">
+        <p14:creationId xmlns:p14="http://schemas.microsoft.com/office/powerpoint/2010/main" val="1739957404"/>
+      </p:ext>
+    </p:extLst>
+  </p:cSld>
+  <p:clrMapOvr>
+    <a:masterClrMapping/>
+  </p:clrMapOvr>
+</p:notes>
+</file>
+
+<file path=ppt/notesSlides/notesSlide15.xml><?xml version="1.0" encoding="utf-8"?>
+<p:notes xmlns:a="http://schemas.openxmlformats.org/drawingml/2006/main" xmlns:r="http://schemas.openxmlformats.org/officeDocument/2006/relationships" xmlns:p="http://schemas.openxmlformats.org/presentationml/2006/main">
+  <p:cSld>
+    <p:spTree>
+      <p:nvGrpSpPr>
+        <p:cNvPr id="1" name=""/>
+        <p:cNvGrpSpPr/>
+        <p:nvPr/>
+      </p:nvGrpSpPr>
+      <p:grpSpPr>
+        <a:xfrm>
+          <a:off x="0" y="0"/>
+          <a:ext cx="0" cy="0"/>
+          <a:chOff x="0" y="0"/>
+          <a:chExt cx="0" cy="0"/>
+        </a:xfrm>
+      </p:grpSpPr>
+      <p:sp>
+        <p:nvSpPr>
+          <p:cNvPr id="2" name="Segnaposto immagine diapositiva 1"/>
+          <p:cNvSpPr>
+            <a:spLocks noGrp="1" noRot="1" noChangeAspect="1"/>
+          </p:cNvSpPr>
+          <p:nvPr>
+            <p:ph type="sldImg"/>
+          </p:nvPr>
+        </p:nvSpPr>
+        <p:spPr/>
+      </p:sp>
+      <p:sp>
+        <p:nvSpPr>
+          <p:cNvPr id="3" name="Segnaposto note 2"/>
+          <p:cNvSpPr>
+            <a:spLocks noGrp="1"/>
+          </p:cNvSpPr>
+          <p:nvPr>
+            <p:ph type="body" idx="1"/>
+          </p:nvPr>
+        </p:nvSpPr>
+        <p:spPr/>
+        <p:txBody>
+          <a:bodyPr>
+            <a:normAutofit/>
+          </a:bodyPr>
+          <a:lstStyle/>
+          <a:p>
+            <a:r>
+              <a:rPr lang="it-IT" dirty="0" smtClean="0"/>
+              <a:t>Nota : Possibili</a:t>
+            </a:r>
+            <a:r>
+              <a:rPr lang="it-IT" baseline="0" dirty="0" smtClean="0"/>
+              <a:t> cenni su operazioni.</a:t>
+            </a:r>
+            <a:endParaRPr lang="it-IT" dirty="0"/>
+          </a:p>
+        </p:txBody>
+      </p:sp>
+      <p:sp>
+        <p:nvSpPr>
+          <p:cNvPr id="4" name="Segnaposto numero diapositiva 3"/>
+          <p:cNvSpPr>
+            <a:spLocks noGrp="1"/>
+          </p:cNvSpPr>
+          <p:nvPr>
+            <p:ph type="sldNum" sz="quarter" idx="10"/>
+          </p:nvPr>
+        </p:nvSpPr>
+        <p:spPr/>
+        <p:txBody>
+          <a:bodyPr/>
+          <a:lstStyle/>
+          <a:p>
+            <a:fld id="{D70604CA-7593-4640-8FA1-5523937B8510}" type="slidenum">
+              <a:rPr lang="it-IT" smtClean="0"/>
+              <a:pPr/>
+              <a:t>51</a:t>
+            </a:fld>
+            <a:endParaRPr lang="it-IT"/>
+          </a:p>
+        </p:txBody>
+      </p:sp>
+    </p:spTree>
+  </p:cSld>
+  <p:clrMapOvr>
+    <a:masterClrMapping/>
+  </p:clrMapOvr>
+</p:notes>
+</file>
+
+<file path=ppt/notesSlides/notesSlide16.xml><?xml version="1.0" encoding="utf-8"?>
+<p:notes xmlns:a="http://schemas.openxmlformats.org/drawingml/2006/main" xmlns:r="http://schemas.openxmlformats.org/officeDocument/2006/relationships" xmlns:p="http://schemas.openxmlformats.org/presentationml/2006/main">
+  <p:cSld>
+    <p:spTree>
+      <p:nvGrpSpPr>
+        <p:cNvPr id="1" name=""/>
+        <p:cNvGrpSpPr/>
+        <p:nvPr/>
+      </p:nvGrpSpPr>
+      <p:grpSpPr>
+        <a:xfrm>
+          <a:off x="0" y="0"/>
+          <a:ext cx="0" cy="0"/>
+          <a:chOff x="0" y="0"/>
+          <a:chExt cx="0" cy="0"/>
+        </a:xfrm>
+      </p:grpSpPr>
+      <p:sp>
+        <p:nvSpPr>
+          <p:cNvPr id="2" name="Segnaposto immagine diapositiva 1"/>
+          <p:cNvSpPr>
+            <a:spLocks noGrp="1" noRot="1" noChangeAspect="1"/>
+          </p:cNvSpPr>
+          <p:nvPr>
+            <p:ph type="sldImg"/>
+          </p:nvPr>
+        </p:nvSpPr>
+        <p:spPr/>
+      </p:sp>
+      <p:sp>
+        <p:nvSpPr>
+          <p:cNvPr id="3" name="Segnaposto note 2"/>
+          <p:cNvSpPr>
+            <a:spLocks noGrp="1"/>
+          </p:cNvSpPr>
+          <p:nvPr>
+            <p:ph type="body" idx="1"/>
+          </p:nvPr>
+        </p:nvSpPr>
+        <p:spPr/>
+        <p:txBody>
+          <a:bodyPr>
+            <a:normAutofit/>
+          </a:bodyPr>
+          <a:lstStyle/>
+          <a:p>
+            <a:r>
+              <a:rPr lang="it-IT" dirty="0" smtClean="0"/>
+              <a:t>Nota : Possibili</a:t>
+            </a:r>
+            <a:r>
+              <a:rPr lang="it-IT" baseline="0" dirty="0" smtClean="0"/>
+              <a:t> cenni su operazioni.</a:t>
+            </a:r>
+            <a:endParaRPr lang="it-IT" dirty="0"/>
+          </a:p>
+        </p:txBody>
+      </p:sp>
+      <p:sp>
+        <p:nvSpPr>
+          <p:cNvPr id="4" name="Segnaposto numero diapositiva 3"/>
+          <p:cNvSpPr>
+            <a:spLocks noGrp="1"/>
+          </p:cNvSpPr>
+          <p:nvPr>
+            <p:ph type="sldNum" sz="quarter" idx="10"/>
+          </p:nvPr>
+        </p:nvSpPr>
+        <p:spPr/>
+        <p:txBody>
+          <a:bodyPr/>
+          <a:lstStyle/>
+          <a:p>
+            <a:fld id="{D70604CA-7593-4640-8FA1-5523937B8510}" type="slidenum">
+              <a:rPr lang="it-IT" smtClean="0"/>
+              <a:pPr/>
+              <a:t>52</a:t>
+            </a:fld>
+            <a:endParaRPr lang="it-IT"/>
+          </a:p>
+        </p:txBody>
+      </p:sp>
+    </p:spTree>
+  </p:cSld>
+  <p:clrMapOvr>
+    <a:masterClrMapping/>
+  </p:clrMapOvr>
+</p:notes>
+</file>
+
+<file path=ppt/notesSlides/notesSlide17.xml><?xml version="1.0" encoding="utf-8"?>
+<p:notes xmlns:a="http://schemas.openxmlformats.org/drawingml/2006/main" xmlns:r="http://schemas.openxmlformats.org/officeDocument/2006/relationships" xmlns:p="http://schemas.openxmlformats.org/presentationml/2006/main">
+  <p:cSld>
+    <p:spTree>
+      <p:nvGrpSpPr>
+        <p:cNvPr id="1" name=""/>
+        <p:cNvGrpSpPr/>
+        <p:nvPr/>
+      </p:nvGrpSpPr>
+      <p:grpSpPr>
+        <a:xfrm>
+          <a:off x="0" y="0"/>
+          <a:ext cx="0" cy="0"/>
+          <a:chOff x="0" y="0"/>
+          <a:chExt cx="0" cy="0"/>
+        </a:xfrm>
+      </p:grpSpPr>
+      <p:sp>
+        <p:nvSpPr>
+          <p:cNvPr id="2" name="Segnaposto immagine diapositiva 1"/>
+          <p:cNvSpPr>
+            <a:spLocks noGrp="1" noRot="1" noChangeAspect="1"/>
+          </p:cNvSpPr>
+          <p:nvPr>
+            <p:ph type="sldImg"/>
+          </p:nvPr>
+        </p:nvSpPr>
+        <p:spPr/>
+      </p:sp>
+      <p:sp>
+        <p:nvSpPr>
+          <p:cNvPr id="3" name="Segnaposto note 2"/>
+          <p:cNvSpPr>
+            <a:spLocks noGrp="1"/>
+          </p:cNvSpPr>
+          <p:nvPr>
+            <p:ph type="body" idx="1"/>
+          </p:nvPr>
+        </p:nvSpPr>
+        <p:spPr/>
+        <p:txBody>
+          <a:bodyPr>
+            <a:normAutofit/>
+          </a:bodyPr>
+          <a:lstStyle/>
+          <a:p>
+            <a:r>
+              <a:rPr lang="it-IT" dirty="0" smtClean="0"/>
+              <a:t>Visualizza</a:t>
+            </a:r>
+            <a:r>
+              <a:rPr lang="it-IT" baseline="0" dirty="0" smtClean="0"/>
+              <a:t> eventi. Tramite un calendario è possibile selezionare il giorno per il quale vogliamo mostrare gli eventi. Gli eventi sono : Filtrati (Genitore vede solo quelli di suo figlio, Staff modifica solo i propri eventi e visualizza gli eventi degli altri).</a:t>
+            </a:r>
+            <a:endParaRPr lang="it-IT" dirty="0"/>
+          </a:p>
+        </p:txBody>
+      </p:sp>
+      <p:sp>
+        <p:nvSpPr>
+          <p:cNvPr id="4" name="Segnaposto numero diapositiva 3"/>
+          <p:cNvSpPr>
+            <a:spLocks noGrp="1"/>
+          </p:cNvSpPr>
+          <p:nvPr>
+            <p:ph type="sldNum" sz="quarter" idx="10"/>
+          </p:nvPr>
+        </p:nvSpPr>
+        <p:spPr/>
+        <p:txBody>
+          <a:bodyPr/>
+          <a:lstStyle/>
+          <a:p>
+            <a:fld id="{D70604CA-7593-4640-8FA1-5523937B8510}" type="slidenum">
+              <a:rPr lang="it-IT" smtClean="0"/>
+              <a:pPr/>
+              <a:t>53</a:t>
+            </a:fld>
+            <a:endParaRPr lang="it-IT"/>
+          </a:p>
+        </p:txBody>
+      </p:sp>
+    </p:spTree>
+  </p:cSld>
+  <p:clrMapOvr>
+    <a:masterClrMapping/>
+  </p:clrMapOvr>
+</p:notes>
+</file>
+
+<file path=ppt/notesSlides/notesSlide18.xml><?xml version="1.0" encoding="utf-8"?>
+<p:notes xmlns:a="http://schemas.openxmlformats.org/drawingml/2006/main" xmlns:r="http://schemas.openxmlformats.org/officeDocument/2006/relationships" xmlns:p="http://schemas.openxmlformats.org/presentationml/2006/main">
+  <p:cSld>
+    <p:spTree>
+      <p:nvGrpSpPr>
+        <p:cNvPr id="1" name=""/>
+        <p:cNvGrpSpPr/>
+        <p:nvPr/>
+      </p:nvGrpSpPr>
+      <p:grpSpPr>
+        <a:xfrm>
+          <a:off x="0" y="0"/>
+          <a:ext cx="0" cy="0"/>
+          <a:chOff x="0" y="0"/>
+          <a:chExt cx="0" cy="0"/>
+        </a:xfrm>
+      </p:grpSpPr>
+      <p:sp>
+        <p:nvSpPr>
+          <p:cNvPr id="2" name="Segnaposto immagine diapositiva 1"/>
+          <p:cNvSpPr>
+            <a:spLocks noGrp="1" noRot="1" noChangeAspect="1"/>
+          </p:cNvSpPr>
+          <p:nvPr>
+            <p:ph type="sldImg"/>
+          </p:nvPr>
+        </p:nvSpPr>
+        <p:spPr/>
+      </p:sp>
+      <p:sp>
+        <p:nvSpPr>
+          <p:cNvPr id="3" name="Segnaposto note 2"/>
+          <p:cNvSpPr>
+            <a:spLocks noGrp="1"/>
+          </p:cNvSpPr>
+          <p:nvPr>
+            <p:ph type="body" idx="1"/>
+          </p:nvPr>
+        </p:nvSpPr>
+        <p:spPr/>
+        <p:txBody>
+          <a:bodyPr>
+            <a:normAutofit/>
+          </a:bodyPr>
+          <a:lstStyle/>
+          <a:p>
+            <a:r>
+              <a:rPr lang="it-IT" dirty="0" smtClean="0"/>
+              <a:t>E’ possibile inserire un evento</a:t>
+            </a:r>
+            <a:r>
+              <a:rPr lang="it-IT" baseline="0" dirty="0" smtClean="0"/>
+              <a:t> compilando un </a:t>
+            </a:r>
+            <a:r>
+              <a:rPr lang="it-IT" baseline="0" dirty="0" err="1" smtClean="0"/>
+              <a:t>form</a:t>
+            </a:r>
+            <a:r>
+              <a:rPr lang="it-IT" baseline="0" dirty="0" smtClean="0"/>
+              <a:t> (con controlli su ogni campo </a:t>
+            </a:r>
+            <a:r>
+              <a:rPr lang="it-IT" baseline="0" dirty="0" err="1" smtClean="0"/>
+              <a:t>pre</a:t>
+            </a:r>
+            <a:r>
+              <a:rPr lang="it-IT" baseline="0" dirty="0" smtClean="0"/>
+              <a:t> invio). Si può allegare un file contenente il programma dell’evento.</a:t>
+            </a:r>
+            <a:endParaRPr lang="it-IT" dirty="0"/>
+          </a:p>
+        </p:txBody>
+      </p:sp>
+      <p:sp>
+        <p:nvSpPr>
+          <p:cNvPr id="4" name="Segnaposto numero diapositiva 3"/>
+          <p:cNvSpPr>
+            <a:spLocks noGrp="1"/>
+          </p:cNvSpPr>
+          <p:nvPr>
+            <p:ph type="sldNum" sz="quarter" idx="10"/>
+          </p:nvPr>
+        </p:nvSpPr>
+        <p:spPr/>
+        <p:txBody>
+          <a:bodyPr/>
+          <a:lstStyle/>
+          <a:p>
+            <a:fld id="{D70604CA-7593-4640-8FA1-5523937B8510}" type="slidenum">
+              <a:rPr lang="it-IT" smtClean="0"/>
+              <a:pPr/>
+              <a:t>54</a:t>
+            </a:fld>
+            <a:endParaRPr lang="it-IT"/>
+          </a:p>
+        </p:txBody>
+      </p:sp>
+    </p:spTree>
+  </p:cSld>
+  <p:clrMapOvr>
+    <a:masterClrMapping/>
+  </p:clrMapOvr>
+</p:notes>
+</file>
+
+<file path=ppt/notesSlides/notesSlide19.xml><?xml version="1.0" encoding="utf-8"?>
+<p:notes xmlns:a="http://schemas.openxmlformats.org/drawingml/2006/main" xmlns:r="http://schemas.openxmlformats.org/officeDocument/2006/relationships" xmlns:p="http://schemas.openxmlformats.org/presentationml/2006/main">
+  <p:cSld>
+    <p:spTree>
+      <p:nvGrpSpPr>
+        <p:cNvPr id="1" name=""/>
+        <p:cNvGrpSpPr/>
+        <p:nvPr/>
+      </p:nvGrpSpPr>
+      <p:grpSpPr>
+        <a:xfrm>
+          <a:off x="0" y="0"/>
+          <a:ext cx="0" cy="0"/>
+          <a:chOff x="0" y="0"/>
+          <a:chExt cx="0" cy="0"/>
+        </a:xfrm>
+      </p:grpSpPr>
+      <p:sp>
+        <p:nvSpPr>
+          <p:cNvPr id="2" name="Segnaposto immagine diapositiva 1"/>
+          <p:cNvSpPr>
+            <a:spLocks noGrp="1" noRot="1" noChangeAspect="1"/>
+          </p:cNvSpPr>
+          <p:nvPr>
+            <p:ph type="sldImg"/>
+          </p:nvPr>
+        </p:nvSpPr>
+        <p:spPr/>
+      </p:sp>
+      <p:sp>
+        <p:nvSpPr>
+          <p:cNvPr id="3" name="Segnaposto note 2"/>
+          <p:cNvSpPr>
+            <a:spLocks noGrp="1"/>
+          </p:cNvSpPr>
+          <p:nvPr>
+            <p:ph type="body" idx="1"/>
+          </p:nvPr>
+        </p:nvSpPr>
+        <p:spPr/>
+        <p:txBody>
+          <a:bodyPr>
+            <a:normAutofit/>
+          </a:bodyPr>
+          <a:lstStyle/>
+          <a:p>
+            <a:r>
+              <a:rPr lang="it-IT" dirty="0" smtClean="0"/>
+              <a:t>E’ possibile modificare</a:t>
+            </a:r>
+            <a:r>
+              <a:rPr lang="it-IT" baseline="0" dirty="0" smtClean="0"/>
+              <a:t> un evento cliccando il tasto modifica. Per questioni di ottimizzazione la modifica di un evento </a:t>
+            </a:r>
+            <a:r>
+              <a:rPr lang="it-IT" baseline="0" dirty="0" err="1" smtClean="0"/>
+              <a:t>precarica</a:t>
+            </a:r>
+            <a:r>
+              <a:rPr lang="it-IT" baseline="0" dirty="0" smtClean="0"/>
+              <a:t> nella </a:t>
+            </a:r>
+            <a:r>
+              <a:rPr lang="it-IT" baseline="0" dirty="0" err="1" smtClean="0"/>
+              <a:t>form</a:t>
+            </a:r>
+            <a:r>
+              <a:rPr lang="it-IT" baseline="0" dirty="0" smtClean="0"/>
+              <a:t> i dati già presenti e permette allo staff di modificarli. E’ possibile modificare solo un evento creato dalla stessa persona che sta effettuando la modifica. L’allegato può essere ricaricato.</a:t>
+            </a:r>
+            <a:endParaRPr lang="it-IT" dirty="0"/>
+          </a:p>
+        </p:txBody>
+      </p:sp>
+      <p:sp>
+        <p:nvSpPr>
+          <p:cNvPr id="4" name="Segnaposto numero diapositiva 3"/>
+          <p:cNvSpPr>
+            <a:spLocks noGrp="1"/>
+          </p:cNvSpPr>
+          <p:nvPr>
+            <p:ph type="sldNum" sz="quarter" idx="10"/>
+          </p:nvPr>
+        </p:nvSpPr>
+        <p:spPr/>
+        <p:txBody>
+          <a:bodyPr/>
+          <a:lstStyle/>
+          <a:p>
+            <a:fld id="{D70604CA-7593-4640-8FA1-5523937B8510}" type="slidenum">
+              <a:rPr lang="it-IT" smtClean="0"/>
+              <a:pPr/>
+              <a:t>55</a:t>
             </a:fld>
             <a:endParaRPr lang="it-IT"/>
           </a:p>
@@ -1481,9 +1892,220 @@
     </p:spTree>
     <p:extLst>
       <p:ext uri="{BB962C8B-B14F-4D97-AF65-F5344CB8AC3E}">
-        <p14:creationId xmlns:p14="http://schemas.microsoft.com/office/powerpoint/2010/main" xmlns="" val="3294237695"/>
+        <p14:creationId xmlns:p14="http://schemas.microsoft.com/office/powerpoint/2010/main" val="3294237695"/>
       </p:ext>
     </p:extLst>
+  </p:cSld>
+  <p:clrMapOvr>
+    <a:masterClrMapping/>
+  </p:clrMapOvr>
+</p:notes>
+</file>
+
+<file path=ppt/notesSlides/notesSlide20.xml><?xml version="1.0" encoding="utf-8"?>
+<p:notes xmlns:a="http://schemas.openxmlformats.org/drawingml/2006/main" xmlns:r="http://schemas.openxmlformats.org/officeDocument/2006/relationships" xmlns:p="http://schemas.openxmlformats.org/presentationml/2006/main">
+  <p:cSld>
+    <p:spTree>
+      <p:nvGrpSpPr>
+        <p:cNvPr id="1" name=""/>
+        <p:cNvGrpSpPr/>
+        <p:nvPr/>
+      </p:nvGrpSpPr>
+      <p:grpSpPr>
+        <a:xfrm>
+          <a:off x="0" y="0"/>
+          <a:ext cx="0" cy="0"/>
+          <a:chOff x="0" y="0"/>
+          <a:chExt cx="0" cy="0"/>
+        </a:xfrm>
+      </p:grpSpPr>
+      <p:sp>
+        <p:nvSpPr>
+          <p:cNvPr id="2" name="Segnaposto immagine diapositiva 1"/>
+          <p:cNvSpPr>
+            <a:spLocks noGrp="1" noRot="1" noChangeAspect="1"/>
+          </p:cNvSpPr>
+          <p:nvPr>
+            <p:ph type="sldImg"/>
+          </p:nvPr>
+        </p:nvSpPr>
+        <p:spPr/>
+      </p:sp>
+      <p:sp>
+        <p:nvSpPr>
+          <p:cNvPr id="3" name="Segnaposto note 2"/>
+          <p:cNvSpPr>
+            <a:spLocks noGrp="1"/>
+          </p:cNvSpPr>
+          <p:nvPr>
+            <p:ph type="body" idx="1"/>
+          </p:nvPr>
+        </p:nvSpPr>
+        <p:spPr/>
+        <p:txBody>
+          <a:bodyPr>
+            <a:normAutofit/>
+          </a:bodyPr>
+          <a:lstStyle/>
+          <a:p>
+            <a:r>
+              <a:rPr lang="it-IT" dirty="0" smtClean="0"/>
+              <a:t>E’ </a:t>
+            </a:r>
+            <a:r>
+              <a:rPr lang="it-IT" baseline="0" dirty="0" smtClean="0"/>
+              <a:t> possibile cancellare un evento. Per rimuoverlo bisogna essere l’autore dell’evento.</a:t>
+            </a:r>
+            <a:endParaRPr lang="it-IT" dirty="0"/>
+          </a:p>
+        </p:txBody>
+      </p:sp>
+      <p:sp>
+        <p:nvSpPr>
+          <p:cNvPr id="4" name="Segnaposto numero diapositiva 3"/>
+          <p:cNvSpPr>
+            <a:spLocks noGrp="1"/>
+          </p:cNvSpPr>
+          <p:nvPr>
+            <p:ph type="sldNum" sz="quarter" idx="10"/>
+          </p:nvPr>
+        </p:nvSpPr>
+        <p:spPr/>
+        <p:txBody>
+          <a:bodyPr/>
+          <a:lstStyle/>
+          <a:p>
+            <a:fld id="{D70604CA-7593-4640-8FA1-5523937B8510}" type="slidenum">
+              <a:rPr lang="it-IT" smtClean="0"/>
+              <a:pPr/>
+              <a:t>56</a:t>
+            </a:fld>
+            <a:endParaRPr lang="it-IT"/>
+          </a:p>
+        </p:txBody>
+      </p:sp>
+    </p:spTree>
+  </p:cSld>
+  <p:clrMapOvr>
+    <a:masterClrMapping/>
+  </p:clrMapOvr>
+</p:notes>
+</file>
+
+<file path=ppt/notesSlides/notesSlide21.xml><?xml version="1.0" encoding="utf-8"?>
+<p:notes xmlns:a="http://schemas.openxmlformats.org/drawingml/2006/main" xmlns:r="http://schemas.openxmlformats.org/officeDocument/2006/relationships" xmlns:p="http://schemas.openxmlformats.org/presentationml/2006/main">
+  <p:cSld>
+    <p:spTree>
+      <p:nvGrpSpPr>
+        <p:cNvPr id="1" name=""/>
+        <p:cNvGrpSpPr/>
+        <p:nvPr/>
+      </p:nvGrpSpPr>
+      <p:grpSpPr>
+        <a:xfrm>
+          <a:off x="0" y="0"/>
+          <a:ext cx="0" cy="0"/>
+          <a:chOff x="0" y="0"/>
+          <a:chExt cx="0" cy="0"/>
+        </a:xfrm>
+      </p:grpSpPr>
+      <p:sp>
+        <p:nvSpPr>
+          <p:cNvPr id="2" name="Segnaposto immagine diapositiva 1"/>
+          <p:cNvSpPr>
+            <a:spLocks noGrp="1" noRot="1" noChangeAspect="1"/>
+          </p:cNvSpPr>
+          <p:nvPr>
+            <p:ph type="sldImg"/>
+          </p:nvPr>
+        </p:nvSpPr>
+        <p:spPr/>
+      </p:sp>
+      <p:sp>
+        <p:nvSpPr>
+          <p:cNvPr id="3" name="Segnaposto note 2"/>
+          <p:cNvSpPr>
+            <a:spLocks noGrp="1"/>
+          </p:cNvSpPr>
+          <p:nvPr>
+            <p:ph type="body" idx="1"/>
+          </p:nvPr>
+        </p:nvSpPr>
+        <p:spPr/>
+        <p:txBody>
+          <a:bodyPr>
+            <a:normAutofit/>
+          </a:bodyPr>
+          <a:lstStyle/>
+          <a:p>
+            <a:r>
+              <a:rPr lang="it-IT" baseline="0" dirty="0" smtClean="0"/>
+              <a:t>Nota numero 1: il singleton pattern viene utilizzato per evitare di creare un’istanza di </a:t>
+            </a:r>
+            <a:r>
+              <a:rPr lang="it-IT" baseline="0" dirty="0" err="1" smtClean="0"/>
+              <a:t>control</a:t>
+            </a:r>
+            <a:r>
+              <a:rPr lang="it-IT" baseline="0" dirty="0" smtClean="0"/>
+              <a:t> a ogni richiesta, poiché questo introdurrebbe un ritardo, e incrementerebbe l’utilizzo di memoria RAM.</a:t>
+            </a:r>
+            <a:endParaRPr lang="it-IT" dirty="0" smtClean="0"/>
+          </a:p>
+          <a:p>
+            <a:r>
+              <a:rPr lang="it-IT" dirty="0" smtClean="0"/>
+              <a:t>Nota numero 2:</a:t>
+            </a:r>
+            <a:r>
+              <a:rPr lang="it-IT" baseline="0" dirty="0" smtClean="0"/>
+              <a:t> Non abbiamo variabili d’istanza per i </a:t>
+            </a:r>
+            <a:r>
+              <a:rPr lang="it-IT" baseline="0" dirty="0" err="1" smtClean="0"/>
+              <a:t>control</a:t>
+            </a:r>
+            <a:r>
+              <a:rPr lang="it-IT" baseline="0" dirty="0" smtClean="0"/>
+              <a:t>, poiché queste sarebbero accedute in concorrenza da più </a:t>
+            </a:r>
+            <a:r>
+              <a:rPr lang="it-IT" baseline="0" dirty="0" err="1" smtClean="0"/>
+              <a:t>thread</a:t>
+            </a:r>
+            <a:r>
+              <a:rPr lang="it-IT" baseline="0" dirty="0" smtClean="0"/>
+              <a:t>, e quindi si avrebbero problemi di concorrenza.</a:t>
+            </a:r>
+            <a:endParaRPr lang="it-IT" dirty="0"/>
+          </a:p>
+        </p:txBody>
+      </p:sp>
+      <p:sp>
+        <p:nvSpPr>
+          <p:cNvPr id="4" name="Segnaposto numero diapositiva 3"/>
+          <p:cNvSpPr>
+            <a:spLocks noGrp="1"/>
+          </p:cNvSpPr>
+          <p:nvPr>
+            <p:ph type="sldNum" sz="quarter" idx="10"/>
+          </p:nvPr>
+        </p:nvSpPr>
+        <p:spPr/>
+        <p:txBody>
+          <a:bodyPr/>
+          <a:lstStyle/>
+          <a:p>
+            <a:fld id="{D70604CA-7593-4640-8FA1-5523937B8510}" type="slidenum">
+              <a:rPr lang="it-IT" smtClean="0"/>
+              <a:pPr/>
+              <a:t>57</a:t>
+            </a:fld>
+            <a:endParaRPr lang="it-IT"/>
+          </a:p>
+        </p:txBody>
+      </p:sp>
+    </p:spTree>
   </p:cSld>
   <p:clrMapOvr>
     <a:masterClrMapping/>
@@ -1566,7 +2188,7 @@
     </p:spTree>
     <p:extLst>
       <p:ext uri="{BB962C8B-B14F-4D97-AF65-F5344CB8AC3E}">
-        <p14:creationId xmlns:p14="http://schemas.microsoft.com/office/powerpoint/2010/main" xmlns="" val="328384907"/>
+        <p14:creationId xmlns:p14="http://schemas.microsoft.com/office/powerpoint/2010/main" val="328384907"/>
       </p:ext>
     </p:extLst>
   </p:cSld>
@@ -1995,18 +2617,12 @@
         </p:nvSpPr>
         <p:spPr/>
         <p:txBody>
-          <a:bodyPr>
-            <a:normAutofit/>
-          </a:bodyPr>
+          <a:bodyPr/>
           <a:lstStyle/>
           <a:p>
             <a:r>
               <a:rPr lang="it-IT" dirty="0" smtClean="0"/>
-              <a:t>Nota : Possibili</a:t>
-            </a:r>
-            <a:r>
-              <a:rPr lang="it-IT" baseline="0" dirty="0" smtClean="0"/>
-              <a:t> cenni su operazioni.</a:t>
+              <a:t>25 secondi</a:t>
             </a:r>
             <a:endParaRPr lang="it-IT" dirty="0"/>
           </a:p>
@@ -2030,13 +2646,18 @@
             <a:fld id="{D70604CA-7593-4640-8FA1-5523937B8510}" type="slidenum">
               <a:rPr lang="it-IT" smtClean="0"/>
               <a:pPr/>
-              <a:t>50</a:t>
+              <a:t>42</a:t>
             </a:fld>
             <a:endParaRPr lang="it-IT"/>
           </a:p>
         </p:txBody>
       </p:sp>
     </p:spTree>
+    <p:extLst>
+      <p:ext uri="{BB962C8B-B14F-4D97-AF65-F5344CB8AC3E}">
+        <p14:creationId xmlns:p14="http://schemas.microsoft.com/office/powerpoint/2010/main" val="1996527286"/>
+      </p:ext>
+    </p:extLst>
   </p:cSld>
   <p:clrMapOvr>
     <a:masterClrMapping/>
@@ -2085,18 +2706,12 @@
         </p:nvSpPr>
         <p:spPr/>
         <p:txBody>
-          <a:bodyPr>
-            <a:normAutofit/>
-          </a:bodyPr>
+          <a:bodyPr/>
           <a:lstStyle/>
           <a:p>
             <a:r>
               <a:rPr lang="it-IT" dirty="0" smtClean="0"/>
-              <a:t>Nota : Possibili</a:t>
-            </a:r>
-            <a:r>
-              <a:rPr lang="it-IT" baseline="0" dirty="0" smtClean="0"/>
-              <a:t> cenni su operazioni.</a:t>
+              <a:t>55 secondi</a:t>
             </a:r>
             <a:endParaRPr lang="it-IT" dirty="0"/>
           </a:p>
@@ -2120,13 +2735,18 @@
             <a:fld id="{D70604CA-7593-4640-8FA1-5523937B8510}" type="slidenum">
               <a:rPr lang="it-IT" smtClean="0"/>
               <a:pPr/>
-              <a:t>51</a:t>
+              <a:t>43</a:t>
             </a:fld>
             <a:endParaRPr lang="it-IT"/>
           </a:p>
         </p:txBody>
       </p:sp>
     </p:spTree>
+    <p:extLst>
+      <p:ext uri="{BB962C8B-B14F-4D97-AF65-F5344CB8AC3E}">
+        <p14:creationId xmlns:p14="http://schemas.microsoft.com/office/powerpoint/2010/main" val="2085119431"/>
+      </p:ext>
+    </p:extLst>
   </p:cSld>
   <p:clrMapOvr>
     <a:masterClrMapping/>
@@ -2300,7 +2920,7 @@
             <a:fld id="{63CABBC0-75E4-43BB-A6A6-84C2A96BDB82}" type="datetimeFigureOut">
               <a:rPr lang="it-IT" smtClean="0"/>
               <a:pPr/>
-              <a:t>02/01/2013</a:t>
+              <a:t>03/01/2013</a:t>
             </a:fld>
             <a:endParaRPr lang="it-IT"/>
           </a:p>
@@ -2482,7 +3102,7 @@
             <a:fld id="{63CABBC0-75E4-43BB-A6A6-84C2A96BDB82}" type="datetimeFigureOut">
               <a:rPr lang="it-IT" smtClean="0"/>
               <a:pPr/>
-              <a:t>02/01/2013</a:t>
+              <a:t>03/01/2013</a:t>
             </a:fld>
             <a:endParaRPr lang="it-IT"/>
           </a:p>
@@ -2674,7 +3294,7 @@
             <a:fld id="{63CABBC0-75E4-43BB-A6A6-84C2A96BDB82}" type="datetimeFigureOut">
               <a:rPr lang="it-IT" smtClean="0"/>
               <a:pPr/>
-              <a:t>02/01/2013</a:t>
+              <a:t>03/01/2013</a:t>
             </a:fld>
             <a:endParaRPr lang="it-IT"/>
           </a:p>
@@ -2856,7 +3476,7 @@
             <a:fld id="{63CABBC0-75E4-43BB-A6A6-84C2A96BDB82}" type="datetimeFigureOut">
               <a:rPr lang="it-IT" smtClean="0"/>
               <a:pPr/>
-              <a:t>02/01/2013</a:t>
+              <a:t>03/01/2013</a:t>
             </a:fld>
             <a:endParaRPr lang="it-IT"/>
           </a:p>
@@ -3099,7 +3719,7 @@
             <a:fld id="{63CABBC0-75E4-43BB-A6A6-84C2A96BDB82}" type="datetimeFigureOut">
               <a:rPr lang="it-IT" smtClean="0"/>
               <a:pPr/>
-              <a:t>02/01/2013</a:t>
+              <a:t>03/01/2013</a:t>
             </a:fld>
             <a:endParaRPr lang="it-IT"/>
           </a:p>
@@ -3380,7 +4000,7 @@
             <a:fld id="{63CABBC0-75E4-43BB-A6A6-84C2A96BDB82}" type="datetimeFigureOut">
               <a:rPr lang="it-IT" smtClean="0"/>
               <a:pPr/>
-              <a:t>02/01/2013</a:t>
+              <a:t>03/01/2013</a:t>
             </a:fld>
             <a:endParaRPr lang="it-IT"/>
           </a:p>
@@ -3771,7 +4391,7 @@
             <a:fld id="{63CABBC0-75E4-43BB-A6A6-84C2A96BDB82}" type="datetimeFigureOut">
               <a:rPr lang="it-IT" smtClean="0"/>
               <a:pPr/>
-              <a:t>02/01/2013</a:t>
+              <a:t>03/01/2013</a:t>
             </a:fld>
             <a:endParaRPr lang="it-IT"/>
           </a:p>
@@ -3930,7 +4550,7 @@
             <a:fld id="{63CABBC0-75E4-43BB-A6A6-84C2A96BDB82}" type="datetimeFigureOut">
               <a:rPr lang="it-IT" smtClean="0"/>
               <a:pPr/>
-              <a:t>02/01/2013</a:t>
+              <a:t>03/01/2013</a:t>
             </a:fld>
             <a:endParaRPr lang="it-IT"/>
           </a:p>
@@ -4029,7 +4649,7 @@
             <a:fld id="{63CABBC0-75E4-43BB-A6A6-84C2A96BDB82}" type="datetimeFigureOut">
               <a:rPr lang="it-IT" smtClean="0"/>
               <a:pPr/>
-              <a:t>02/01/2013</a:t>
+              <a:t>03/01/2013</a:t>
             </a:fld>
             <a:endParaRPr lang="it-IT"/>
           </a:p>
@@ -4299,7 +4919,7 @@
             <a:fld id="{63CABBC0-75E4-43BB-A6A6-84C2A96BDB82}" type="datetimeFigureOut">
               <a:rPr lang="it-IT" smtClean="0"/>
               <a:pPr/>
-              <a:t>02/01/2013</a:t>
+              <a:t>03/01/2013</a:t>
             </a:fld>
             <a:endParaRPr lang="it-IT"/>
           </a:p>
@@ -4596,7 +5216,7 @@
             <a:fld id="{63CABBC0-75E4-43BB-A6A6-84C2A96BDB82}" type="datetimeFigureOut">
               <a:rPr lang="it-IT" smtClean="0"/>
               <a:pPr/>
-              <a:t>02/01/2013</a:t>
+              <a:t>03/01/2013</a:t>
             </a:fld>
             <a:endParaRPr lang="it-IT"/>
           </a:p>
@@ -5376,7 +5996,7 @@
             <a:fld id="{63CABBC0-75E4-43BB-A6A6-84C2A96BDB82}" type="datetimeFigureOut">
               <a:rPr lang="it-IT" smtClean="0"/>
               <a:pPr/>
-              <a:t>02/01/2013</a:t>
+              <a:t>03/01/2013</a:t>
             </a:fld>
             <a:endParaRPr lang="it-IT"/>
           </a:p>
@@ -6059,7 +6679,7 @@
           <p:nvPr>
             <p:extLst>
               <p:ext uri="{D42A27DB-BD31-4B8C-83A1-F6EECF244321}">
-                <p14:modId xmlns="" xmlns:p14="http://schemas.microsoft.com/office/powerpoint/2010/main" val="3478576524"/>
+                <p14:modId xmlns:p14="http://schemas.microsoft.com/office/powerpoint/2010/main" val="3478576524"/>
               </p:ext>
             </p:extLst>
           </p:nvPr>
@@ -6276,7 +6896,7 @@
           <p:nvPr>
             <p:extLst>
               <p:ext uri="{D42A27DB-BD31-4B8C-83A1-F6EECF244321}">
-                <p14:modId xmlns="" xmlns:p14="http://schemas.microsoft.com/office/powerpoint/2010/main" val="3696521689"/>
+                <p14:modId xmlns:p14="http://schemas.microsoft.com/office/powerpoint/2010/main" val="3696521689"/>
               </p:ext>
             </p:extLst>
           </p:nvPr>
@@ -6366,7 +6986,7 @@
           <a:blip r:embed="rId3" cstate="print">
             <a:extLst>
               <a:ext uri="{28A0092B-C50C-407E-A947-70E740481C1C}">
-                <a14:useLocalDpi xmlns="" xmlns:a14="http://schemas.microsoft.com/office/drawing/2010/main" val="0"/>
+                <a14:useLocalDpi xmlns:a14="http://schemas.microsoft.com/office/drawing/2010/main" val="0"/>
               </a:ext>
             </a:extLst>
           </a:blip>
@@ -6386,7 +7006,7 @@
           <a:noFill/>
           <a:extLst>
             <a:ext uri="{909E8E84-426E-40DD-AFC4-6F175D3DCCD1}">
-              <a14:hiddenFill xmlns="" xmlns:a14="http://schemas.microsoft.com/office/drawing/2010/main">
+              <a14:hiddenFill xmlns:a14="http://schemas.microsoft.com/office/drawing/2010/main">
                 <a:solidFill>
                   <a:srgbClr val="FFFFFF"/>
                 </a:solidFill>
@@ -6398,7 +7018,7 @@
     </p:spTree>
     <p:extLst>
       <p:ext uri="{BB962C8B-B14F-4D97-AF65-F5344CB8AC3E}">
-        <p14:creationId xmlns="" xmlns:p14="http://schemas.microsoft.com/office/powerpoint/2010/main" val="4165334171"/>
+        <p14:creationId xmlns:p14="http://schemas.microsoft.com/office/powerpoint/2010/main" val="4165334171"/>
       </p:ext>
     </p:extLst>
   </p:cSld>
@@ -6483,7 +7103,7 @@
           <a:blip r:embed="rId2" cstate="print">
             <a:extLst>
               <a:ext uri="{28A0092B-C50C-407E-A947-70E740481C1C}">
-                <a14:useLocalDpi xmlns:a14="http://schemas.microsoft.com/office/drawing/2010/main" xmlns="" val="0"/>
+                <a14:useLocalDpi xmlns:a14="http://schemas.microsoft.com/office/drawing/2010/main" val="0"/>
               </a:ext>
             </a:extLst>
           </a:blip>
@@ -6539,7 +7159,7 @@
     </p:spTree>
     <p:extLst>
       <p:ext uri="{BB962C8B-B14F-4D97-AF65-F5344CB8AC3E}">
-        <p14:creationId xmlns:p14="http://schemas.microsoft.com/office/powerpoint/2010/main" xmlns="" val="422123805"/>
+        <p14:creationId xmlns:p14="http://schemas.microsoft.com/office/powerpoint/2010/main" val="422123805"/>
       </p:ext>
     </p:extLst>
   </p:cSld>
@@ -6651,7 +7271,7 @@
           <a:blip r:embed="rId2" cstate="print">
             <a:extLst>
               <a:ext uri="{28A0092B-C50C-407E-A947-70E740481C1C}">
-                <a14:useLocalDpi xmlns:a14="http://schemas.microsoft.com/office/drawing/2010/main" xmlns="" val="0"/>
+                <a14:useLocalDpi xmlns:a14="http://schemas.microsoft.com/office/drawing/2010/main" val="0"/>
               </a:ext>
             </a:extLst>
           </a:blip>
@@ -6706,7 +7326,7 @@
     </p:spTree>
     <p:extLst>
       <p:ext uri="{BB962C8B-B14F-4D97-AF65-F5344CB8AC3E}">
-        <p14:creationId xmlns:p14="http://schemas.microsoft.com/office/powerpoint/2010/main" xmlns="" val="247169405"/>
+        <p14:creationId xmlns:p14="http://schemas.microsoft.com/office/powerpoint/2010/main" val="247169405"/>
       </p:ext>
     </p:extLst>
   </p:cSld>
@@ -6791,7 +7411,7 @@
           <a:blip r:embed="rId2" cstate="print">
             <a:extLst>
               <a:ext uri="{28A0092B-C50C-407E-A947-70E740481C1C}">
-                <a14:useLocalDpi xmlns:a14="http://schemas.microsoft.com/office/drawing/2010/main" xmlns="" val="0"/>
+                <a14:useLocalDpi xmlns:a14="http://schemas.microsoft.com/office/drawing/2010/main" val="0"/>
               </a:ext>
             </a:extLst>
           </a:blip>
@@ -6847,7 +7467,7 @@
     </p:spTree>
     <p:extLst>
       <p:ext uri="{BB962C8B-B14F-4D97-AF65-F5344CB8AC3E}">
-        <p14:creationId xmlns:p14="http://schemas.microsoft.com/office/powerpoint/2010/main" xmlns="" val="1376204328"/>
+        <p14:creationId xmlns:p14="http://schemas.microsoft.com/office/powerpoint/2010/main" val="1376204328"/>
       </p:ext>
     </p:extLst>
   </p:cSld>
@@ -6932,7 +7552,7 @@
           <a:blip r:embed="rId2" cstate="print">
             <a:extLst>
               <a:ext uri="{28A0092B-C50C-407E-A947-70E740481C1C}">
-                <a14:useLocalDpi xmlns:a14="http://schemas.microsoft.com/office/drawing/2010/main" xmlns="" val="0"/>
+                <a14:useLocalDpi xmlns:a14="http://schemas.microsoft.com/office/drawing/2010/main" val="0"/>
               </a:ext>
             </a:extLst>
           </a:blip>
@@ -6991,7 +7611,7 @@
     </p:spTree>
     <p:extLst>
       <p:ext uri="{BB962C8B-B14F-4D97-AF65-F5344CB8AC3E}">
-        <p14:creationId xmlns:p14="http://schemas.microsoft.com/office/powerpoint/2010/main" xmlns="" val="1545582615"/>
+        <p14:creationId xmlns:p14="http://schemas.microsoft.com/office/powerpoint/2010/main" val="1545582615"/>
       </p:ext>
     </p:extLst>
   </p:cSld>
@@ -7069,7 +7689,7 @@
           <a:blip r:embed="rId2" cstate="print">
             <a:extLst>
               <a:ext uri="{28A0092B-C50C-407E-A947-70E740481C1C}">
-                <a14:useLocalDpi xmlns:a14="http://schemas.microsoft.com/office/drawing/2010/main" xmlns="" val="0"/>
+                <a14:useLocalDpi xmlns:a14="http://schemas.microsoft.com/office/drawing/2010/main" val="0"/>
               </a:ext>
             </a:extLst>
           </a:blip>
@@ -7121,7 +7741,7 @@
     </p:spTree>
     <p:extLst>
       <p:ext uri="{BB962C8B-B14F-4D97-AF65-F5344CB8AC3E}">
-        <p14:creationId xmlns:p14="http://schemas.microsoft.com/office/powerpoint/2010/main" xmlns="" val="2535709406"/>
+        <p14:creationId xmlns:p14="http://schemas.microsoft.com/office/powerpoint/2010/main" val="2535709406"/>
       </p:ext>
     </p:extLst>
   </p:cSld>
@@ -7274,7 +7894,7 @@
     </p:spTree>
     <p:extLst>
       <p:ext uri="{BB962C8B-B14F-4D97-AF65-F5344CB8AC3E}">
-        <p14:creationId xmlns:p14="http://schemas.microsoft.com/office/powerpoint/2010/main" xmlns="" val="2176004432"/>
+        <p14:creationId xmlns:p14="http://schemas.microsoft.com/office/powerpoint/2010/main" val="2176004432"/>
       </p:ext>
     </p:extLst>
   </p:cSld>
@@ -7539,7 +8159,7 @@
     </p:spTree>
     <p:extLst>
       <p:ext uri="{BB962C8B-B14F-4D97-AF65-F5344CB8AC3E}">
-        <p14:creationId xmlns:p14="http://schemas.microsoft.com/office/powerpoint/2010/main" xmlns="" val="957313322"/>
+        <p14:creationId xmlns:p14="http://schemas.microsoft.com/office/powerpoint/2010/main" val="957313322"/>
       </p:ext>
     </p:extLst>
   </p:cSld>
@@ -7825,18 +8445,18 @@
     </p:spTree>
     <p:extLst>
       <p:ext uri="{BB962C8B-B14F-4D97-AF65-F5344CB8AC3E}">
-        <p14:creationId xmlns:p14="http://schemas.microsoft.com/office/powerpoint/2010/main" xmlns="" val="155874689"/>
+        <p14:creationId xmlns:p14="http://schemas.microsoft.com/office/powerpoint/2010/main" val="155874689"/>
       </p:ext>
     </p:extLst>
   </p:cSld>
   <p:clrMapOvr>
     <a:masterClrMapping/>
   </p:clrMapOvr>
-  <mc:AlternateContent xmlns:mc="http://schemas.openxmlformats.org/markup-compatibility/2006">
-    <mc:Choice xmlns:p14="http://schemas.microsoft.com/office/powerpoint/2010/main" xmlns="" Requires="p14">
+  <mc:AlternateContent xmlns:mc="http://schemas.openxmlformats.org/markup-compatibility/2006" xmlns:p14="http://schemas.microsoft.com/office/powerpoint/2010/main">
+    <mc:Choice Requires="p14">
       <p:transition spd="slow" p14:dur="2000"/>
     </mc:Choice>
-    <mc:Fallback>
+    <mc:Fallback xmlns="">
       <p:transition spd="slow"/>
     </mc:Fallback>
   </mc:AlternateContent>
@@ -8125,7 +8745,7 @@
           <a:blip r:embed="rId2" cstate="print">
             <a:extLst>
               <a:ext uri="{28A0092B-C50C-407E-A947-70E740481C1C}">
-                <a14:useLocalDpi xmlns:a14="http://schemas.microsoft.com/office/drawing/2010/main" xmlns="" val="0"/>
+                <a14:useLocalDpi xmlns:a14="http://schemas.microsoft.com/office/drawing/2010/main" val="0"/>
               </a:ext>
             </a:extLst>
           </a:blip>
@@ -8145,7 +8765,7 @@
           <a:noFill/>
           <a:extLst>
             <a:ext uri="{909E8E84-426E-40DD-AFC4-6F175D3DCCD1}">
-              <a14:hiddenFill xmlns:a14="http://schemas.microsoft.com/office/drawing/2010/main" xmlns="">
+              <a14:hiddenFill xmlns:a14="http://schemas.microsoft.com/office/drawing/2010/main">
                 <a:solidFill>
                   <a:srgbClr val="FFFFFF"/>
                 </a:solidFill>
@@ -8429,7 +9049,7 @@
     </p:spTree>
     <p:extLst>
       <p:ext uri="{BB962C8B-B14F-4D97-AF65-F5344CB8AC3E}">
-        <p14:creationId xmlns:p14="http://schemas.microsoft.com/office/powerpoint/2010/main" xmlns="" val="4188503847"/>
+        <p14:creationId xmlns:p14="http://schemas.microsoft.com/office/powerpoint/2010/main" val="4188503847"/>
       </p:ext>
     </p:extLst>
   </p:cSld>
@@ -9066,7 +9686,7 @@
     </p:spTree>
     <p:extLst>
       <p:ext uri="{BB962C8B-B14F-4D97-AF65-F5344CB8AC3E}">
-        <p14:creationId xmlns:p14="http://schemas.microsoft.com/office/powerpoint/2010/main" xmlns="" val="1896188625"/>
+        <p14:creationId xmlns:p14="http://schemas.microsoft.com/office/powerpoint/2010/main" val="1896188625"/>
       </p:ext>
     </p:extLst>
   </p:cSld>
@@ -9129,9 +9749,6 @@
               </a:rPr>
               <a:t>Attori del Sistema</a:t>
             </a:r>
-            <a:endParaRPr lang="it-IT" sz="4800" b="1" dirty="0" smtClean="0">
-              <a:latin typeface="+mj-lt"/>
-            </a:endParaRPr>
           </a:p>
           <a:p>
             <a:pPr algn="ctr"/>
@@ -9367,7 +9984,7 @@
     </p:spTree>
     <p:extLst>
       <p:ext uri="{BB962C8B-B14F-4D97-AF65-F5344CB8AC3E}">
-        <p14:creationId xmlns:p14="http://schemas.microsoft.com/office/powerpoint/2010/main" xmlns="" val="155874689"/>
+        <p14:creationId xmlns:p14="http://schemas.microsoft.com/office/powerpoint/2010/main" val="155874689"/>
       </p:ext>
     </p:extLst>
   </p:cSld>
@@ -9458,7 +10075,7 @@
           <a:blip r:embed="rId2" cstate="print">
             <a:extLst>
               <a:ext uri="{28A0092B-C50C-407E-A947-70E740481C1C}">
-                <a14:useLocalDpi xmlns:a14="http://schemas.microsoft.com/office/drawing/2010/main" xmlns="" val="0"/>
+                <a14:useLocalDpi xmlns:a14="http://schemas.microsoft.com/office/drawing/2010/main" val="0"/>
               </a:ext>
             </a:extLst>
           </a:blip>
@@ -9478,7 +10095,7 @@
           <a:noFill/>
           <a:extLst>
             <a:ext uri="{909E8E84-426E-40DD-AFC4-6F175D3DCCD1}">
-              <a14:hiddenFill xmlns:a14="http://schemas.microsoft.com/office/drawing/2010/main" xmlns="">
+              <a14:hiddenFill xmlns:a14="http://schemas.microsoft.com/office/drawing/2010/main">
                 <a:solidFill>
                   <a:srgbClr val="FFFFFF"/>
                 </a:solidFill>
@@ -9490,7 +10107,7 @@
     </p:spTree>
     <p:extLst>
       <p:ext uri="{BB962C8B-B14F-4D97-AF65-F5344CB8AC3E}">
-        <p14:creationId xmlns:p14="http://schemas.microsoft.com/office/powerpoint/2010/main" xmlns="" val="1417486241"/>
+        <p14:creationId xmlns:p14="http://schemas.microsoft.com/office/powerpoint/2010/main" val="1417486241"/>
       </p:ext>
     </p:extLst>
   </p:cSld>
@@ -9801,18 +10418,18 @@
     </p:spTree>
     <p:extLst>
       <p:ext uri="{BB962C8B-B14F-4D97-AF65-F5344CB8AC3E}">
-        <p14:creationId xmlns:p14="http://schemas.microsoft.com/office/powerpoint/2010/main" xmlns="" val="952316739"/>
+        <p14:creationId xmlns:p14="http://schemas.microsoft.com/office/powerpoint/2010/main" val="952316739"/>
       </p:ext>
     </p:extLst>
   </p:cSld>
   <p:clrMapOvr>
     <a:masterClrMapping/>
   </p:clrMapOvr>
-  <mc:AlternateContent xmlns:mc="http://schemas.openxmlformats.org/markup-compatibility/2006">
-    <mc:Choice xmlns:p14="http://schemas.microsoft.com/office/powerpoint/2010/main" xmlns="" Requires="p14">
+  <mc:AlternateContent xmlns:mc="http://schemas.openxmlformats.org/markup-compatibility/2006" xmlns:p14="http://schemas.microsoft.com/office/powerpoint/2010/main">
+    <mc:Choice Requires="p14">
       <p:transition spd="slow" p14:dur="2000"/>
     </mc:Choice>
-    <mc:Fallback>
+    <mc:Fallback xmlns="">
       <p:transition spd="slow"/>
     </mc:Fallback>
   </mc:AlternateContent>
@@ -9884,7 +10501,7 @@
     </p:spTree>
     <p:extLst>
       <p:ext uri="{BB962C8B-B14F-4D97-AF65-F5344CB8AC3E}">
-        <p14:creationId xmlns:p14="http://schemas.microsoft.com/office/powerpoint/2010/main" xmlns="" val="1431001417"/>
+        <p14:creationId xmlns:p14="http://schemas.microsoft.com/office/powerpoint/2010/main" val="1431001417"/>
       </p:ext>
     </p:extLst>
   </p:cSld>
@@ -9974,7 +10591,7 @@
           <a:blip r:embed="rId2" cstate="print">
             <a:extLst>
               <a:ext uri="{28A0092B-C50C-407E-A947-70E740481C1C}">
-                <a14:useLocalDpi xmlns:a14="http://schemas.microsoft.com/office/drawing/2010/main" xmlns="" val="0"/>
+                <a14:useLocalDpi xmlns:a14="http://schemas.microsoft.com/office/drawing/2010/main" val="0"/>
               </a:ext>
             </a:extLst>
           </a:blip>
@@ -9994,7 +10611,7 @@
           <a:noFill/>
           <a:extLst>
             <a:ext uri="{909E8E84-426E-40DD-AFC4-6F175D3DCCD1}">
-              <a14:hiddenFill xmlns:a14="http://schemas.microsoft.com/office/drawing/2010/main" xmlns="">
+              <a14:hiddenFill xmlns:a14="http://schemas.microsoft.com/office/drawing/2010/main">
                 <a:solidFill>
                   <a:srgbClr val="FFFFFF"/>
                 </a:solidFill>
@@ -10006,7 +10623,7 @@
     </p:spTree>
     <p:extLst>
       <p:ext uri="{BB962C8B-B14F-4D97-AF65-F5344CB8AC3E}">
-        <p14:creationId xmlns:p14="http://schemas.microsoft.com/office/powerpoint/2010/main" xmlns="" val="1824602548"/>
+        <p14:creationId xmlns:p14="http://schemas.microsoft.com/office/powerpoint/2010/main" val="1824602548"/>
       </p:ext>
     </p:extLst>
   </p:cSld>
@@ -10096,7 +10713,7 @@
           <a:blip r:embed="rId2" cstate="print">
             <a:extLst>
               <a:ext uri="{28A0092B-C50C-407E-A947-70E740481C1C}">
-                <a14:useLocalDpi xmlns:a14="http://schemas.microsoft.com/office/drawing/2010/main" xmlns="" val="0"/>
+                <a14:useLocalDpi xmlns:a14="http://schemas.microsoft.com/office/drawing/2010/main" val="0"/>
               </a:ext>
             </a:extLst>
           </a:blip>
@@ -10116,7 +10733,7 @@
           <a:noFill/>
           <a:extLst>
             <a:ext uri="{909E8E84-426E-40DD-AFC4-6F175D3DCCD1}">
-              <a14:hiddenFill xmlns:a14="http://schemas.microsoft.com/office/drawing/2010/main" xmlns="">
+              <a14:hiddenFill xmlns:a14="http://schemas.microsoft.com/office/drawing/2010/main">
                 <a:solidFill>
                   <a:srgbClr val="FFFFFF"/>
                 </a:solidFill>
@@ -10197,7 +10814,7 @@
     </p:spTree>
     <p:extLst>
       <p:ext uri="{BB962C8B-B14F-4D97-AF65-F5344CB8AC3E}">
-        <p14:creationId xmlns:p14="http://schemas.microsoft.com/office/powerpoint/2010/main" xmlns="" val="3719780262"/>
+        <p14:creationId xmlns:p14="http://schemas.microsoft.com/office/powerpoint/2010/main" val="3719780262"/>
       </p:ext>
     </p:extLst>
   </p:cSld>
@@ -10287,7 +10904,7 @@
           <a:blip r:embed="rId3" cstate="print">
             <a:extLst>
               <a:ext uri="{28A0092B-C50C-407E-A947-70E740481C1C}">
-                <a14:useLocalDpi xmlns:a14="http://schemas.microsoft.com/office/drawing/2010/main" xmlns="" val="0"/>
+                <a14:useLocalDpi xmlns:a14="http://schemas.microsoft.com/office/drawing/2010/main" val="0"/>
               </a:ext>
             </a:extLst>
           </a:blip>
@@ -10307,7 +10924,7 @@
           <a:noFill/>
           <a:extLst>
             <a:ext uri="{909E8E84-426E-40DD-AFC4-6F175D3DCCD1}">
-              <a14:hiddenFill xmlns:a14="http://schemas.microsoft.com/office/drawing/2010/main" xmlns="">
+              <a14:hiddenFill xmlns:a14="http://schemas.microsoft.com/office/drawing/2010/main">
                 <a:solidFill>
                   <a:srgbClr val="FFFFFF"/>
                 </a:solidFill>
@@ -10319,7 +10936,7 @@
     </p:spTree>
     <p:extLst>
       <p:ext uri="{BB962C8B-B14F-4D97-AF65-F5344CB8AC3E}">
-        <p14:creationId xmlns:p14="http://schemas.microsoft.com/office/powerpoint/2010/main" xmlns="" val="3701313841"/>
+        <p14:creationId xmlns:p14="http://schemas.microsoft.com/office/powerpoint/2010/main" val="3701313841"/>
       </p:ext>
     </p:extLst>
   </p:cSld>
@@ -10399,7 +11016,7 @@
           <a:blip r:embed="rId2">
             <a:extLst>
               <a:ext uri="{28A0092B-C50C-407E-A947-70E740481C1C}">
-                <a14:useLocalDpi xmlns:a14="http://schemas.microsoft.com/office/drawing/2010/main" xmlns="" val="0"/>
+                <a14:useLocalDpi xmlns:a14="http://schemas.microsoft.com/office/drawing/2010/main" val="0"/>
               </a:ext>
             </a:extLst>
           </a:blip>
@@ -10419,7 +11036,7 @@
           <a:noFill/>
           <a:extLst>
             <a:ext uri="{909E8E84-426E-40DD-AFC4-6F175D3DCCD1}">
-              <a14:hiddenFill xmlns:a14="http://schemas.microsoft.com/office/drawing/2010/main" xmlns="">
+              <a14:hiddenFill xmlns:a14="http://schemas.microsoft.com/office/drawing/2010/main">
                 <a:solidFill>
                   <a:srgbClr val="FFFFFF"/>
                 </a:solidFill>
@@ -10513,18 +11130,18 @@
     </p:spTree>
     <p:extLst>
       <p:ext uri="{BB962C8B-B14F-4D97-AF65-F5344CB8AC3E}">
-        <p14:creationId xmlns:p14="http://schemas.microsoft.com/office/powerpoint/2010/main" xmlns="" val="3516333073"/>
+        <p14:creationId xmlns:p14="http://schemas.microsoft.com/office/powerpoint/2010/main" val="3516333073"/>
       </p:ext>
     </p:extLst>
   </p:cSld>
   <p:clrMapOvr>
     <a:masterClrMapping/>
   </p:clrMapOvr>
-  <mc:AlternateContent xmlns:mc="http://schemas.openxmlformats.org/markup-compatibility/2006">
-    <mc:Choice xmlns:p14="http://schemas.microsoft.com/office/powerpoint/2010/main" xmlns="" Requires="p14">
+  <mc:AlternateContent xmlns:mc="http://schemas.openxmlformats.org/markup-compatibility/2006" xmlns:p14="http://schemas.microsoft.com/office/powerpoint/2010/main">
+    <mc:Choice Requires="p14">
       <p:transition spd="slow" p14:dur="2000"/>
     </mc:Choice>
-    <mc:Fallback>
+    <mc:Fallback xmlns="">
       <p:transition spd="slow"/>
     </mc:Fallback>
   </mc:AlternateContent>
@@ -10601,7 +11218,7 @@
           <a:blip r:embed="rId2">
             <a:extLst>
               <a:ext uri="{28A0092B-C50C-407E-A947-70E740481C1C}">
-                <a14:useLocalDpi xmlns:a14="http://schemas.microsoft.com/office/drawing/2010/main" xmlns="" val="0"/>
+                <a14:useLocalDpi xmlns:a14="http://schemas.microsoft.com/office/drawing/2010/main" val="0"/>
               </a:ext>
             </a:extLst>
           </a:blip>
@@ -10621,7 +11238,7 @@
           <a:noFill/>
           <a:extLst>
             <a:ext uri="{909E8E84-426E-40DD-AFC4-6F175D3DCCD1}">
-              <a14:hiddenFill xmlns:a14="http://schemas.microsoft.com/office/drawing/2010/main" xmlns="">
+              <a14:hiddenFill xmlns:a14="http://schemas.microsoft.com/office/drawing/2010/main">
                 <a:solidFill>
                   <a:srgbClr val="FFFFFF"/>
                 </a:solidFill>
@@ -10699,18 +11316,18 @@
     </p:spTree>
     <p:extLst>
       <p:ext uri="{BB962C8B-B14F-4D97-AF65-F5344CB8AC3E}">
-        <p14:creationId xmlns:p14="http://schemas.microsoft.com/office/powerpoint/2010/main" xmlns="" val="576094641"/>
+        <p14:creationId xmlns:p14="http://schemas.microsoft.com/office/powerpoint/2010/main" val="576094641"/>
       </p:ext>
     </p:extLst>
   </p:cSld>
   <p:clrMapOvr>
     <a:masterClrMapping/>
   </p:clrMapOvr>
-  <mc:AlternateContent xmlns:mc="http://schemas.openxmlformats.org/markup-compatibility/2006">
-    <mc:Choice xmlns:p14="http://schemas.microsoft.com/office/powerpoint/2010/main" xmlns="" Requires="p14">
+  <mc:AlternateContent xmlns:mc="http://schemas.openxmlformats.org/markup-compatibility/2006" xmlns:p14="http://schemas.microsoft.com/office/powerpoint/2010/main">
+    <mc:Choice Requires="p14">
       <p:transition spd="slow" p14:dur="2000"/>
     </mc:Choice>
-    <mc:Fallback>
+    <mc:Fallback xmlns="">
       <p:transition spd="slow"/>
     </mc:Fallback>
   </mc:AlternateContent>
@@ -10800,7 +11417,7 @@
           <a:blip r:embed="rId3" cstate="print">
             <a:extLst>
               <a:ext uri="{28A0092B-C50C-407E-A947-70E740481C1C}">
-                <a14:useLocalDpi xmlns:a14="http://schemas.microsoft.com/office/drawing/2010/main" xmlns="" val="0"/>
+                <a14:useLocalDpi xmlns:a14="http://schemas.microsoft.com/office/drawing/2010/main" val="0"/>
               </a:ext>
             </a:extLst>
           </a:blip>
@@ -10820,7 +11437,7 @@
           <a:noFill/>
           <a:extLst>
             <a:ext uri="{909E8E84-426E-40DD-AFC4-6F175D3DCCD1}">
-              <a14:hiddenFill xmlns:a14="http://schemas.microsoft.com/office/drawing/2010/main" xmlns="">
+              <a14:hiddenFill xmlns:a14="http://schemas.microsoft.com/office/drawing/2010/main">
                 <a:solidFill>
                   <a:srgbClr val="FFFFFF"/>
                 </a:solidFill>
@@ -10832,7 +11449,7 @@
     </p:spTree>
     <p:extLst>
       <p:ext uri="{BB962C8B-B14F-4D97-AF65-F5344CB8AC3E}">
-        <p14:creationId xmlns:p14="http://schemas.microsoft.com/office/powerpoint/2010/main" xmlns="" val="1653549512"/>
+        <p14:creationId xmlns:p14="http://schemas.microsoft.com/office/powerpoint/2010/main" val="1653549512"/>
       </p:ext>
     </p:extLst>
   </p:cSld>
@@ -10878,7 +11495,7 @@
           <a:blip r:embed="rId2" cstate="print">
             <a:extLst>
               <a:ext uri="{28A0092B-C50C-407E-A947-70E740481C1C}">
-                <a14:useLocalDpi xmlns:a14="http://schemas.microsoft.com/office/drawing/2010/main" xmlns="" val="0"/>
+                <a14:useLocalDpi xmlns:a14="http://schemas.microsoft.com/office/drawing/2010/main" val="0"/>
               </a:ext>
             </a:extLst>
           </a:blip>
@@ -10898,7 +11515,7 @@
           <a:noFill/>
           <a:extLst>
             <a:ext uri="{909E8E84-426E-40DD-AFC4-6F175D3DCCD1}">
-              <a14:hiddenFill xmlns:a14="http://schemas.microsoft.com/office/drawing/2010/main" xmlns="">
+              <a14:hiddenFill xmlns:a14="http://schemas.microsoft.com/office/drawing/2010/main">
                 <a:solidFill>
                   <a:srgbClr val="FFFFFF"/>
                 </a:solidFill>
@@ -10957,7 +11574,7 @@
     </p:spTree>
     <p:extLst>
       <p:ext uri="{BB962C8B-B14F-4D97-AF65-F5344CB8AC3E}">
-        <p14:creationId xmlns:p14="http://schemas.microsoft.com/office/powerpoint/2010/main" xmlns="" val="1574381410"/>
+        <p14:creationId xmlns:p14="http://schemas.microsoft.com/office/powerpoint/2010/main" val="1574381410"/>
       </p:ext>
     </p:extLst>
   </p:cSld>
@@ -11517,18 +12134,18 @@
     </p:spTree>
     <p:extLst>
       <p:ext uri="{BB962C8B-B14F-4D97-AF65-F5344CB8AC3E}">
-        <p14:creationId xmlns:p14="http://schemas.microsoft.com/office/powerpoint/2010/main" xmlns="" val="155874689"/>
+        <p14:creationId xmlns:p14="http://schemas.microsoft.com/office/powerpoint/2010/main" val="155874689"/>
       </p:ext>
     </p:extLst>
   </p:cSld>
   <p:clrMapOvr>
     <a:masterClrMapping/>
   </p:clrMapOvr>
-  <mc:AlternateContent xmlns:mc="http://schemas.openxmlformats.org/markup-compatibility/2006">
-    <mc:Choice xmlns:p14="http://schemas.microsoft.com/office/powerpoint/2010/main" xmlns="" Requires="p14">
+  <mc:AlternateContent xmlns:mc="http://schemas.openxmlformats.org/markup-compatibility/2006" xmlns:p14="http://schemas.microsoft.com/office/powerpoint/2010/main">
+    <mc:Choice Requires="p14">
       <p:transition spd="slow" p14:dur="2000"/>
     </mc:Choice>
-    <mc:Fallback>
+    <mc:Fallback xmlns="">
       <p:transition spd="slow"/>
     </mc:Fallback>
   </mc:AlternateContent>
@@ -11571,7 +12188,7 @@
           <a:blip r:embed="rId2" cstate="print">
             <a:extLst>
               <a:ext uri="{28A0092B-C50C-407E-A947-70E740481C1C}">
-                <a14:useLocalDpi xmlns:a14="http://schemas.microsoft.com/office/drawing/2010/main" xmlns="" val="0"/>
+                <a14:useLocalDpi xmlns:a14="http://schemas.microsoft.com/office/drawing/2010/main" val="0"/>
               </a:ext>
             </a:extLst>
           </a:blip>
@@ -11591,7 +12208,7 @@
           <a:noFill/>
           <a:extLst>
             <a:ext uri="{909E8E84-426E-40DD-AFC4-6F175D3DCCD1}">
-              <a14:hiddenFill xmlns:a14="http://schemas.microsoft.com/office/drawing/2010/main" xmlns="">
+              <a14:hiddenFill xmlns:a14="http://schemas.microsoft.com/office/drawing/2010/main">
                 <a:solidFill>
                   <a:srgbClr val="FFFFFF"/>
                 </a:solidFill>
@@ -11641,7 +12258,7 @@
     </p:spTree>
     <p:extLst>
       <p:ext uri="{BB962C8B-B14F-4D97-AF65-F5344CB8AC3E}">
-        <p14:creationId xmlns:p14="http://schemas.microsoft.com/office/powerpoint/2010/main" xmlns="" val="2424786554"/>
+        <p14:creationId xmlns:p14="http://schemas.microsoft.com/office/powerpoint/2010/main" val="2424786554"/>
       </p:ext>
     </p:extLst>
   </p:cSld>
@@ -11916,18 +12533,18 @@
     </p:spTree>
     <p:extLst>
       <p:ext uri="{BB962C8B-B14F-4D97-AF65-F5344CB8AC3E}">
-        <p14:creationId xmlns:p14="http://schemas.microsoft.com/office/powerpoint/2010/main" xmlns="" val="155874689"/>
+        <p14:creationId xmlns:p14="http://schemas.microsoft.com/office/powerpoint/2010/main" val="155874689"/>
       </p:ext>
     </p:extLst>
   </p:cSld>
   <p:clrMapOvr>
     <a:masterClrMapping/>
   </p:clrMapOvr>
-  <mc:AlternateContent xmlns:mc="http://schemas.openxmlformats.org/markup-compatibility/2006">
-    <mc:Choice xmlns:p14="http://schemas.microsoft.com/office/powerpoint/2010/main" xmlns="" Requires="p14">
+  <mc:AlternateContent xmlns:mc="http://schemas.openxmlformats.org/markup-compatibility/2006" xmlns:p14="http://schemas.microsoft.com/office/powerpoint/2010/main">
+    <mc:Choice Requires="p14">
       <p:transition spd="slow" p14:dur="2000"/>
     </mc:Choice>
-    <mc:Fallback>
+    <mc:Fallback xmlns="">
       <p:transition spd="slow"/>
     </mc:Fallback>
   </mc:AlternateContent>
@@ -12272,18 +12889,18 @@
     </p:spTree>
     <p:extLst>
       <p:ext uri="{BB962C8B-B14F-4D97-AF65-F5344CB8AC3E}">
-        <p14:creationId xmlns:p14="http://schemas.microsoft.com/office/powerpoint/2010/main" xmlns="" val="155874689"/>
+        <p14:creationId xmlns:p14="http://schemas.microsoft.com/office/powerpoint/2010/main" val="155874689"/>
       </p:ext>
     </p:extLst>
   </p:cSld>
   <p:clrMapOvr>
     <a:masterClrMapping/>
   </p:clrMapOvr>
-  <mc:AlternateContent xmlns:mc="http://schemas.openxmlformats.org/markup-compatibility/2006">
-    <mc:Choice xmlns:p14="http://schemas.microsoft.com/office/powerpoint/2010/main" xmlns="" Requires="p14">
+  <mc:AlternateContent xmlns:mc="http://schemas.openxmlformats.org/markup-compatibility/2006" xmlns:p14="http://schemas.microsoft.com/office/powerpoint/2010/main">
+    <mc:Choice Requires="p14">
       <p:transition spd="slow" p14:dur="2000"/>
     </mc:Choice>
-    <mc:Fallback>
+    <mc:Fallback xmlns="">
       <p:transition spd="slow"/>
     </mc:Fallback>
   </mc:AlternateContent>
@@ -12633,18 +13250,18 @@
     </p:spTree>
     <p:extLst>
       <p:ext uri="{BB962C8B-B14F-4D97-AF65-F5344CB8AC3E}">
-        <p14:creationId xmlns:p14="http://schemas.microsoft.com/office/powerpoint/2010/main" xmlns="" val="155874689"/>
+        <p14:creationId xmlns:p14="http://schemas.microsoft.com/office/powerpoint/2010/main" val="155874689"/>
       </p:ext>
     </p:extLst>
   </p:cSld>
   <p:clrMapOvr>
     <a:masterClrMapping/>
   </p:clrMapOvr>
-  <mc:AlternateContent xmlns:mc="http://schemas.openxmlformats.org/markup-compatibility/2006">
-    <mc:Choice xmlns:p14="http://schemas.microsoft.com/office/powerpoint/2010/main" xmlns="" Requires="p14">
+  <mc:AlternateContent xmlns:mc="http://schemas.openxmlformats.org/markup-compatibility/2006" xmlns:p14="http://schemas.microsoft.com/office/powerpoint/2010/main">
+    <mc:Choice Requires="p14">
       <p:transition spd="slow" p14:dur="2000"/>
     </mc:Choice>
-    <mc:Fallback>
+    <mc:Fallback xmlns="">
       <p:transition spd="slow"/>
     </mc:Fallback>
   </mc:AlternateContent>
@@ -12778,18 +13395,18 @@
     </p:spTree>
     <p:extLst>
       <p:ext uri="{BB962C8B-B14F-4D97-AF65-F5344CB8AC3E}">
-        <p14:creationId xmlns:p14="http://schemas.microsoft.com/office/powerpoint/2010/main" xmlns="" val="155874689"/>
+        <p14:creationId xmlns:p14="http://schemas.microsoft.com/office/powerpoint/2010/main" val="155874689"/>
       </p:ext>
     </p:extLst>
   </p:cSld>
   <p:clrMapOvr>
     <a:masterClrMapping/>
   </p:clrMapOvr>
-  <mc:AlternateContent xmlns:mc="http://schemas.openxmlformats.org/markup-compatibility/2006">
-    <mc:Choice xmlns:p14="http://schemas.microsoft.com/office/powerpoint/2010/main" xmlns="" Requires="p14">
+  <mc:AlternateContent xmlns:mc="http://schemas.openxmlformats.org/markup-compatibility/2006" xmlns:p14="http://schemas.microsoft.com/office/powerpoint/2010/main">
+    <mc:Choice Requires="p14">
       <p:transition spd="slow" p14:dur="2000"/>
     </mc:Choice>
-    <mc:Fallback>
+    <mc:Fallback xmlns="">
       <p:transition spd="slow"/>
     </mc:Fallback>
   </mc:AlternateContent>
@@ -13156,18 +13773,18 @@
     </p:spTree>
     <p:extLst>
       <p:ext uri="{BB962C8B-B14F-4D97-AF65-F5344CB8AC3E}">
-        <p14:creationId xmlns:p14="http://schemas.microsoft.com/office/powerpoint/2010/main" xmlns="" val="155874689"/>
+        <p14:creationId xmlns:p14="http://schemas.microsoft.com/office/powerpoint/2010/main" val="155874689"/>
       </p:ext>
     </p:extLst>
   </p:cSld>
   <p:clrMapOvr>
     <a:masterClrMapping/>
   </p:clrMapOvr>
-  <mc:AlternateContent xmlns:mc="http://schemas.openxmlformats.org/markup-compatibility/2006">
-    <mc:Choice xmlns:p14="http://schemas.microsoft.com/office/powerpoint/2010/main" xmlns="" Requires="p14">
+  <mc:AlternateContent xmlns:mc="http://schemas.openxmlformats.org/markup-compatibility/2006" xmlns:p14="http://schemas.microsoft.com/office/powerpoint/2010/main">
+    <mc:Choice Requires="p14">
       <p:transition spd="slow" p14:dur="2000"/>
     </mc:Choice>
-    <mc:Fallback>
+    <mc:Fallback xmlns="">
       <p:transition spd="slow"/>
     </mc:Fallback>
   </mc:AlternateContent>
@@ -14338,18 +14955,18 @@
     </p:spTree>
     <p:extLst>
       <p:ext uri="{BB962C8B-B14F-4D97-AF65-F5344CB8AC3E}">
-        <p14:creationId xmlns:p14="http://schemas.microsoft.com/office/powerpoint/2010/main" xmlns="" val="155874689"/>
+        <p14:creationId xmlns:p14="http://schemas.microsoft.com/office/powerpoint/2010/main" val="155874689"/>
       </p:ext>
     </p:extLst>
   </p:cSld>
   <p:clrMapOvr>
     <a:masterClrMapping/>
   </p:clrMapOvr>
-  <mc:AlternateContent xmlns:mc="http://schemas.openxmlformats.org/markup-compatibility/2006">
-    <mc:Choice xmlns:p14="http://schemas.microsoft.com/office/powerpoint/2010/main" xmlns="" Requires="p14">
+  <mc:AlternateContent xmlns:mc="http://schemas.openxmlformats.org/markup-compatibility/2006" xmlns:p14="http://schemas.microsoft.com/office/powerpoint/2010/main">
+    <mc:Choice Requires="p14">
       <p:transition spd="slow" p14:dur="2000"/>
     </mc:Choice>
-    <mc:Fallback>
+    <mc:Fallback xmlns="">
       <p:transition spd="slow"/>
     </mc:Fallback>
   </mc:AlternateContent>
@@ -15156,18 +15773,18 @@
     </p:spTree>
     <p:extLst>
       <p:ext uri="{BB962C8B-B14F-4D97-AF65-F5344CB8AC3E}">
-        <p14:creationId xmlns:p14="http://schemas.microsoft.com/office/powerpoint/2010/main" xmlns="" val="155874689"/>
+        <p14:creationId xmlns:p14="http://schemas.microsoft.com/office/powerpoint/2010/main" val="155874689"/>
       </p:ext>
     </p:extLst>
   </p:cSld>
   <p:clrMapOvr>
     <a:masterClrMapping/>
   </p:clrMapOvr>
-  <mc:AlternateContent xmlns:mc="http://schemas.openxmlformats.org/markup-compatibility/2006">
-    <mc:Choice xmlns:p14="http://schemas.microsoft.com/office/powerpoint/2010/main" xmlns="" Requires="p14">
+  <mc:AlternateContent xmlns:mc="http://schemas.openxmlformats.org/markup-compatibility/2006" xmlns:p14="http://schemas.microsoft.com/office/powerpoint/2010/main">
+    <mc:Choice Requires="p14">
       <p:transition spd="slow" p14:dur="2000"/>
     </mc:Choice>
-    <mc:Fallback>
+    <mc:Fallback xmlns="">
       <p:transition spd="slow"/>
     </mc:Fallback>
   </mc:AlternateContent>
@@ -15438,18 +16055,18 @@
     </p:spTree>
     <p:extLst>
       <p:ext uri="{BB962C8B-B14F-4D97-AF65-F5344CB8AC3E}">
-        <p14:creationId xmlns:p14="http://schemas.microsoft.com/office/powerpoint/2010/main" xmlns="" val="155874689"/>
+        <p14:creationId xmlns:p14="http://schemas.microsoft.com/office/powerpoint/2010/main" val="155874689"/>
       </p:ext>
     </p:extLst>
   </p:cSld>
   <p:clrMapOvr>
     <a:masterClrMapping/>
   </p:clrMapOvr>
-  <mc:AlternateContent xmlns:mc="http://schemas.openxmlformats.org/markup-compatibility/2006">
-    <mc:Choice xmlns:p14="http://schemas.microsoft.com/office/powerpoint/2010/main" xmlns="" Requires="p14">
+  <mc:AlternateContent xmlns:mc="http://schemas.openxmlformats.org/markup-compatibility/2006" xmlns:p14="http://schemas.microsoft.com/office/powerpoint/2010/main">
+    <mc:Choice Requires="p14">
       <p:transition spd="slow" p14:dur="2000"/>
     </mc:Choice>
-    <mc:Fallback>
+    <mc:Fallback xmlns="">
       <p:transition spd="slow"/>
     </mc:Fallback>
   </mc:AlternateContent>
@@ -16196,7 +16813,7 @@
           <a:blip r:embed="rId2" cstate="print">
             <a:extLst>
               <a:ext uri="{28A0092B-C50C-407E-A947-70E740481C1C}">
-                <a14:useLocalDpi xmlns:a14="http://schemas.microsoft.com/office/drawing/2010/main" xmlns="" val="0"/>
+                <a14:useLocalDpi xmlns:a14="http://schemas.microsoft.com/office/drawing/2010/main" val="0"/>
               </a:ext>
             </a:extLst>
           </a:blip>
@@ -16217,7 +16834,7 @@
     </p:spTree>
     <p:extLst>
       <p:ext uri="{BB962C8B-B14F-4D97-AF65-F5344CB8AC3E}">
-        <p14:creationId xmlns:p14="http://schemas.microsoft.com/office/powerpoint/2010/main" xmlns="" val="1421053857"/>
+        <p14:creationId xmlns:p14="http://schemas.microsoft.com/office/powerpoint/2010/main" val="1421053857"/>
       </p:ext>
     </p:extLst>
   </p:cSld>
@@ -16618,18 +17235,18 @@
     </p:spTree>
     <p:extLst>
       <p:ext uri="{BB962C8B-B14F-4D97-AF65-F5344CB8AC3E}">
-        <p14:creationId xmlns:p14="http://schemas.microsoft.com/office/powerpoint/2010/main" xmlns="" val="155874689"/>
+        <p14:creationId xmlns:p14="http://schemas.microsoft.com/office/powerpoint/2010/main" val="155874689"/>
       </p:ext>
     </p:extLst>
   </p:cSld>
   <p:clrMapOvr>
     <a:masterClrMapping/>
   </p:clrMapOvr>
-  <mc:AlternateContent xmlns:mc="http://schemas.openxmlformats.org/markup-compatibility/2006">
-    <mc:Choice xmlns:p14="http://schemas.microsoft.com/office/powerpoint/2010/main" xmlns="" Requires="p14">
+  <mc:AlternateContent xmlns:mc="http://schemas.openxmlformats.org/markup-compatibility/2006" xmlns:p14="http://schemas.microsoft.com/office/powerpoint/2010/main">
+    <mc:Choice Requires="p14">
       <p:transition spd="slow" p14:dur="2000"/>
     </mc:Choice>
-    <mc:Fallback>
+    <mc:Fallback xmlns="">
       <p:transition spd="slow"/>
     </mc:Fallback>
   </mc:AlternateContent>
@@ -17008,18 +17625,18 @@
     </p:spTree>
     <p:extLst>
       <p:ext uri="{BB962C8B-B14F-4D97-AF65-F5344CB8AC3E}">
-        <p14:creationId xmlns:p14="http://schemas.microsoft.com/office/powerpoint/2010/main" xmlns="" val="155874689"/>
+        <p14:creationId xmlns:p14="http://schemas.microsoft.com/office/powerpoint/2010/main" val="155874689"/>
       </p:ext>
     </p:extLst>
   </p:cSld>
   <p:clrMapOvr>
     <a:masterClrMapping/>
   </p:clrMapOvr>
-  <mc:AlternateContent xmlns:mc="http://schemas.openxmlformats.org/markup-compatibility/2006">
-    <mc:Choice xmlns:p14="http://schemas.microsoft.com/office/powerpoint/2010/main" xmlns="" Requires="p14">
+  <mc:AlternateContent xmlns:mc="http://schemas.openxmlformats.org/markup-compatibility/2006" xmlns:p14="http://schemas.microsoft.com/office/powerpoint/2010/main">
+    <mc:Choice Requires="p14">
       <p:transition spd="slow" p14:dur="2000"/>
     </mc:Choice>
-    <mc:Fallback>
+    <mc:Fallback xmlns="">
       <p:transition spd="slow"/>
     </mc:Fallback>
   </mc:AlternateContent>
@@ -17529,10 +18146,10 @@
           <p:nvPr/>
         </p:nvPicPr>
         <p:blipFill>
-          <a:blip r:embed="rId2" cstate="print">
+          <a:blip r:embed="rId3" cstate="print">
             <a:extLst>
               <a:ext uri="{28A0092B-C50C-407E-A947-70E740481C1C}">
-                <a14:useLocalDpi xmlns:a14="http://schemas.microsoft.com/office/drawing/2010/main" xmlns="" val="0"/>
+                <a14:useLocalDpi xmlns:a14="http://schemas.microsoft.com/office/drawing/2010/main" val="0"/>
               </a:ext>
             </a:extLst>
           </a:blip>
@@ -17553,18 +18170,18 @@
     </p:spTree>
     <p:extLst>
       <p:ext uri="{BB962C8B-B14F-4D97-AF65-F5344CB8AC3E}">
-        <p14:creationId xmlns:p14="http://schemas.microsoft.com/office/powerpoint/2010/main" xmlns="" val="155874689"/>
+        <p14:creationId xmlns:p14="http://schemas.microsoft.com/office/powerpoint/2010/main" val="155874689"/>
       </p:ext>
     </p:extLst>
   </p:cSld>
   <p:clrMapOvr>
     <a:masterClrMapping/>
   </p:clrMapOvr>
-  <mc:AlternateContent xmlns:mc="http://schemas.openxmlformats.org/markup-compatibility/2006">
-    <mc:Choice xmlns:p14="http://schemas.microsoft.com/office/powerpoint/2010/main" xmlns="" Requires="p14">
+  <mc:AlternateContent xmlns:mc="http://schemas.openxmlformats.org/markup-compatibility/2006" xmlns:p14="http://schemas.microsoft.com/office/powerpoint/2010/main">
+    <mc:Choice Requires="p14">
       <p:transition spd="slow" p14:dur="2000"/>
     </mc:Choice>
-    <mc:Fallback>
+    <mc:Fallback xmlns="">
       <p:transition spd="slow"/>
     </mc:Fallback>
   </mc:AlternateContent>
@@ -17751,7 +18368,7 @@
     </p:spTree>
     <p:extLst>
       <p:ext uri="{BB962C8B-B14F-4D97-AF65-F5344CB8AC3E}">
-        <p14:creationId xmlns:p14="http://schemas.microsoft.com/office/powerpoint/2010/main" xmlns="" val="335055555"/>
+        <p14:creationId xmlns:p14="http://schemas.microsoft.com/office/powerpoint/2010/main" val="335055555"/>
       </p:ext>
     </p:extLst>
   </p:cSld>
@@ -17890,10 +18507,10 @@
           <p:nvPr/>
         </p:nvPicPr>
         <p:blipFill>
-          <a:blip r:embed="rId2">
+          <a:blip r:embed="rId3">
             <a:extLst>
               <a:ext uri="{28A0092B-C50C-407E-A947-70E740481C1C}">
-                <a14:useLocalDpi xmlns:a14="http://schemas.microsoft.com/office/drawing/2010/main" xmlns="" val="0"/>
+                <a14:useLocalDpi xmlns:a14="http://schemas.microsoft.com/office/drawing/2010/main" val="0"/>
               </a:ext>
             </a:extLst>
           </a:blip>
@@ -17903,8 +18520,8 @@
         </p:blipFill>
         <p:spPr>
           <a:xfrm>
-            <a:off x="683568" y="2766412"/>
-            <a:ext cx="7704856" cy="3686175"/>
+            <a:off x="107504" y="2766412"/>
+            <a:ext cx="8834348" cy="4091588"/>
           </a:xfrm>
           <a:prstGeom prst="rect">
             <a:avLst/>
@@ -17914,7 +18531,7 @@
     </p:spTree>
     <p:extLst>
       <p:ext uri="{BB962C8B-B14F-4D97-AF65-F5344CB8AC3E}">
-        <p14:creationId xmlns:p14="http://schemas.microsoft.com/office/powerpoint/2010/main" xmlns="" val="2479304105"/>
+        <p14:creationId xmlns:p14="http://schemas.microsoft.com/office/powerpoint/2010/main" val="2479304105"/>
       </p:ext>
     </p:extLst>
   </p:cSld>
@@ -17949,7 +18566,7 @@
         </p:nvSpPr>
         <p:spPr>
           <a:xfrm>
-            <a:off x="219481" y="260648"/>
+            <a:off x="232560" y="476672"/>
             <a:ext cx="8709292" cy="861774"/>
           </a:xfrm>
           <a:prstGeom prst="rect">
@@ -17968,8 +18585,17 @@
               <a:rPr lang="it-IT" sz="3200" b="1" dirty="0" smtClean="0">
                 <a:latin typeface="+mj-lt"/>
               </a:rPr>
-              <a:t>Mappare associazioni in collezioni e riferimenti(2)</a:t>
-            </a:r>
+              <a:t>Mappare associazioni in collezioni e </a:t>
+            </a:r>
+            <a:r>
+              <a:rPr lang="it-IT" sz="3200" b="1" dirty="0" smtClean="0">
+                <a:latin typeface="+mj-lt"/>
+              </a:rPr>
+              <a:t>riferimenti(2)</a:t>
+            </a:r>
+            <a:endParaRPr lang="it-IT" sz="3200" b="1" dirty="0" smtClean="0">
+              <a:latin typeface="+mj-lt"/>
+            </a:endParaRPr>
           </a:p>
           <a:p>
             <a:pPr algn="ctr"/>
@@ -17988,7 +18614,7 @@
         <p:spPr>
           <a:xfrm>
             <a:off x="611560" y="1122422"/>
-            <a:ext cx="7992888" cy="1661993"/>
+            <a:ext cx="7992888" cy="1354217"/>
           </a:xfrm>
           <a:prstGeom prst="rect">
             <a:avLst/>
@@ -18007,11 +18633,11 @@
             </a:pPr>
             <a:r>
               <a:rPr lang="it-IT" sz="2200" dirty="0"/>
-              <a:t>Per poter mappare delle classi che hanno associazioni del tipo molti-a-molti abbiamo creato nuove classi che contengono i riferimenti delle classi coinvolte nella relazione</a:t>
+              <a:t>Per poter mappare delle classi che hanno associazioni del tipo </a:t>
             </a:r>
             <a:r>
               <a:rPr lang="it-IT" sz="2200" dirty="0" smtClean="0"/>
-              <a:t>. </a:t>
+              <a:t>uno-a-molti abbiamo inserito nella classe del lato a uno una variabile che fa riferimento alla classe del lato a molti. </a:t>
             </a:r>
             <a:r>
               <a:rPr lang="it-IT" sz="1600" dirty="0" smtClean="0"/>
@@ -18019,22 +18645,27 @@
             </a:r>
             <a:r>
               <a:rPr lang="it-IT" sz="1600" dirty="0"/>
-              <a:t>. tra le classi </a:t>
-            </a:r>
-            <a:r>
-              <a:rPr lang="it-IT" sz="1600" dirty="0" err="1"/>
-              <a:t>EducatoreDidattico</a:t>
+              <a:t>. </a:t>
+            </a:r>
+            <a:r>
+              <a:rPr lang="it-IT" sz="1600" dirty="0" smtClean="0"/>
+              <a:t>nella classe Retta </a:t>
             </a:r>
             <a:r>
               <a:rPr lang="it-IT" sz="1600" dirty="0"/>
-              <a:t> e Classe è stata creata una classe Insegna che contiene i riferimenti alle due classi precedenti)</a:t>
-            </a:r>
+              <a:t>è </a:t>
+            </a:r>
+            <a:r>
+              <a:rPr lang="it-IT" sz="1600" dirty="0" smtClean="0"/>
+              <a:t>stato inserito un attributo genitore che fa riferimento alla classe Genitore )</a:t>
+            </a:r>
+            <a:endParaRPr lang="it-IT" sz="1600" dirty="0"/>
           </a:p>
         </p:txBody>
       </p:sp>
       <p:pic>
         <p:nvPicPr>
-          <p:cNvPr id="4" name="Immagine 3"/>
+          <p:cNvPr id="5" name="Immagine 4"/>
           <p:cNvPicPr>
             <a:picLocks noChangeAspect="1"/>
           </p:cNvPicPr>
@@ -18044,7 +18675,7 @@
           <a:blip r:embed="rId2">
             <a:extLst>
               <a:ext uri="{28A0092B-C50C-407E-A947-70E740481C1C}">
-                <a14:useLocalDpi xmlns:a14="http://schemas.microsoft.com/office/drawing/2010/main" xmlns="" val="0"/>
+                <a14:useLocalDpi xmlns:a14="http://schemas.microsoft.com/office/drawing/2010/main" val="0"/>
               </a:ext>
             </a:extLst>
           </a:blip>
@@ -18054,8 +18685,8 @@
         </p:blipFill>
         <p:spPr>
           <a:xfrm>
-            <a:off x="395536" y="2784415"/>
-            <a:ext cx="8208911" cy="3812937"/>
+            <a:off x="1" y="2476640"/>
+            <a:ext cx="9144000" cy="4381360"/>
           </a:xfrm>
           <a:prstGeom prst="rect">
             <a:avLst/>
@@ -18065,7 +18696,7 @@
     </p:spTree>
     <p:extLst>
       <p:ext uri="{BB962C8B-B14F-4D97-AF65-F5344CB8AC3E}">
-        <p14:creationId xmlns:p14="http://schemas.microsoft.com/office/powerpoint/2010/main" xmlns="" val="505771863"/>
+        <p14:creationId xmlns:p14="http://schemas.microsoft.com/office/powerpoint/2010/main" val="3415326787"/>
       </p:ext>
     </p:extLst>
   </p:cSld>
@@ -18100,7 +18731,7 @@
         </p:nvSpPr>
         <p:spPr>
           <a:xfrm>
-            <a:off x="232560" y="476672"/>
+            <a:off x="219481" y="260648"/>
             <a:ext cx="8709292" cy="861774"/>
           </a:xfrm>
           <a:prstGeom prst="rect">
@@ -18119,8 +18750,17 @@
               <a:rPr lang="it-IT" sz="3200" b="1" dirty="0" smtClean="0">
                 <a:latin typeface="+mj-lt"/>
               </a:rPr>
-              <a:t>Ereditarietà </a:t>
-            </a:r>
+              <a:t>Mappare associazioni in collezioni e </a:t>
+            </a:r>
+            <a:r>
+              <a:rPr lang="it-IT" sz="3200" b="1" dirty="0" smtClean="0">
+                <a:latin typeface="+mj-lt"/>
+              </a:rPr>
+              <a:t>riferimenti(3)</a:t>
+            </a:r>
+            <a:endParaRPr lang="it-IT" sz="3200" b="1" dirty="0" smtClean="0">
+              <a:latin typeface="+mj-lt"/>
+            </a:endParaRPr>
           </a:p>
           <a:p>
             <a:pPr algn="ctr"/>
@@ -18138,8 +18778,8 @@
         </p:nvSpPr>
         <p:spPr>
           <a:xfrm>
-            <a:off x="323528" y="1196752"/>
-            <a:ext cx="8424936" cy="4524315"/>
+            <a:off x="611560" y="1122422"/>
+            <a:ext cx="7992888" cy="1661993"/>
           </a:xfrm>
           <a:prstGeom prst="rect">
             <a:avLst/>
@@ -18152,75 +18792,71 @@
           </a:bodyPr>
           <a:lstStyle/>
           <a:p>
-            <a:endParaRPr lang="it-IT" sz="2400" dirty="0" smtClean="0"/>
-          </a:p>
-          <a:p>
-            <a:pPr marL="342900" indent="-342900">
+            <a:pPr marL="285750" indent="-285750">
               <a:buFont typeface="Arial" pitchFamily="34" charset="0"/>
               <a:buChar char="•"/>
             </a:pPr>
             <a:r>
-              <a:rPr lang="it-IT" sz="2400" dirty="0" smtClean="0"/>
-              <a:t>Per gestire l’ereditarietà abbiamo usato un </a:t>
-            </a:r>
-            <a:r>
-              <a:rPr lang="it-IT" sz="2400" dirty="0" err="1" smtClean="0"/>
-              <a:t>mapping</a:t>
-            </a:r>
-            <a:r>
-              <a:rPr lang="it-IT" sz="2400" dirty="0" smtClean="0"/>
-              <a:t> verticale. Abbiamo creato delle superclassi che posseggono attributi e metodi generici, ereditati da sottoclassi specifiche. </a:t>
-            </a:r>
-          </a:p>
-          <a:p>
-            <a:endParaRPr lang="it-IT" sz="2400" dirty="0" smtClean="0"/>
-          </a:p>
-          <a:p>
-            <a:pPr marL="342900" indent="-342900">
-              <a:buFont typeface="Arial" pitchFamily="34" charset="0"/>
-              <a:buChar char="•"/>
-            </a:pPr>
-            <a:r>
-              <a:rPr lang="it-IT" sz="2400" dirty="0" smtClean="0"/>
-              <a:t>Un esempio concreto lo si vede con la classe utente(superclasse) la quale viene estesa da numerose classi. (genitore, </a:t>
-            </a:r>
-            <a:r>
-              <a:rPr lang="it-IT" sz="2400" dirty="0" err="1" smtClean="0"/>
-              <a:t>psicopedagogo</a:t>
-            </a:r>
-            <a:r>
-              <a:rPr lang="it-IT" sz="2400" dirty="0" smtClean="0"/>
-              <a:t>, tirocinante……).</a:t>
-            </a:r>
-          </a:p>
-          <a:p>
-            <a:endParaRPr lang="it-IT" sz="2400" dirty="0"/>
-          </a:p>
-          <a:p>
-            <a:pPr marL="342900" indent="-342900">
-              <a:buFont typeface="Arial" pitchFamily="34" charset="0"/>
-              <a:buChar char="•"/>
-            </a:pPr>
-            <a:r>
-              <a:rPr lang="it-IT" sz="2400" dirty="0" smtClean="0"/>
-              <a:t>E’ stato scelto il </a:t>
-            </a:r>
-            <a:r>
-              <a:rPr lang="it-IT" sz="2400" dirty="0" err="1" smtClean="0"/>
-              <a:t>mapping</a:t>
-            </a:r>
-            <a:r>
-              <a:rPr lang="it-IT" sz="2400" dirty="0" smtClean="0"/>
-              <a:t> verticale perché abbiamo lavorato con le classi specifiche servendoci appunto di attributi e metodi specifici.</a:t>
-            </a:r>
-            <a:endParaRPr lang="it-IT" sz="2400" dirty="0"/>
-          </a:p>
-        </p:txBody>
-      </p:sp>
+              <a:rPr lang="it-IT" sz="2200" dirty="0"/>
+              <a:t>Per poter mappare delle classi che hanno associazioni del tipo molti-a-molti abbiamo creato nuove classi che contengono i riferimenti delle classi coinvolte nella relazione</a:t>
+            </a:r>
+            <a:r>
+              <a:rPr lang="it-IT" sz="2200" dirty="0" smtClean="0"/>
+              <a:t>. </a:t>
+            </a:r>
+            <a:r>
+              <a:rPr lang="it-IT" sz="1600" dirty="0" smtClean="0"/>
+              <a:t>(Es</a:t>
+            </a:r>
+            <a:r>
+              <a:rPr lang="it-IT" sz="1600" dirty="0"/>
+              <a:t>. tra le classi </a:t>
+            </a:r>
+            <a:r>
+              <a:rPr lang="it-IT" sz="1600" dirty="0" err="1"/>
+              <a:t>EducatoreDidattico</a:t>
+            </a:r>
+            <a:r>
+              <a:rPr lang="it-IT" sz="1600" dirty="0"/>
+              <a:t> e Classe è stata creata una classe Insegna che contiene i riferimenti alle due classi precedenti)</a:t>
+            </a:r>
+          </a:p>
+        </p:txBody>
+      </p:sp>
+      <p:pic>
+        <p:nvPicPr>
+          <p:cNvPr id="4" name="Immagine 3"/>
+          <p:cNvPicPr>
+            <a:picLocks noChangeAspect="1"/>
+          </p:cNvPicPr>
+          <p:nvPr/>
+        </p:nvPicPr>
+        <p:blipFill>
+          <a:blip r:embed="rId3">
+            <a:extLst>
+              <a:ext uri="{28A0092B-C50C-407E-A947-70E740481C1C}">
+                <a14:useLocalDpi xmlns:a14="http://schemas.microsoft.com/office/drawing/2010/main" val="0"/>
+              </a:ext>
+            </a:extLst>
+          </a:blip>
+          <a:stretch>
+            <a:fillRect/>
+          </a:stretch>
+        </p:blipFill>
+        <p:spPr>
+          <a:xfrm>
+            <a:off x="0" y="2784415"/>
+            <a:ext cx="9144000" cy="4073585"/>
+          </a:xfrm>
+          <a:prstGeom prst="rect">
+            <a:avLst/>
+          </a:prstGeom>
+        </p:spPr>
+      </p:pic>
     </p:spTree>
     <p:extLst>
       <p:ext uri="{BB962C8B-B14F-4D97-AF65-F5344CB8AC3E}">
-        <p14:creationId xmlns:p14="http://schemas.microsoft.com/office/powerpoint/2010/main" xmlns="" val="1080303246"/>
+        <p14:creationId xmlns:p14="http://schemas.microsoft.com/office/powerpoint/2010/main" val="505771863"/>
       </p:ext>
     </p:extLst>
   </p:cSld>
@@ -18247,40 +18883,135 @@
           <a:chExt cx="0" cy="0"/>
         </a:xfrm>
       </p:grpSpPr>
-      <p:pic>
-        <p:nvPicPr>
-          <p:cNvPr id="3" name="Immagine 2"/>
-          <p:cNvPicPr>
-            <a:picLocks noChangeAspect="1"/>
-          </p:cNvPicPr>
+      <p:sp>
+        <p:nvSpPr>
+          <p:cNvPr id="2" name="CasellaDiTesto 1"/>
+          <p:cNvSpPr txBox="1"/>
           <p:nvPr/>
-        </p:nvPicPr>
-        <p:blipFill>
-          <a:blip r:embed="rId2" cstate="print">
-            <a:extLst>
-              <a:ext uri="{28A0092B-C50C-407E-A947-70E740481C1C}">
-                <a14:useLocalDpi xmlns:a14="http://schemas.microsoft.com/office/drawing/2010/main" xmlns="" val="0"/>
-              </a:ext>
-            </a:extLst>
-          </a:blip>
-          <a:stretch>
-            <a:fillRect/>
-          </a:stretch>
-        </p:blipFill>
+        </p:nvSpPr>
         <p:spPr>
           <a:xfrm>
-            <a:off x="0" y="0"/>
-            <a:ext cx="9143999" cy="6858000"/>
+            <a:off x="232560" y="476672"/>
+            <a:ext cx="8709292" cy="861774"/>
           </a:xfrm>
           <a:prstGeom prst="rect">
             <a:avLst/>
           </a:prstGeom>
+          <a:noFill/>
         </p:spPr>
-      </p:pic>
+        <p:txBody>
+          <a:bodyPr wrap="square" rtlCol="0">
+            <a:spAutoFit/>
+          </a:bodyPr>
+          <a:lstStyle/>
+          <a:p>
+            <a:pPr algn="ctr"/>
+            <a:r>
+              <a:rPr lang="it-IT" sz="3200" b="1" dirty="0" smtClean="0">
+                <a:latin typeface="+mj-lt"/>
+              </a:rPr>
+              <a:t>Ereditarietà </a:t>
+            </a:r>
+          </a:p>
+          <a:p>
+            <a:pPr algn="ctr"/>
+            <a:endParaRPr lang="it-IT" dirty="0">
+              <a:latin typeface="+mj-lt"/>
+            </a:endParaRPr>
+          </a:p>
+        </p:txBody>
+      </p:sp>
+      <p:sp>
+        <p:nvSpPr>
+          <p:cNvPr id="3" name="CasellaDiTesto 2"/>
+          <p:cNvSpPr txBox="1"/>
+          <p:nvPr/>
+        </p:nvSpPr>
+        <p:spPr>
+          <a:xfrm>
+            <a:off x="323528" y="1196752"/>
+            <a:ext cx="8424936" cy="4524315"/>
+          </a:xfrm>
+          <a:prstGeom prst="rect">
+            <a:avLst/>
+          </a:prstGeom>
+          <a:noFill/>
+        </p:spPr>
+        <p:txBody>
+          <a:bodyPr wrap="square" rtlCol="0">
+            <a:spAutoFit/>
+          </a:bodyPr>
+          <a:lstStyle/>
+          <a:p>
+            <a:endParaRPr lang="it-IT" sz="2400" dirty="0" smtClean="0"/>
+          </a:p>
+          <a:p>
+            <a:pPr marL="342900" indent="-342900">
+              <a:buFont typeface="Arial" pitchFamily="34" charset="0"/>
+              <a:buChar char="•"/>
+            </a:pPr>
+            <a:r>
+              <a:rPr lang="it-IT" sz="2400" dirty="0" smtClean="0"/>
+              <a:t>Per gestire l’ereditarietà abbiamo usato un </a:t>
+            </a:r>
+            <a:r>
+              <a:rPr lang="it-IT" sz="2400" dirty="0" err="1" smtClean="0"/>
+              <a:t>mapping</a:t>
+            </a:r>
+            <a:r>
+              <a:rPr lang="it-IT" sz="2400" dirty="0" smtClean="0"/>
+              <a:t> verticale. Abbiamo creato delle superclassi che posseggono attributi e metodi generici, ereditati da sottoclassi specifiche. </a:t>
+            </a:r>
+          </a:p>
+          <a:p>
+            <a:endParaRPr lang="it-IT" sz="2400" dirty="0" smtClean="0"/>
+          </a:p>
+          <a:p>
+            <a:pPr marL="342900" indent="-342900">
+              <a:buFont typeface="Arial" pitchFamily="34" charset="0"/>
+              <a:buChar char="•"/>
+            </a:pPr>
+            <a:r>
+              <a:rPr lang="it-IT" sz="2400" dirty="0" smtClean="0"/>
+              <a:t>Un esempio concreto lo si vede con la classe utente(superclasse) la quale viene estesa da numerose classi. (genitore, </a:t>
+            </a:r>
+            <a:r>
+              <a:rPr lang="it-IT" sz="2400" dirty="0" err="1" smtClean="0"/>
+              <a:t>psicopedagogo</a:t>
+            </a:r>
+            <a:r>
+              <a:rPr lang="it-IT" sz="2400" dirty="0" smtClean="0"/>
+              <a:t>, tirocinante……).</a:t>
+            </a:r>
+          </a:p>
+          <a:p>
+            <a:endParaRPr lang="it-IT" sz="2400" dirty="0"/>
+          </a:p>
+          <a:p>
+            <a:pPr marL="342900" indent="-342900">
+              <a:buFont typeface="Arial" pitchFamily="34" charset="0"/>
+              <a:buChar char="•"/>
+            </a:pPr>
+            <a:r>
+              <a:rPr lang="it-IT" sz="2400" dirty="0" smtClean="0"/>
+              <a:t>E’ stato scelto il </a:t>
+            </a:r>
+            <a:r>
+              <a:rPr lang="it-IT" sz="2400" dirty="0" err="1" smtClean="0"/>
+              <a:t>mapping</a:t>
+            </a:r>
+            <a:r>
+              <a:rPr lang="it-IT" sz="2400" dirty="0" smtClean="0"/>
+              <a:t> verticale perché abbiamo lavorato con le classi specifiche servendoci appunto di attributi e metodi specifici.</a:t>
+            </a:r>
+            <a:endParaRPr lang="it-IT" sz="2400" dirty="0"/>
+          </a:p>
+        </p:txBody>
+      </p:sp>
     </p:spTree>
     <p:extLst>
       <p:ext uri="{BB962C8B-B14F-4D97-AF65-F5344CB8AC3E}">
-        <p14:creationId xmlns:p14="http://schemas.microsoft.com/office/powerpoint/2010/main" xmlns="" val="551819198"/>
+        <p14:creationId xmlns:p14="http://schemas.microsoft.com/office/powerpoint/2010/main" val="1080303246"/>
       </p:ext>
     </p:extLst>
   </p:cSld>
@@ -18307,48 +19038,40 @@
           <a:chExt cx="0" cy="0"/>
         </a:xfrm>
       </p:grpSpPr>
-      <p:sp>
-        <p:nvSpPr>
-          <p:cNvPr id="2" name="CasellaDiTesto 1"/>
-          <p:cNvSpPr txBox="1"/>
+      <p:pic>
+        <p:nvPicPr>
+          <p:cNvPr id="2" name="Immagine 1"/>
+          <p:cNvPicPr>
+            <a:picLocks noChangeAspect="1"/>
+          </p:cNvPicPr>
           <p:nvPr/>
-        </p:nvSpPr>
+        </p:nvPicPr>
+        <p:blipFill>
+          <a:blip r:embed="rId3">
+            <a:extLst>
+              <a:ext uri="{28A0092B-C50C-407E-A947-70E740481C1C}">
+                <a14:useLocalDpi xmlns:a14="http://schemas.microsoft.com/office/drawing/2010/main" val="0"/>
+              </a:ext>
+            </a:extLst>
+          </a:blip>
+          <a:stretch>
+            <a:fillRect/>
+          </a:stretch>
+        </p:blipFill>
         <p:spPr>
           <a:xfrm>
-            <a:off x="232560" y="476672"/>
-            <a:ext cx="8709292" cy="861774"/>
+            <a:off x="0" y="1"/>
+            <a:ext cx="9144000" cy="6858000"/>
           </a:xfrm>
           <a:prstGeom prst="rect">
             <a:avLst/>
           </a:prstGeom>
-          <a:noFill/>
         </p:spPr>
-        <p:txBody>
-          <a:bodyPr wrap="square" rtlCol="0">
-            <a:spAutoFit/>
-          </a:bodyPr>
-          <a:lstStyle/>
-          <a:p>
-            <a:pPr algn="ctr"/>
-            <a:r>
-              <a:rPr lang="it-IT" sz="3200" b="1" dirty="0" smtClean="0">
-                <a:latin typeface="+mj-lt"/>
-              </a:rPr>
-              <a:t>Contratti </a:t>
-            </a:r>
-          </a:p>
-          <a:p>
-            <a:pPr algn="ctr"/>
-            <a:endParaRPr lang="it-IT" dirty="0">
-              <a:latin typeface="+mj-lt"/>
-            </a:endParaRPr>
-          </a:p>
-        </p:txBody>
-      </p:sp>
+      </p:pic>
     </p:spTree>
     <p:extLst>
       <p:ext uri="{BB962C8B-B14F-4D97-AF65-F5344CB8AC3E}">
-        <p14:creationId xmlns:p14="http://schemas.microsoft.com/office/powerpoint/2010/main" xmlns="" val="950909589"/>
+        <p14:creationId xmlns:p14="http://schemas.microsoft.com/office/powerpoint/2010/main" val="551819198"/>
       </p:ext>
     </p:extLst>
   </p:cSld>
@@ -18402,7 +19125,7 @@
               <a:rPr lang="it-IT" sz="3200" b="1" dirty="0" smtClean="0">
                 <a:latin typeface="+mj-lt"/>
               </a:rPr>
-              <a:t>Problematiche </a:t>
+              <a:t>Contratti </a:t>
             </a:r>
           </a:p>
           <a:p>
@@ -18413,143 +19136,10 @@
           </a:p>
         </p:txBody>
       </p:sp>
-      <p:sp>
-        <p:nvSpPr>
-          <p:cNvPr id="3" name="CasellaDiTesto 2"/>
-          <p:cNvSpPr txBox="1"/>
-          <p:nvPr/>
-        </p:nvSpPr>
-        <p:spPr>
-          <a:xfrm>
-            <a:off x="611560" y="1338446"/>
-            <a:ext cx="7632848" cy="3139321"/>
-          </a:xfrm>
-          <a:prstGeom prst="rect">
-            <a:avLst/>
-          </a:prstGeom>
-          <a:noFill/>
-        </p:spPr>
-        <p:txBody>
-          <a:bodyPr wrap="square" rtlCol="0">
-            <a:spAutoFit/>
-          </a:bodyPr>
-          <a:lstStyle/>
-          <a:p>
-            <a:r>
-              <a:rPr lang="it-IT" dirty="0" smtClean="0"/>
-              <a:t>L’implementazione è stata la fase di progettazione che ha ritardato la consegna del prodotto finale. Avendo creato un database iniziale, tutta l’implementazione è stata soggetta alle modifiche apportate alla base di dati. </a:t>
-            </a:r>
-          </a:p>
-          <a:p>
-            <a:r>
-              <a:rPr lang="it-IT" dirty="0"/>
-              <a:t>Durante questa fase sono state trovate delle sbavature commesse in fase di </a:t>
-            </a:r>
-            <a:r>
-              <a:rPr lang="it-IT" dirty="0" err="1" smtClean="0"/>
-              <a:t>mapping</a:t>
-            </a:r>
-            <a:r>
-              <a:rPr lang="it-IT" dirty="0"/>
-              <a:t> </a:t>
-            </a:r>
-            <a:r>
-              <a:rPr lang="it-IT" dirty="0" smtClean="0"/>
-              <a:t>che ci hanno portato a produrre una base di dati incompleta e in alcuni punti sbagliata.</a:t>
-            </a:r>
-          </a:p>
-          <a:p>
-            <a:endParaRPr lang="it-IT" dirty="0"/>
-          </a:p>
-          <a:p>
-            <a:pPr marL="285750" indent="-285750">
-              <a:buFont typeface="Arial" pitchFamily="34" charset="0"/>
-              <a:buChar char="•"/>
-            </a:pPr>
-            <a:r>
-              <a:rPr lang="it-IT" dirty="0" smtClean="0"/>
-              <a:t>Classe «Genitore» (Campi mancanti)</a:t>
-            </a:r>
-          </a:p>
-          <a:p>
-            <a:pPr marL="285750" indent="-285750">
-              <a:buFont typeface="Arial" pitchFamily="34" charset="0"/>
-              <a:buChar char="•"/>
-            </a:pPr>
-            <a:r>
-              <a:rPr lang="it-IT" dirty="0" smtClean="0"/>
-              <a:t>Modifiche dei tipi primitivi (numero civico da </a:t>
-            </a:r>
-            <a:r>
-              <a:rPr lang="it-IT" dirty="0" err="1" smtClean="0"/>
-              <a:t>int</a:t>
-            </a:r>
-            <a:r>
-              <a:rPr lang="it-IT" dirty="0" smtClean="0"/>
-              <a:t> a </a:t>
-            </a:r>
-            <a:r>
-              <a:rPr lang="it-IT" dirty="0" err="1" smtClean="0"/>
-              <a:t>String</a:t>
-            </a:r>
-            <a:r>
-              <a:rPr lang="it-IT" dirty="0" smtClean="0"/>
-              <a:t>)</a:t>
-            </a:r>
-          </a:p>
-          <a:p>
-            <a:pPr marL="285750" indent="-285750">
-              <a:buFont typeface="Arial" pitchFamily="34" charset="0"/>
-              <a:buChar char="•"/>
-            </a:pPr>
-            <a:r>
-              <a:rPr lang="it-IT" dirty="0" smtClean="0"/>
-              <a:t>Errori nel denominare campi e variabili</a:t>
-            </a:r>
-          </a:p>
-          <a:p>
-            <a:pPr marL="285750" indent="-285750">
-              <a:buFont typeface="Arial" pitchFamily="34" charset="0"/>
-              <a:buChar char="•"/>
-            </a:pPr>
-            <a:endParaRPr lang="it-IT" dirty="0"/>
-          </a:p>
-        </p:txBody>
-      </p:sp>
-      <p:pic>
-        <p:nvPicPr>
-          <p:cNvPr id="5" name="Immagine 4"/>
-          <p:cNvPicPr>
-            <a:picLocks noChangeAspect="1"/>
-          </p:cNvPicPr>
-          <p:nvPr/>
-        </p:nvPicPr>
-        <p:blipFill>
-          <a:blip r:embed="rId2">
-            <a:extLst>
-              <a:ext uri="{28A0092B-C50C-407E-A947-70E740481C1C}">
-                <a14:useLocalDpi xmlns:a14="http://schemas.microsoft.com/office/drawing/2010/main" xmlns="" val="0"/>
-              </a:ext>
-            </a:extLst>
-          </a:blip>
-          <a:stretch>
-            <a:fillRect/>
-          </a:stretch>
-        </p:blipFill>
-        <p:spPr>
-          <a:xfrm>
-            <a:off x="2072683" y="4489274"/>
-            <a:ext cx="4710602" cy="1760612"/>
-          </a:xfrm>
-          <a:prstGeom prst="rect">
-            <a:avLst/>
-          </a:prstGeom>
-        </p:spPr>
-      </p:pic>
     </p:spTree>
     <p:extLst>
       <p:ext uri="{BB962C8B-B14F-4D97-AF65-F5344CB8AC3E}">
-        <p14:creationId xmlns:p14="http://schemas.microsoft.com/office/powerpoint/2010/main" xmlns="" val="3259527293"/>
+        <p14:creationId xmlns:p14="http://schemas.microsoft.com/office/powerpoint/2010/main" val="950909589"/>
       </p:ext>
     </p:extLst>
   </p:cSld>
@@ -18648,7 +19238,7 @@
     </p:spTree>
     <p:extLst>
       <p:ext uri="{BB962C8B-B14F-4D97-AF65-F5344CB8AC3E}">
-        <p14:creationId xmlns:p14="http://schemas.microsoft.com/office/powerpoint/2010/main" xmlns="" val="966444375"/>
+        <p14:creationId xmlns:p14="http://schemas.microsoft.com/office/powerpoint/2010/main" val="966444375"/>
       </p:ext>
     </p:extLst>
   </p:cSld>
@@ -18690,6 +19280,207 @@
         </p:nvSpPr>
         <p:spPr>
           <a:xfrm>
+            <a:off x="232560" y="476672"/>
+            <a:ext cx="8709292" cy="861774"/>
+          </a:xfrm>
+          <a:prstGeom prst="rect">
+            <a:avLst/>
+          </a:prstGeom>
+          <a:noFill/>
+        </p:spPr>
+        <p:txBody>
+          <a:bodyPr wrap="square" rtlCol="0">
+            <a:spAutoFit/>
+          </a:bodyPr>
+          <a:lstStyle/>
+          <a:p>
+            <a:pPr algn="ctr"/>
+            <a:r>
+              <a:rPr lang="it-IT" sz="3200" b="1" dirty="0" smtClean="0">
+                <a:latin typeface="+mj-lt"/>
+              </a:rPr>
+              <a:t>Problematiche </a:t>
+            </a:r>
+          </a:p>
+          <a:p>
+            <a:pPr algn="ctr"/>
+            <a:endParaRPr lang="it-IT" dirty="0">
+              <a:latin typeface="+mj-lt"/>
+            </a:endParaRPr>
+          </a:p>
+        </p:txBody>
+      </p:sp>
+      <p:sp>
+        <p:nvSpPr>
+          <p:cNvPr id="3" name="CasellaDiTesto 2"/>
+          <p:cNvSpPr txBox="1"/>
+          <p:nvPr/>
+        </p:nvSpPr>
+        <p:spPr>
+          <a:xfrm>
+            <a:off x="611560" y="1338446"/>
+            <a:ext cx="7632848" cy="3139321"/>
+          </a:xfrm>
+          <a:prstGeom prst="rect">
+            <a:avLst/>
+          </a:prstGeom>
+          <a:noFill/>
+        </p:spPr>
+        <p:txBody>
+          <a:bodyPr wrap="square" rtlCol="0">
+            <a:spAutoFit/>
+          </a:bodyPr>
+          <a:lstStyle/>
+          <a:p>
+            <a:r>
+              <a:rPr lang="it-IT" dirty="0" smtClean="0"/>
+              <a:t>L’implementazione è stata la fase di progettazione che ha ritardato la consegna del prodotto finale. Avendo creato un database iniziale, tutta l’implementazione è stata soggetta alle modifiche apportate alla base di dati. </a:t>
+            </a:r>
+          </a:p>
+          <a:p>
+            <a:r>
+              <a:rPr lang="it-IT" dirty="0"/>
+              <a:t>Durante questa fase sono state trovate delle sbavature commesse in fase di </a:t>
+            </a:r>
+            <a:r>
+              <a:rPr lang="it-IT" dirty="0" err="1" smtClean="0"/>
+              <a:t>mapping</a:t>
+            </a:r>
+            <a:r>
+              <a:rPr lang="it-IT" dirty="0"/>
+              <a:t> </a:t>
+            </a:r>
+            <a:r>
+              <a:rPr lang="it-IT" dirty="0" smtClean="0"/>
+              <a:t>che ci hanno portato a produrre una base di dati incompleta e in alcuni punti sbagliata.</a:t>
+            </a:r>
+          </a:p>
+          <a:p>
+            <a:endParaRPr lang="it-IT" dirty="0"/>
+          </a:p>
+          <a:p>
+            <a:pPr marL="285750" indent="-285750">
+              <a:buFont typeface="Arial" pitchFamily="34" charset="0"/>
+              <a:buChar char="•"/>
+            </a:pPr>
+            <a:r>
+              <a:rPr lang="it-IT" dirty="0" smtClean="0"/>
+              <a:t>Classe «Genitore» (Campi mancanti)</a:t>
+            </a:r>
+          </a:p>
+          <a:p>
+            <a:pPr marL="285750" indent="-285750">
+              <a:buFont typeface="Arial" pitchFamily="34" charset="0"/>
+              <a:buChar char="•"/>
+            </a:pPr>
+            <a:r>
+              <a:rPr lang="it-IT" dirty="0" smtClean="0"/>
+              <a:t>Modifiche dei tipi primitivi (numero civico da </a:t>
+            </a:r>
+            <a:r>
+              <a:rPr lang="it-IT" dirty="0" err="1" smtClean="0"/>
+              <a:t>int</a:t>
+            </a:r>
+            <a:r>
+              <a:rPr lang="it-IT" dirty="0" smtClean="0"/>
+              <a:t> a </a:t>
+            </a:r>
+            <a:r>
+              <a:rPr lang="it-IT" dirty="0" err="1" smtClean="0"/>
+              <a:t>String</a:t>
+            </a:r>
+            <a:r>
+              <a:rPr lang="it-IT" dirty="0" smtClean="0"/>
+              <a:t>)</a:t>
+            </a:r>
+          </a:p>
+          <a:p>
+            <a:pPr marL="285750" indent="-285750">
+              <a:buFont typeface="Arial" pitchFamily="34" charset="0"/>
+              <a:buChar char="•"/>
+            </a:pPr>
+            <a:r>
+              <a:rPr lang="it-IT" dirty="0" smtClean="0"/>
+              <a:t>Errori nel denominare campi e variabili</a:t>
+            </a:r>
+          </a:p>
+          <a:p>
+            <a:pPr marL="285750" indent="-285750">
+              <a:buFont typeface="Arial" pitchFamily="34" charset="0"/>
+              <a:buChar char="•"/>
+            </a:pPr>
+            <a:endParaRPr lang="it-IT" dirty="0"/>
+          </a:p>
+        </p:txBody>
+      </p:sp>
+      <p:pic>
+        <p:nvPicPr>
+          <p:cNvPr id="5" name="Immagine 4"/>
+          <p:cNvPicPr>
+            <a:picLocks noChangeAspect="1"/>
+          </p:cNvPicPr>
+          <p:nvPr/>
+        </p:nvPicPr>
+        <p:blipFill>
+          <a:blip r:embed="rId3">
+            <a:extLst>
+              <a:ext uri="{28A0092B-C50C-407E-A947-70E740481C1C}">
+                <a14:useLocalDpi xmlns:a14="http://schemas.microsoft.com/office/drawing/2010/main" val="0"/>
+              </a:ext>
+            </a:extLst>
+          </a:blip>
+          <a:stretch>
+            <a:fillRect/>
+          </a:stretch>
+        </p:blipFill>
+        <p:spPr>
+          <a:xfrm>
+            <a:off x="2072683" y="4489274"/>
+            <a:ext cx="4710602" cy="1760612"/>
+          </a:xfrm>
+          <a:prstGeom prst="rect">
+            <a:avLst/>
+          </a:prstGeom>
+        </p:spPr>
+      </p:pic>
+    </p:spTree>
+    <p:extLst>
+      <p:ext uri="{BB962C8B-B14F-4D97-AF65-F5344CB8AC3E}">
+        <p14:creationId xmlns:p14="http://schemas.microsoft.com/office/powerpoint/2010/main" val="3259527293"/>
+      </p:ext>
+    </p:extLst>
+  </p:cSld>
+  <p:clrMapOvr>
+    <a:masterClrMapping/>
+  </p:clrMapOvr>
+</p:sld>
+</file>
+
+<file path=ppt/slides/slide51.xml><?xml version="1.0" encoding="utf-8"?>
+<p:sld xmlns:a="http://schemas.openxmlformats.org/drawingml/2006/main" xmlns:r="http://schemas.openxmlformats.org/officeDocument/2006/relationships" xmlns:p="http://schemas.openxmlformats.org/presentationml/2006/main">
+  <p:cSld>
+    <p:spTree>
+      <p:nvGrpSpPr>
+        <p:cNvPr id="1" name=""/>
+        <p:cNvGrpSpPr/>
+        <p:nvPr/>
+      </p:nvGrpSpPr>
+      <p:grpSpPr>
+        <a:xfrm>
+          <a:off x="0" y="0"/>
+          <a:ext cx="0" cy="0"/>
+          <a:chOff x="0" y="0"/>
+          <a:chExt cx="0" cy="0"/>
+        </a:xfrm>
+      </p:grpSpPr>
+      <p:sp>
+        <p:nvSpPr>
+          <p:cNvPr id="2" name="CasellaDiTesto 1"/>
+          <p:cNvSpPr txBox="1"/>
+          <p:nvPr/>
+        </p:nvSpPr>
+        <p:spPr>
+          <a:xfrm>
             <a:off x="500034" y="476672"/>
             <a:ext cx="8142305" cy="1107996"/>
           </a:xfrm>
@@ -18966,18 +19757,18 @@
     </p:spTree>
     <p:extLst>
       <p:ext uri="{BB962C8B-B14F-4D97-AF65-F5344CB8AC3E}">
-        <p14:creationId xmlns:p14="http://schemas.microsoft.com/office/powerpoint/2010/main" xmlns="" val="155874689"/>
+        <p14:creationId xmlns:p14="http://schemas.microsoft.com/office/powerpoint/2010/main" val="155874689"/>
       </p:ext>
     </p:extLst>
   </p:cSld>
   <p:clrMapOvr>
     <a:masterClrMapping/>
   </p:clrMapOvr>
-  <mc:AlternateContent xmlns:mc="http://schemas.openxmlformats.org/markup-compatibility/2006">
-    <mc:Choice xmlns:p14="http://schemas.microsoft.com/office/powerpoint/2010/main" xmlns="" Requires="p14">
+  <mc:AlternateContent xmlns:mc="http://schemas.openxmlformats.org/markup-compatibility/2006" xmlns:p14="http://schemas.microsoft.com/office/powerpoint/2010/main">
+    <mc:Choice Requires="p14">
       <p:transition spd="slow" p14:dur="2000"/>
     </mc:Choice>
-    <mc:Fallback>
+    <mc:Fallback xmlns="">
       <p:transition spd="slow"/>
     </mc:Fallback>
   </mc:AlternateContent>
@@ -18991,7 +19782,7 @@
 </p:sld>
 </file>
 
-<file path=ppt/slides/slide51.xml><?xml version="1.0" encoding="utf-8"?>
+<file path=ppt/slides/slide52.xml><?xml version="1.0" encoding="utf-8"?>
 <p:sld xmlns:a="http://schemas.openxmlformats.org/drawingml/2006/main" xmlns:r="http://schemas.openxmlformats.org/officeDocument/2006/relationships" xmlns:p="http://schemas.openxmlformats.org/presentationml/2006/main">
   <p:cSld>
     <p:spTree>
@@ -19073,18 +19864,18 @@
     </p:spTree>
     <p:extLst>
       <p:ext uri="{BB962C8B-B14F-4D97-AF65-F5344CB8AC3E}">
-        <p14:creationId xmlns:p14="http://schemas.microsoft.com/office/powerpoint/2010/main" xmlns="" val="155874689"/>
+        <p14:creationId xmlns:p14="http://schemas.microsoft.com/office/powerpoint/2010/main" val="155874689"/>
       </p:ext>
     </p:extLst>
   </p:cSld>
   <p:clrMapOvr>
     <a:masterClrMapping/>
   </p:clrMapOvr>
-  <mc:AlternateContent xmlns:mc="http://schemas.openxmlformats.org/markup-compatibility/2006">
-    <mc:Choice xmlns:p14="http://schemas.microsoft.com/office/powerpoint/2010/main" xmlns="" Requires="p14">
+  <mc:AlternateContent xmlns:mc="http://schemas.openxmlformats.org/markup-compatibility/2006" xmlns:p14="http://schemas.microsoft.com/office/powerpoint/2010/main">
+    <mc:Choice Requires="p14">
       <p:transition spd="slow" p14:dur="2000"/>
     </mc:Choice>
-    <mc:Fallback>
+    <mc:Fallback xmlns="">
       <p:transition spd="slow"/>
     </mc:Fallback>
   </mc:AlternateContent>
@@ -19098,7 +19889,7 @@
 </p:sld>
 </file>
 
-<file path=ppt/slides/slide52.xml><?xml version="1.0" encoding="utf-8"?>
+<file path=ppt/slides/slide53.xml><?xml version="1.0" encoding="utf-8"?>
 <p:sld xmlns:a="http://schemas.openxmlformats.org/drawingml/2006/main" xmlns:r="http://schemas.openxmlformats.org/officeDocument/2006/relationships" xmlns:p="http://schemas.openxmlformats.org/presentationml/2006/main">
   <p:cSld>
     <p:spTree>
@@ -19244,171 +20035,18 @@
     </p:spTree>
     <p:extLst>
       <p:ext uri="{BB962C8B-B14F-4D97-AF65-F5344CB8AC3E}">
-        <p14:creationId xmlns:p14="http://schemas.microsoft.com/office/powerpoint/2010/main" xmlns="" val="155874689"/>
+        <p14:creationId xmlns:p14="http://schemas.microsoft.com/office/powerpoint/2010/main" val="155874689"/>
       </p:ext>
     </p:extLst>
   </p:cSld>
   <p:clrMapOvr>
     <a:masterClrMapping/>
   </p:clrMapOvr>
-  <mc:AlternateContent xmlns:mc="http://schemas.openxmlformats.org/markup-compatibility/2006">
-    <mc:Choice xmlns:p14="http://schemas.microsoft.com/office/powerpoint/2010/main" xmlns="" Requires="p14">
+  <mc:AlternateContent xmlns:mc="http://schemas.openxmlformats.org/markup-compatibility/2006" xmlns:p14="http://schemas.microsoft.com/office/powerpoint/2010/main">
+    <mc:Choice Requires="p14">
       <p:transition spd="slow" p14:dur="2000"/>
     </mc:Choice>
-    <mc:Fallback>
-      <p:transition spd="slow"/>
-    </mc:Fallback>
-  </mc:AlternateContent>
-  <p:timing>
-    <p:tnLst>
-      <p:par>
-        <p:cTn id="1" dur="indefinite" restart="never" nodeType="tmRoot"/>
-      </p:par>
-    </p:tnLst>
-  </p:timing>
-</p:sld>
-</file>
-
-<file path=ppt/slides/slide53.xml><?xml version="1.0" encoding="utf-8"?>
-<p:sld xmlns:a="http://schemas.openxmlformats.org/drawingml/2006/main" xmlns:r="http://schemas.openxmlformats.org/officeDocument/2006/relationships" xmlns:p="http://schemas.openxmlformats.org/presentationml/2006/main">
-  <p:cSld>
-    <p:spTree>
-      <p:nvGrpSpPr>
-        <p:cNvPr id="1" name=""/>
-        <p:cNvGrpSpPr/>
-        <p:nvPr/>
-      </p:nvGrpSpPr>
-      <p:grpSpPr>
-        <a:xfrm>
-          <a:off x="0" y="0"/>
-          <a:ext cx="0" cy="0"/>
-          <a:chOff x="0" y="0"/>
-          <a:chExt cx="0" cy="0"/>
-        </a:xfrm>
-      </p:grpSpPr>
-      <p:sp>
-        <p:nvSpPr>
-          <p:cNvPr id="2" name="CasellaDiTesto 1"/>
-          <p:cNvSpPr txBox="1"/>
-          <p:nvPr/>
-        </p:nvSpPr>
-        <p:spPr>
-          <a:xfrm>
-            <a:off x="500034" y="476672"/>
-            <a:ext cx="8142305" cy="1538883"/>
-          </a:xfrm>
-          <a:prstGeom prst="rect">
-            <a:avLst/>
-          </a:prstGeom>
-          <a:noFill/>
-        </p:spPr>
-        <p:txBody>
-          <a:bodyPr wrap="square" rtlCol="0">
-            <a:spAutoFit/>
-          </a:bodyPr>
-          <a:lstStyle/>
-          <a:p>
-            <a:pPr algn="ctr"/>
-            <a:r>
-              <a:rPr lang="it-IT" sz="4800" b="1" dirty="0" smtClean="0"/>
-              <a:t>Gestione Eventi</a:t>
-            </a:r>
-          </a:p>
-          <a:p>
-            <a:pPr algn="ctr"/>
-            <a:r>
-              <a:rPr lang="it-IT" sz="2800" b="1" dirty="0" smtClean="0">
-                <a:latin typeface="+mj-lt"/>
-              </a:rPr>
-              <a:t>Inserimento Evento</a:t>
-            </a:r>
-          </a:p>
-          <a:p>
-            <a:pPr algn="ctr"/>
-            <a:endParaRPr lang="it-IT" dirty="0">
-              <a:latin typeface="+mj-lt"/>
-            </a:endParaRPr>
-          </a:p>
-        </p:txBody>
-      </p:sp>
-      <p:sp>
-        <p:nvSpPr>
-          <p:cNvPr id="6" name="Rettangolo 5"/>
-          <p:cNvSpPr/>
-          <p:nvPr/>
-        </p:nvSpPr>
-        <p:spPr>
-          <a:xfrm>
-            <a:off x="214282" y="1857365"/>
-            <a:ext cx="8786874" cy="1200329"/>
-          </a:xfrm>
-          <a:prstGeom prst="rect">
-            <a:avLst/>
-          </a:prstGeom>
-        </p:spPr>
-        <p:txBody>
-          <a:bodyPr wrap="square">
-            <a:spAutoFit/>
-          </a:bodyPr>
-          <a:lstStyle/>
-          <a:p>
-            <a:pPr algn="just"/>
-            <a:r>
-              <a:rPr lang="it-IT" sz="2400" dirty="0" smtClean="0"/>
-              <a:t>Il Personale selezionato è abilitato ad inserire degli eventi tramite un apposito </a:t>
-            </a:r>
-            <a:r>
-              <a:rPr lang="it-IT" sz="2400" dirty="0" err="1" smtClean="0"/>
-              <a:t>form</a:t>
-            </a:r>
-            <a:r>
-              <a:rPr lang="it-IT" sz="2400" dirty="0" smtClean="0"/>
-              <a:t>. E’ possibile allegare un file contenente il programma dell’evento.</a:t>
-            </a:r>
-          </a:p>
-        </p:txBody>
-      </p:sp>
-      <p:pic>
-        <p:nvPicPr>
-          <p:cNvPr id="4098" name="Picture 2" descr="C:\Users\Amministratore\Desktop\eventi\inserimento.PNG"/>
-          <p:cNvPicPr>
-            <a:picLocks noChangeAspect="1" noChangeArrowheads="1"/>
-          </p:cNvPicPr>
-          <p:nvPr/>
-        </p:nvPicPr>
-        <p:blipFill>
-          <a:blip r:embed="rId3" cstate="print"/>
-          <a:srcRect/>
-          <a:stretch>
-            <a:fillRect/>
-          </a:stretch>
-        </p:blipFill>
-        <p:spPr bwMode="auto">
-          <a:xfrm>
-            <a:off x="1285852" y="3078521"/>
-            <a:ext cx="7570794" cy="3779479"/>
-          </a:xfrm>
-          <a:prstGeom prst="rect">
-            <a:avLst/>
-          </a:prstGeom>
-          <a:noFill/>
-        </p:spPr>
-      </p:pic>
-    </p:spTree>
-    <p:extLst>
-      <p:ext uri="{BB962C8B-B14F-4D97-AF65-F5344CB8AC3E}">
-        <p14:creationId xmlns:p14="http://schemas.microsoft.com/office/powerpoint/2010/main" xmlns="" val="155874689"/>
-      </p:ext>
-    </p:extLst>
-  </p:cSld>
-  <p:clrMapOvr>
-    <a:masterClrMapping/>
-  </p:clrMapOvr>
-  <mc:AlternateContent xmlns:mc="http://schemas.openxmlformats.org/markup-compatibility/2006">
-    <mc:Choice xmlns:p14="http://schemas.microsoft.com/office/powerpoint/2010/main" xmlns="" Requires="p14">
-      <p:transition spd="slow" p14:dur="2000"/>
-    </mc:Choice>
-    <mc:Fallback>
+    <mc:Fallback xmlns="">
       <p:transition spd="slow"/>
     </mc:Fallback>
   </mc:AlternateContent>
@@ -19473,7 +20111,7 @@
               <a:rPr lang="it-IT" sz="2800" b="1" dirty="0" smtClean="0">
                 <a:latin typeface="+mj-lt"/>
               </a:rPr>
-              <a:t>Modifica Evento</a:t>
+              <a:t>Inserimento Evento</a:t>
             </a:r>
           </a:p>
           <a:p>
@@ -19493,7 +20131,7 @@
         <p:spPr>
           <a:xfrm>
             <a:off x="214282" y="1857365"/>
-            <a:ext cx="8786874" cy="830997"/>
+            <a:ext cx="8786874" cy="1200329"/>
           </a:xfrm>
           <a:prstGeom prst="rect">
             <a:avLst/>
@@ -19508,14 +20146,22 @@
             <a:pPr algn="just"/>
             <a:r>
               <a:rPr lang="it-IT" sz="2400" dirty="0" smtClean="0"/>
-              <a:t>E’ possibile modificare solo un evento creato dalla stessa persona che vuole effettuare la modifica. </a:t>
+              <a:t>Il Personale selezionato è abilitato ad inserire degli eventi tramite un apposito </a:t>
+            </a:r>
+            <a:r>
+              <a:rPr lang="it-IT" sz="2400" dirty="0" err="1" smtClean="0"/>
+              <a:t>form</a:t>
+            </a:r>
+            <a:r>
+              <a:rPr lang="it-IT" sz="2400" dirty="0" smtClean="0"/>
+              <a:t>. E’ possibile allegare un file contenente il programma dell’evento.</a:t>
             </a:r>
           </a:p>
         </p:txBody>
       </p:sp>
       <p:pic>
         <p:nvPicPr>
-          <p:cNvPr id="5122" name="Picture 2" descr="C:\Users\Amministratore\Desktop\eventi\modifica.png"/>
+          <p:cNvPr id="4098" name="Picture 2" descr="C:\Users\Amministratore\Desktop\eventi\inserimento.PNG"/>
           <p:cNvPicPr>
             <a:picLocks noChangeAspect="1" noChangeArrowheads="1"/>
           </p:cNvPicPr>
@@ -19530,8 +20176,8 @@
         </p:blipFill>
         <p:spPr bwMode="auto">
           <a:xfrm>
-            <a:off x="1071538" y="2786058"/>
-            <a:ext cx="7786742" cy="3887063"/>
+            <a:off x="1285852" y="3078521"/>
+            <a:ext cx="7570794" cy="3779479"/>
           </a:xfrm>
           <a:prstGeom prst="rect">
             <a:avLst/>
@@ -19542,18 +20188,18 @@
     </p:spTree>
     <p:extLst>
       <p:ext uri="{BB962C8B-B14F-4D97-AF65-F5344CB8AC3E}">
-        <p14:creationId xmlns:p14="http://schemas.microsoft.com/office/powerpoint/2010/main" xmlns="" val="155874689"/>
+        <p14:creationId xmlns:p14="http://schemas.microsoft.com/office/powerpoint/2010/main" val="155874689"/>
       </p:ext>
     </p:extLst>
   </p:cSld>
   <p:clrMapOvr>
     <a:masterClrMapping/>
   </p:clrMapOvr>
-  <mc:AlternateContent xmlns:mc="http://schemas.openxmlformats.org/markup-compatibility/2006">
-    <mc:Choice xmlns:p14="http://schemas.microsoft.com/office/powerpoint/2010/main" xmlns="" Requires="p14">
+  <mc:AlternateContent xmlns:mc="http://schemas.openxmlformats.org/markup-compatibility/2006" xmlns:p14="http://schemas.microsoft.com/office/powerpoint/2010/main">
+    <mc:Choice Requires="p14">
       <p:transition spd="slow" p14:dur="2000"/>
     </mc:Choice>
-    <mc:Fallback>
+    <mc:Fallback xmlns="">
       <p:transition spd="slow"/>
     </mc:Fallback>
   </mc:AlternateContent>
@@ -19618,6 +20264,151 @@
               <a:rPr lang="it-IT" sz="2800" b="1" dirty="0" smtClean="0">
                 <a:latin typeface="+mj-lt"/>
               </a:rPr>
+              <a:t>Modifica Evento</a:t>
+            </a:r>
+          </a:p>
+          <a:p>
+            <a:pPr algn="ctr"/>
+            <a:endParaRPr lang="it-IT" dirty="0">
+              <a:latin typeface="+mj-lt"/>
+            </a:endParaRPr>
+          </a:p>
+        </p:txBody>
+      </p:sp>
+      <p:sp>
+        <p:nvSpPr>
+          <p:cNvPr id="6" name="Rettangolo 5"/>
+          <p:cNvSpPr/>
+          <p:nvPr/>
+        </p:nvSpPr>
+        <p:spPr>
+          <a:xfrm>
+            <a:off x="214282" y="1857365"/>
+            <a:ext cx="8786874" cy="830997"/>
+          </a:xfrm>
+          <a:prstGeom prst="rect">
+            <a:avLst/>
+          </a:prstGeom>
+        </p:spPr>
+        <p:txBody>
+          <a:bodyPr wrap="square">
+            <a:spAutoFit/>
+          </a:bodyPr>
+          <a:lstStyle/>
+          <a:p>
+            <a:pPr algn="just"/>
+            <a:r>
+              <a:rPr lang="it-IT" sz="2400" dirty="0" smtClean="0"/>
+              <a:t>E’ possibile modificare solo un evento creato dalla stessa persona che vuole effettuare la modifica. </a:t>
+            </a:r>
+          </a:p>
+        </p:txBody>
+      </p:sp>
+      <p:pic>
+        <p:nvPicPr>
+          <p:cNvPr id="5122" name="Picture 2" descr="C:\Users\Amministratore\Desktop\eventi\modifica.png"/>
+          <p:cNvPicPr>
+            <a:picLocks noChangeAspect="1" noChangeArrowheads="1"/>
+          </p:cNvPicPr>
+          <p:nvPr/>
+        </p:nvPicPr>
+        <p:blipFill>
+          <a:blip r:embed="rId3" cstate="print"/>
+          <a:srcRect/>
+          <a:stretch>
+            <a:fillRect/>
+          </a:stretch>
+        </p:blipFill>
+        <p:spPr bwMode="auto">
+          <a:xfrm>
+            <a:off x="1071538" y="2786058"/>
+            <a:ext cx="7786742" cy="3887063"/>
+          </a:xfrm>
+          <a:prstGeom prst="rect">
+            <a:avLst/>
+          </a:prstGeom>
+          <a:noFill/>
+        </p:spPr>
+      </p:pic>
+    </p:spTree>
+    <p:extLst>
+      <p:ext uri="{BB962C8B-B14F-4D97-AF65-F5344CB8AC3E}">
+        <p14:creationId xmlns:p14="http://schemas.microsoft.com/office/powerpoint/2010/main" val="155874689"/>
+      </p:ext>
+    </p:extLst>
+  </p:cSld>
+  <p:clrMapOvr>
+    <a:masterClrMapping/>
+  </p:clrMapOvr>
+  <mc:AlternateContent xmlns:mc="http://schemas.openxmlformats.org/markup-compatibility/2006" xmlns:p14="http://schemas.microsoft.com/office/powerpoint/2010/main">
+    <mc:Choice Requires="p14">
+      <p:transition spd="slow" p14:dur="2000"/>
+    </mc:Choice>
+    <mc:Fallback xmlns="">
+      <p:transition spd="slow"/>
+    </mc:Fallback>
+  </mc:AlternateContent>
+  <p:timing>
+    <p:tnLst>
+      <p:par>
+        <p:cTn id="1" dur="indefinite" restart="never" nodeType="tmRoot"/>
+      </p:par>
+    </p:tnLst>
+  </p:timing>
+</p:sld>
+</file>
+
+<file path=ppt/slides/slide56.xml><?xml version="1.0" encoding="utf-8"?>
+<p:sld xmlns:a="http://schemas.openxmlformats.org/drawingml/2006/main" xmlns:r="http://schemas.openxmlformats.org/officeDocument/2006/relationships" xmlns:p="http://schemas.openxmlformats.org/presentationml/2006/main">
+  <p:cSld>
+    <p:spTree>
+      <p:nvGrpSpPr>
+        <p:cNvPr id="1" name=""/>
+        <p:cNvGrpSpPr/>
+        <p:nvPr/>
+      </p:nvGrpSpPr>
+      <p:grpSpPr>
+        <a:xfrm>
+          <a:off x="0" y="0"/>
+          <a:ext cx="0" cy="0"/>
+          <a:chOff x="0" y="0"/>
+          <a:chExt cx="0" cy="0"/>
+        </a:xfrm>
+      </p:grpSpPr>
+      <p:sp>
+        <p:nvSpPr>
+          <p:cNvPr id="2" name="CasellaDiTesto 1"/>
+          <p:cNvSpPr txBox="1"/>
+          <p:nvPr/>
+        </p:nvSpPr>
+        <p:spPr>
+          <a:xfrm>
+            <a:off x="500034" y="476672"/>
+            <a:ext cx="8142305" cy="1538883"/>
+          </a:xfrm>
+          <a:prstGeom prst="rect">
+            <a:avLst/>
+          </a:prstGeom>
+          <a:noFill/>
+        </p:spPr>
+        <p:txBody>
+          <a:bodyPr wrap="square" rtlCol="0">
+            <a:spAutoFit/>
+          </a:bodyPr>
+          <a:lstStyle/>
+          <a:p>
+            <a:pPr algn="ctr"/>
+            <a:r>
+              <a:rPr lang="it-IT" sz="4800" b="1" dirty="0" smtClean="0"/>
+              <a:t>Gestione Eventi</a:t>
+            </a:r>
+          </a:p>
+          <a:p>
+            <a:pPr algn="ctr"/>
+            <a:r>
+              <a:rPr lang="it-IT" sz="2800" b="1" dirty="0" smtClean="0">
+                <a:latin typeface="+mj-lt"/>
+              </a:rPr>
               <a:t>Rimozione Evento</a:t>
             </a:r>
           </a:p>
@@ -19687,18 +20478,18 @@
     </p:spTree>
     <p:extLst>
       <p:ext uri="{BB962C8B-B14F-4D97-AF65-F5344CB8AC3E}">
-        <p14:creationId xmlns:p14="http://schemas.microsoft.com/office/powerpoint/2010/main" xmlns="" val="155874689"/>
+        <p14:creationId xmlns:p14="http://schemas.microsoft.com/office/powerpoint/2010/main" val="155874689"/>
       </p:ext>
     </p:extLst>
   </p:cSld>
   <p:clrMapOvr>
     <a:masterClrMapping/>
   </p:clrMapOvr>
-  <mc:AlternateContent xmlns:mc="http://schemas.openxmlformats.org/markup-compatibility/2006">
-    <mc:Choice xmlns:p14="http://schemas.microsoft.com/office/powerpoint/2010/main" xmlns="" Requires="p14">
+  <mc:AlternateContent xmlns:mc="http://schemas.openxmlformats.org/markup-compatibility/2006" xmlns:p14="http://schemas.microsoft.com/office/powerpoint/2010/main">
+    <mc:Choice Requires="p14">
       <p:transition spd="slow" p14:dur="2000"/>
     </mc:Choice>
-    <mc:Fallback>
+    <mc:Fallback xmlns="">
       <p:transition spd="slow"/>
     </mc:Fallback>
   </mc:AlternateContent>
@@ -19712,7 +20503,7 @@
 </p:sld>
 </file>
 
-<file path=ppt/slides/slide56.xml><?xml version="1.0" encoding="utf-8"?>
+<file path=ppt/slides/slide57.xml><?xml version="1.0" encoding="utf-8"?>
 <p:sld xmlns:a="http://schemas.openxmlformats.org/drawingml/2006/main" xmlns:r="http://schemas.openxmlformats.org/officeDocument/2006/relationships" xmlns:p="http://schemas.openxmlformats.org/presentationml/2006/main">
   <p:cSld>
     <p:spTree>
@@ -19877,707 +20668,18 @@
     </p:spTree>
     <p:extLst>
       <p:ext uri="{BB962C8B-B14F-4D97-AF65-F5344CB8AC3E}">
-        <p14:creationId xmlns:p14="http://schemas.microsoft.com/office/powerpoint/2010/main" xmlns="" val="155874689"/>
+        <p14:creationId xmlns:p14="http://schemas.microsoft.com/office/powerpoint/2010/main" val="155874689"/>
       </p:ext>
     </p:extLst>
   </p:cSld>
   <p:clrMapOvr>
     <a:masterClrMapping/>
   </p:clrMapOvr>
-  <mc:AlternateContent xmlns:mc="http://schemas.openxmlformats.org/markup-compatibility/2006">
-    <mc:Choice xmlns:p14="http://schemas.microsoft.com/office/powerpoint/2010/main" xmlns="" Requires="p14">
+  <mc:AlternateContent xmlns:mc="http://schemas.openxmlformats.org/markup-compatibility/2006" xmlns:p14="http://schemas.microsoft.com/office/powerpoint/2010/main">
+    <mc:Choice Requires="p14">
       <p:transition spd="slow" p14:dur="2000"/>
     </mc:Choice>
-    <mc:Fallback>
-      <p:transition spd="slow"/>
-    </mc:Fallback>
-  </mc:AlternateContent>
-  <p:timing>
-    <p:tnLst>
-      <p:par>
-        <p:cTn id="1" dur="indefinite" restart="never" nodeType="tmRoot"/>
-      </p:par>
-    </p:tnLst>
-  </p:timing>
-</p:sld>
-</file>
-
-<file path=ppt/slides/slide57.xml><?xml version="1.0" encoding="utf-8"?>
-<p:sld xmlns:a="http://schemas.openxmlformats.org/drawingml/2006/main" xmlns:r="http://schemas.openxmlformats.org/officeDocument/2006/relationships" xmlns:p="http://schemas.openxmlformats.org/presentationml/2006/main">
-  <p:cSld>
-    <p:spTree>
-      <p:nvGrpSpPr>
-        <p:cNvPr id="1" name=""/>
-        <p:cNvGrpSpPr/>
-        <p:nvPr/>
-      </p:nvGrpSpPr>
-      <p:grpSpPr>
-        <a:xfrm>
-          <a:off x="0" y="0"/>
-          <a:ext cx="0" cy="0"/>
-          <a:chOff x="0" y="0"/>
-          <a:chExt cx="0" cy="0"/>
-        </a:xfrm>
-      </p:grpSpPr>
-      <p:sp>
-        <p:nvSpPr>
-          <p:cNvPr id="2" name="CasellaDiTesto 1"/>
-          <p:cNvSpPr txBox="1"/>
-          <p:nvPr/>
-        </p:nvSpPr>
-        <p:spPr>
-          <a:xfrm>
-            <a:off x="2728673" y="476672"/>
-            <a:ext cx="4001609" cy="1538883"/>
-          </a:xfrm>
-          <a:prstGeom prst="rect">
-            <a:avLst/>
-          </a:prstGeom>
-          <a:noFill/>
-        </p:spPr>
-        <p:txBody>
-          <a:bodyPr wrap="none" rtlCol="0">
-            <a:spAutoFit/>
-          </a:bodyPr>
-          <a:lstStyle/>
-          <a:p>
-            <a:pPr algn="ctr"/>
-            <a:r>
-              <a:rPr lang="it-IT" sz="4800" b="1" dirty="0" err="1" smtClean="0">
-                <a:latin typeface="+mj-lt"/>
-              </a:rPr>
-              <a:t>Testing</a:t>
-            </a:r>
-            <a:endParaRPr lang="it-IT" sz="4800" b="1" dirty="0" smtClean="0">
-              <a:latin typeface="+mj-lt"/>
-            </a:endParaRPr>
-          </a:p>
-          <a:p>
-            <a:pPr algn="ctr"/>
-            <a:r>
-              <a:rPr lang="it-IT" sz="2800" b="1" dirty="0" err="1" smtClean="0">
-                <a:latin typeface="+mj-lt"/>
-              </a:rPr>
-              <a:t>Testing</a:t>
-            </a:r>
-            <a:r>
-              <a:rPr lang="it-IT" sz="2800" b="1" dirty="0" smtClean="0">
-                <a:latin typeface="+mj-lt"/>
-              </a:rPr>
-              <a:t> effettuato su KIDS</a:t>
-            </a:r>
-          </a:p>
-          <a:p>
-            <a:pPr algn="ctr"/>
-            <a:endParaRPr lang="it-IT" dirty="0">
-              <a:latin typeface="+mj-lt"/>
-            </a:endParaRPr>
-          </a:p>
-        </p:txBody>
-      </p:sp>
-      <p:sp>
-        <p:nvSpPr>
-          <p:cNvPr id="10" name="Content Placeholder 3"/>
-          <p:cNvSpPr txBox="1">
-            <a:spLocks/>
-          </p:cNvSpPr>
-          <p:nvPr/>
-        </p:nvSpPr>
-        <p:spPr>
-          <a:xfrm>
-            <a:off x="323528" y="1988840"/>
-            <a:ext cx="8424936" cy="1296144"/>
-          </a:xfrm>
-          <a:prstGeom prst="rect">
-            <a:avLst/>
-          </a:prstGeom>
-        </p:spPr>
-        <p:txBody>
-          <a:bodyPr tIns="0"/>
-          <a:lstStyle>
-            <a:lvl1pPr marL="274320" indent="-274320" algn="l" rtl="0" eaLnBrk="1" latinLnBrk="0" hangingPunct="1">
-              <a:spcBef>
-                <a:spcPct val="20000"/>
-              </a:spcBef>
-              <a:buClrTx/>
-              <a:buSzPct val="95000"/>
-              <a:buFont typeface="Wingdings" pitchFamily="2" charset="2"/>
-              <a:buChar char="v"/>
-              <a:defRPr kumimoji="0" sz="2800" kern="1200">
-                <a:solidFill>
-                  <a:schemeClr val="tx1"/>
-                </a:solidFill>
-                <a:latin typeface="+mn-lt"/>
-                <a:ea typeface="+mn-ea"/>
-                <a:cs typeface="+mn-cs"/>
-              </a:defRPr>
-            </a:lvl1pPr>
-            <a:lvl2pPr marL="640080" indent="-246888" algn="l" rtl="0" eaLnBrk="1" latinLnBrk="0" hangingPunct="1">
-              <a:spcBef>
-                <a:spcPct val="20000"/>
-              </a:spcBef>
-              <a:buClrTx/>
-              <a:buSzPct val="85000"/>
-              <a:buFont typeface="Courier New" pitchFamily="49" charset="0"/>
-              <a:buChar char="o"/>
-              <a:defRPr kumimoji="0" sz="2600" kern="1200">
-                <a:solidFill>
-                  <a:schemeClr val="tx1"/>
-                </a:solidFill>
-                <a:latin typeface="+mn-lt"/>
-                <a:ea typeface="+mn-ea"/>
-                <a:cs typeface="+mn-cs"/>
-              </a:defRPr>
-            </a:lvl2pPr>
-            <a:lvl3pPr marL="914400" indent="-246888" algn="l" rtl="0" eaLnBrk="1" latinLnBrk="0" hangingPunct="1">
-              <a:spcBef>
-                <a:spcPct val="20000"/>
-              </a:spcBef>
-              <a:buClrTx/>
-              <a:buSzPct val="70000"/>
-              <a:buFont typeface="Wingdings 2"/>
-              <a:buChar char=""/>
-              <a:defRPr kumimoji="0" sz="2400" kern="1200">
-                <a:solidFill>
-                  <a:schemeClr val="tx1"/>
-                </a:solidFill>
-                <a:latin typeface="+mn-lt"/>
-                <a:ea typeface="+mn-ea"/>
-                <a:cs typeface="+mn-cs"/>
-              </a:defRPr>
-            </a:lvl3pPr>
-            <a:lvl4pPr marL="1188720" indent="-210312" algn="l" rtl="0" eaLnBrk="1" latinLnBrk="0" hangingPunct="1">
-              <a:spcBef>
-                <a:spcPct val="20000"/>
-              </a:spcBef>
-              <a:buClrTx/>
-              <a:buSzPct val="65000"/>
-              <a:buFont typeface="Wingdings 2"/>
-              <a:buChar char=""/>
-              <a:defRPr kumimoji="0" sz="2000" kern="1200">
-                <a:solidFill>
-                  <a:schemeClr val="tx1"/>
-                </a:solidFill>
-                <a:latin typeface="+mn-lt"/>
-                <a:ea typeface="+mn-ea"/>
-                <a:cs typeface="+mn-cs"/>
-              </a:defRPr>
-            </a:lvl4pPr>
-            <a:lvl5pPr marL="1463040" indent="-210312" algn="l" rtl="0" eaLnBrk="1" latinLnBrk="0" hangingPunct="1">
-              <a:spcBef>
-                <a:spcPct val="20000"/>
-              </a:spcBef>
-              <a:buClrTx/>
-              <a:buSzPct val="65000"/>
-              <a:buFont typeface="Wingdings 2"/>
-              <a:buChar char=""/>
-              <a:defRPr kumimoji="0" sz="1800" kern="1200">
-                <a:solidFill>
-                  <a:schemeClr val="tx1"/>
-                </a:solidFill>
-                <a:latin typeface="+mn-lt"/>
-                <a:ea typeface="+mn-ea"/>
-                <a:cs typeface="+mn-cs"/>
-              </a:defRPr>
-            </a:lvl5pPr>
-            <a:lvl6pPr marL="1737360" indent="-210312" algn="l" rtl="0" eaLnBrk="1" latinLnBrk="0" hangingPunct="1">
-              <a:spcBef>
-                <a:spcPct val="20000"/>
-              </a:spcBef>
-              <a:buClr>
-                <a:schemeClr val="accent5"/>
-              </a:buClr>
-              <a:buSzPct val="80000"/>
-              <a:buFont typeface="Wingdings 2"/>
-              <a:buChar char=""/>
-              <a:defRPr kumimoji="0" sz="1800" kern="1200">
-                <a:solidFill>
-                  <a:schemeClr val="tx1"/>
-                </a:solidFill>
-                <a:latin typeface="+mn-lt"/>
-                <a:ea typeface="+mn-ea"/>
-                <a:cs typeface="+mn-cs"/>
-              </a:defRPr>
-            </a:lvl6pPr>
-            <a:lvl7pPr marL="1920240" indent="-182880" algn="l" rtl="0" eaLnBrk="1" latinLnBrk="0" hangingPunct="1">
-              <a:spcBef>
-                <a:spcPct val="20000"/>
-              </a:spcBef>
-              <a:buClr>
-                <a:schemeClr val="accent6"/>
-              </a:buClr>
-              <a:buSzPct val="80000"/>
-              <a:buFont typeface="Wingdings 2"/>
-              <a:buChar char=""/>
-              <a:defRPr kumimoji="0" sz="1600" kern="1200" baseline="0">
-                <a:solidFill>
-                  <a:schemeClr val="tx1"/>
-                </a:solidFill>
-                <a:latin typeface="+mn-lt"/>
-                <a:ea typeface="+mn-ea"/>
-                <a:cs typeface="+mn-cs"/>
-              </a:defRPr>
-            </a:lvl7pPr>
-            <a:lvl8pPr marL="2194560" indent="-182880" algn="l" rtl="0" eaLnBrk="1" latinLnBrk="0" hangingPunct="1">
-              <a:spcBef>
-                <a:spcPct val="20000"/>
-              </a:spcBef>
-              <a:buClr>
-                <a:schemeClr val="tx2"/>
-              </a:buClr>
-              <a:buChar char="•"/>
-              <a:defRPr kumimoji="0" sz="1600" kern="1200">
-                <a:solidFill>
-                  <a:schemeClr val="tx1"/>
-                </a:solidFill>
-                <a:latin typeface="+mn-lt"/>
-                <a:ea typeface="+mn-ea"/>
-                <a:cs typeface="+mn-cs"/>
-              </a:defRPr>
-            </a:lvl8pPr>
-            <a:lvl9pPr marL="2468880" indent="-182880" algn="l" rtl="0" eaLnBrk="1" latinLnBrk="0" hangingPunct="1">
-              <a:spcBef>
-                <a:spcPct val="20000"/>
-              </a:spcBef>
-              <a:buClr>
-                <a:schemeClr val="tx2"/>
-              </a:buClr>
-              <a:buFontTx/>
-              <a:buChar char="•"/>
-              <a:defRPr kumimoji="0" sz="1400" kern="1200" baseline="0">
-                <a:solidFill>
-                  <a:schemeClr val="tx1"/>
-                </a:solidFill>
-                <a:latin typeface="+mn-lt"/>
-                <a:ea typeface="+mn-ea"/>
-                <a:cs typeface="+mn-cs"/>
-              </a:defRPr>
-            </a:lvl9pPr>
-          </a:lstStyle>
-          <a:p>
-            <a:pPr marL="0" indent="0">
-              <a:buNone/>
-            </a:pPr>
-            <a:r>
-              <a:rPr lang="en-US" b="1" dirty="0" err="1" smtClean="0"/>
-              <a:t>Obiettivo</a:t>
-            </a:r>
-            <a:r>
-              <a:rPr lang="en-US" dirty="0" smtClean="0"/>
-              <a:t>: </a:t>
-            </a:r>
-            <a:r>
-              <a:rPr lang="en-US" dirty="0" err="1" smtClean="0"/>
-              <a:t>verificare</a:t>
-            </a:r>
-            <a:r>
-              <a:rPr lang="en-US" dirty="0" smtClean="0"/>
-              <a:t> </a:t>
-            </a:r>
-            <a:r>
-              <a:rPr lang="en-US" dirty="0" err="1" smtClean="0"/>
-              <a:t>l’affidabilità</a:t>
-            </a:r>
-            <a:r>
-              <a:rPr lang="en-US" dirty="0" smtClean="0"/>
-              <a:t> del </a:t>
-            </a:r>
-            <a:r>
-              <a:rPr lang="en-US" dirty="0" err="1" smtClean="0"/>
-              <a:t>sistema</a:t>
-            </a:r>
-            <a:r>
-              <a:rPr lang="en-US" dirty="0" smtClean="0"/>
-              <a:t> Kids, </a:t>
-            </a:r>
-            <a:r>
-              <a:rPr lang="en-US" dirty="0" err="1" smtClean="0"/>
-              <a:t>cioè</a:t>
-            </a:r>
-            <a:r>
-              <a:rPr lang="en-US" dirty="0" smtClean="0"/>
-              <a:t> la </a:t>
-            </a:r>
-            <a:r>
-              <a:rPr lang="en-US" dirty="0" err="1" smtClean="0"/>
-              <a:t>sua</a:t>
-            </a:r>
-            <a:r>
-              <a:rPr lang="en-US" dirty="0" smtClean="0"/>
-              <a:t> </a:t>
-            </a:r>
-            <a:r>
-              <a:rPr lang="en-US" dirty="0" err="1" smtClean="0"/>
-              <a:t>corretta</a:t>
-            </a:r>
-            <a:r>
-              <a:rPr lang="en-US" dirty="0" smtClean="0"/>
-              <a:t> </a:t>
-            </a:r>
-            <a:r>
-              <a:rPr lang="en-US" dirty="0" err="1" smtClean="0"/>
-              <a:t>funzionalità</a:t>
-            </a:r>
-            <a:r>
-              <a:rPr lang="en-US" dirty="0" smtClean="0"/>
-              <a:t> </a:t>
-            </a:r>
-            <a:r>
-              <a:rPr lang="en-US" dirty="0" err="1" smtClean="0"/>
-              <a:t>nella</a:t>
-            </a:r>
-            <a:r>
-              <a:rPr lang="en-US" dirty="0" smtClean="0"/>
-              <a:t> </a:t>
-            </a:r>
-            <a:r>
-              <a:rPr lang="en-US" dirty="0" err="1" smtClean="0"/>
-              <a:t>gestione</a:t>
-            </a:r>
-            <a:r>
-              <a:rPr lang="en-US" dirty="0" smtClean="0"/>
-              <a:t> </a:t>
-            </a:r>
-            <a:r>
-              <a:rPr lang="en-US" dirty="0" err="1" smtClean="0"/>
-              <a:t>degli</a:t>
-            </a:r>
-            <a:r>
-              <a:rPr lang="en-US" dirty="0" smtClean="0"/>
-              <a:t> input (</a:t>
-            </a:r>
-            <a:r>
-              <a:rPr lang="en-US" dirty="0" err="1" smtClean="0"/>
-              <a:t>validi</a:t>
-            </a:r>
-            <a:r>
-              <a:rPr lang="en-US" dirty="0" smtClean="0"/>
-              <a:t> e non </a:t>
-            </a:r>
-            <a:r>
-              <a:rPr lang="en-US" dirty="0" err="1" smtClean="0"/>
-              <a:t>validi</a:t>
-            </a:r>
-            <a:r>
-              <a:rPr lang="en-US" dirty="0" smtClean="0"/>
-              <a:t>)</a:t>
-            </a:r>
-            <a:endParaRPr lang="en-US" dirty="0"/>
-          </a:p>
-        </p:txBody>
-      </p:sp>
-      <p:sp>
-        <p:nvSpPr>
-          <p:cNvPr id="6" name="Content Placeholder 3"/>
-          <p:cNvSpPr txBox="1">
-            <a:spLocks/>
-          </p:cNvSpPr>
-          <p:nvPr/>
-        </p:nvSpPr>
-        <p:spPr>
-          <a:xfrm>
-            <a:off x="395536" y="4077072"/>
-            <a:ext cx="8424936" cy="1296144"/>
-          </a:xfrm>
-          <a:prstGeom prst="rect">
-            <a:avLst/>
-          </a:prstGeom>
-        </p:spPr>
-        <p:txBody>
-          <a:bodyPr tIns="0"/>
-          <a:lstStyle>
-            <a:lvl1pPr marL="274320" indent="-274320" algn="l" rtl="0" eaLnBrk="1" latinLnBrk="0" hangingPunct="1">
-              <a:spcBef>
-                <a:spcPct val="20000"/>
-              </a:spcBef>
-              <a:buClrTx/>
-              <a:buSzPct val="95000"/>
-              <a:buFont typeface="Wingdings" pitchFamily="2" charset="2"/>
-              <a:buChar char="v"/>
-              <a:defRPr kumimoji="0" sz="2800" kern="1200">
-                <a:solidFill>
-                  <a:schemeClr val="tx1"/>
-                </a:solidFill>
-                <a:latin typeface="+mn-lt"/>
-                <a:ea typeface="+mn-ea"/>
-                <a:cs typeface="+mn-cs"/>
-              </a:defRPr>
-            </a:lvl1pPr>
-            <a:lvl2pPr marL="640080" indent="-246888" algn="l" rtl="0" eaLnBrk="1" latinLnBrk="0" hangingPunct="1">
-              <a:spcBef>
-                <a:spcPct val="20000"/>
-              </a:spcBef>
-              <a:buClrTx/>
-              <a:buSzPct val="85000"/>
-              <a:buFont typeface="Courier New" pitchFamily="49" charset="0"/>
-              <a:buChar char="o"/>
-              <a:defRPr kumimoji="0" sz="2600" kern="1200">
-                <a:solidFill>
-                  <a:schemeClr val="tx1"/>
-                </a:solidFill>
-                <a:latin typeface="+mn-lt"/>
-                <a:ea typeface="+mn-ea"/>
-                <a:cs typeface="+mn-cs"/>
-              </a:defRPr>
-            </a:lvl2pPr>
-            <a:lvl3pPr marL="914400" indent="-246888" algn="l" rtl="0" eaLnBrk="1" latinLnBrk="0" hangingPunct="1">
-              <a:spcBef>
-                <a:spcPct val="20000"/>
-              </a:spcBef>
-              <a:buClrTx/>
-              <a:buSzPct val="70000"/>
-              <a:buFont typeface="Wingdings 2"/>
-              <a:buChar char=""/>
-              <a:defRPr kumimoji="0" sz="2400" kern="1200">
-                <a:solidFill>
-                  <a:schemeClr val="tx1"/>
-                </a:solidFill>
-                <a:latin typeface="+mn-lt"/>
-                <a:ea typeface="+mn-ea"/>
-                <a:cs typeface="+mn-cs"/>
-              </a:defRPr>
-            </a:lvl3pPr>
-            <a:lvl4pPr marL="1188720" indent="-210312" algn="l" rtl="0" eaLnBrk="1" latinLnBrk="0" hangingPunct="1">
-              <a:spcBef>
-                <a:spcPct val="20000"/>
-              </a:spcBef>
-              <a:buClrTx/>
-              <a:buSzPct val="65000"/>
-              <a:buFont typeface="Wingdings 2"/>
-              <a:buChar char=""/>
-              <a:defRPr kumimoji="0" sz="2000" kern="1200">
-                <a:solidFill>
-                  <a:schemeClr val="tx1"/>
-                </a:solidFill>
-                <a:latin typeface="+mn-lt"/>
-                <a:ea typeface="+mn-ea"/>
-                <a:cs typeface="+mn-cs"/>
-              </a:defRPr>
-            </a:lvl4pPr>
-            <a:lvl5pPr marL="1463040" indent="-210312" algn="l" rtl="0" eaLnBrk="1" latinLnBrk="0" hangingPunct="1">
-              <a:spcBef>
-                <a:spcPct val="20000"/>
-              </a:spcBef>
-              <a:buClrTx/>
-              <a:buSzPct val="65000"/>
-              <a:buFont typeface="Wingdings 2"/>
-              <a:buChar char=""/>
-              <a:defRPr kumimoji="0" sz="1800" kern="1200">
-                <a:solidFill>
-                  <a:schemeClr val="tx1"/>
-                </a:solidFill>
-                <a:latin typeface="+mn-lt"/>
-                <a:ea typeface="+mn-ea"/>
-                <a:cs typeface="+mn-cs"/>
-              </a:defRPr>
-            </a:lvl5pPr>
-            <a:lvl6pPr marL="1737360" indent="-210312" algn="l" rtl="0" eaLnBrk="1" latinLnBrk="0" hangingPunct="1">
-              <a:spcBef>
-                <a:spcPct val="20000"/>
-              </a:spcBef>
-              <a:buClr>
-                <a:schemeClr val="accent5"/>
-              </a:buClr>
-              <a:buSzPct val="80000"/>
-              <a:buFont typeface="Wingdings 2"/>
-              <a:buChar char=""/>
-              <a:defRPr kumimoji="0" sz="1800" kern="1200">
-                <a:solidFill>
-                  <a:schemeClr val="tx1"/>
-                </a:solidFill>
-                <a:latin typeface="+mn-lt"/>
-                <a:ea typeface="+mn-ea"/>
-                <a:cs typeface="+mn-cs"/>
-              </a:defRPr>
-            </a:lvl6pPr>
-            <a:lvl7pPr marL="1920240" indent="-182880" algn="l" rtl="0" eaLnBrk="1" latinLnBrk="0" hangingPunct="1">
-              <a:spcBef>
-                <a:spcPct val="20000"/>
-              </a:spcBef>
-              <a:buClr>
-                <a:schemeClr val="accent6"/>
-              </a:buClr>
-              <a:buSzPct val="80000"/>
-              <a:buFont typeface="Wingdings 2"/>
-              <a:buChar char=""/>
-              <a:defRPr kumimoji="0" sz="1600" kern="1200" baseline="0">
-                <a:solidFill>
-                  <a:schemeClr val="tx1"/>
-                </a:solidFill>
-                <a:latin typeface="+mn-lt"/>
-                <a:ea typeface="+mn-ea"/>
-                <a:cs typeface="+mn-cs"/>
-              </a:defRPr>
-            </a:lvl7pPr>
-            <a:lvl8pPr marL="2194560" indent="-182880" algn="l" rtl="0" eaLnBrk="1" latinLnBrk="0" hangingPunct="1">
-              <a:spcBef>
-                <a:spcPct val="20000"/>
-              </a:spcBef>
-              <a:buClr>
-                <a:schemeClr val="tx2"/>
-              </a:buClr>
-              <a:buChar char="•"/>
-              <a:defRPr kumimoji="0" sz="1600" kern="1200">
-                <a:solidFill>
-                  <a:schemeClr val="tx1"/>
-                </a:solidFill>
-                <a:latin typeface="+mn-lt"/>
-                <a:ea typeface="+mn-ea"/>
-                <a:cs typeface="+mn-cs"/>
-              </a:defRPr>
-            </a:lvl8pPr>
-            <a:lvl9pPr marL="2468880" indent="-182880" algn="l" rtl="0" eaLnBrk="1" latinLnBrk="0" hangingPunct="1">
-              <a:spcBef>
-                <a:spcPct val="20000"/>
-              </a:spcBef>
-              <a:buClr>
-                <a:schemeClr val="tx2"/>
-              </a:buClr>
-              <a:buFontTx/>
-              <a:buChar char="•"/>
-              <a:defRPr kumimoji="0" sz="1400" kern="1200" baseline="0">
-                <a:solidFill>
-                  <a:schemeClr val="tx1"/>
-                </a:solidFill>
-                <a:latin typeface="+mn-lt"/>
-                <a:ea typeface="+mn-ea"/>
-                <a:cs typeface="+mn-cs"/>
-              </a:defRPr>
-            </a:lvl9pPr>
-          </a:lstStyle>
-          <a:p>
-            <a:pPr marL="0" indent="0"/>
-            <a:r>
-              <a:rPr lang="en-US" dirty="0" smtClean="0"/>
-              <a:t>Le </a:t>
-            </a:r>
-            <a:r>
-              <a:rPr lang="en-US" dirty="0" err="1" smtClean="0"/>
-              <a:t>funzionalità</a:t>
-            </a:r>
-            <a:r>
-              <a:rPr lang="en-US" dirty="0" smtClean="0"/>
-              <a:t> testate </a:t>
-            </a:r>
-            <a:r>
-              <a:rPr lang="en-US" dirty="0" err="1" smtClean="0"/>
-              <a:t>sono</a:t>
-            </a:r>
-            <a:r>
-              <a:rPr lang="en-US" dirty="0" smtClean="0"/>
-              <a:t> </a:t>
-            </a:r>
-            <a:r>
-              <a:rPr lang="en-US" dirty="0" err="1" smtClean="0"/>
-              <a:t>quelle</a:t>
-            </a:r>
-            <a:r>
-              <a:rPr lang="en-US" dirty="0" smtClean="0"/>
-              <a:t> indicate </a:t>
-            </a:r>
-            <a:r>
-              <a:rPr lang="en-US" dirty="0" err="1" smtClean="0"/>
-              <a:t>dal</a:t>
-            </a:r>
-            <a:r>
-              <a:rPr lang="en-US" dirty="0" smtClean="0"/>
-              <a:t> team </a:t>
-            </a:r>
-            <a:r>
-              <a:rPr lang="en-US" dirty="0" err="1" smtClean="0"/>
-              <a:t>di</a:t>
-            </a:r>
-            <a:r>
-              <a:rPr lang="en-US" dirty="0" smtClean="0"/>
-              <a:t> </a:t>
-            </a:r>
-            <a:r>
-              <a:rPr lang="en-US" dirty="0" err="1" smtClean="0"/>
-              <a:t>sviluppo</a:t>
-            </a:r>
-            <a:r>
-              <a:rPr lang="en-US" dirty="0" smtClean="0"/>
-              <a:t> </a:t>
-            </a:r>
-            <a:r>
-              <a:rPr lang="en-US" dirty="0" err="1" smtClean="0"/>
-              <a:t>nel</a:t>
-            </a:r>
-            <a:r>
-              <a:rPr lang="en-US" dirty="0" smtClean="0"/>
-              <a:t> Test Plan </a:t>
-            </a:r>
-            <a:r>
-              <a:rPr lang="en-US" dirty="0" err="1" smtClean="0"/>
-              <a:t>attraverso</a:t>
-            </a:r>
-            <a:r>
-              <a:rPr lang="en-US" dirty="0" smtClean="0"/>
-              <a:t> un </a:t>
-            </a:r>
-            <a:r>
-              <a:rPr lang="en-US" dirty="0" err="1" smtClean="0"/>
-              <a:t>approccio</a:t>
-            </a:r>
-            <a:r>
-              <a:rPr lang="en-US" dirty="0" smtClean="0"/>
-              <a:t> </a:t>
-            </a:r>
-            <a:r>
-              <a:rPr lang="en-US" dirty="0" err="1" smtClean="0"/>
-              <a:t>di</a:t>
-            </a:r>
-            <a:r>
-              <a:rPr lang="en-US" dirty="0" smtClean="0"/>
-              <a:t> </a:t>
-            </a:r>
-            <a:r>
-              <a:rPr lang="en-US" dirty="0" err="1" smtClean="0"/>
-              <a:t>tipo</a:t>
-            </a:r>
-            <a:r>
-              <a:rPr lang="en-US" dirty="0" smtClean="0"/>
-              <a:t> </a:t>
-            </a:r>
-            <a:r>
-              <a:rPr lang="en-US" dirty="0" smtClean="0">
-                <a:solidFill>
-                  <a:schemeClr val="accent5"/>
-                </a:solidFill>
-              </a:rPr>
-              <a:t>BLACK BOX</a:t>
-            </a:r>
-            <a:r>
-              <a:rPr lang="en-US" dirty="0" smtClean="0">
-                <a:solidFill>
-                  <a:schemeClr val="bg1"/>
-                </a:solidFill>
-              </a:rPr>
-              <a:t>.</a:t>
-            </a:r>
-            <a:endParaRPr lang="en-US" dirty="0">
-              <a:solidFill>
-                <a:schemeClr val="bg1"/>
-              </a:solidFill>
-            </a:endParaRPr>
-          </a:p>
-        </p:txBody>
-      </p:sp>
-    </p:spTree>
-    <p:extLst>
-      <p:ext uri="{BB962C8B-B14F-4D97-AF65-F5344CB8AC3E}">
-        <p14:creationId xmlns:p14="http://schemas.microsoft.com/office/powerpoint/2010/main" xmlns="" val="155874689"/>
-      </p:ext>
-    </p:extLst>
-  </p:cSld>
-  <p:clrMapOvr>
-    <a:masterClrMapping/>
-  </p:clrMapOvr>
-  <mc:AlternateContent xmlns:mc="http://schemas.openxmlformats.org/markup-compatibility/2006">
-    <mc:Choice xmlns:p14="http://schemas.microsoft.com/office/powerpoint/2010/main" xmlns="" Requires="p14">
-      <p:transition spd="slow" p14:dur="2000"/>
-    </mc:Choice>
-    <mc:Fallback>
+    <mc:Fallback xmlns="">
       <p:transition spd="slow"/>
     </mc:Fallback>
   </mc:AlternateContent>
@@ -20610,7 +20712,63 @@
       </p:grpSpPr>
       <p:sp>
         <p:nvSpPr>
-          <p:cNvPr id="3" name="Content Placeholder 3"/>
+          <p:cNvPr id="2" name="CasellaDiTesto 1"/>
+          <p:cNvSpPr txBox="1"/>
+          <p:nvPr/>
+        </p:nvSpPr>
+        <p:spPr>
+          <a:xfrm>
+            <a:off x="2728673" y="476672"/>
+            <a:ext cx="4001609" cy="1538883"/>
+          </a:xfrm>
+          <a:prstGeom prst="rect">
+            <a:avLst/>
+          </a:prstGeom>
+          <a:noFill/>
+        </p:spPr>
+        <p:txBody>
+          <a:bodyPr wrap="none" rtlCol="0">
+            <a:spAutoFit/>
+          </a:bodyPr>
+          <a:lstStyle/>
+          <a:p>
+            <a:pPr algn="ctr"/>
+            <a:r>
+              <a:rPr lang="it-IT" sz="4800" b="1" dirty="0" err="1" smtClean="0">
+                <a:latin typeface="+mj-lt"/>
+              </a:rPr>
+              <a:t>Testing</a:t>
+            </a:r>
+            <a:endParaRPr lang="it-IT" sz="4800" b="1" dirty="0" smtClean="0">
+              <a:latin typeface="+mj-lt"/>
+            </a:endParaRPr>
+          </a:p>
+          <a:p>
+            <a:pPr algn="ctr"/>
+            <a:r>
+              <a:rPr lang="it-IT" sz="2800" b="1" dirty="0" err="1" smtClean="0">
+                <a:latin typeface="+mj-lt"/>
+              </a:rPr>
+              <a:t>Testing</a:t>
+            </a:r>
+            <a:r>
+              <a:rPr lang="it-IT" sz="2800" b="1" dirty="0" smtClean="0">
+                <a:latin typeface="+mj-lt"/>
+              </a:rPr>
+              <a:t> effettuato su KIDS</a:t>
+            </a:r>
+          </a:p>
+          <a:p>
+            <a:pPr algn="ctr"/>
+            <a:endParaRPr lang="it-IT" dirty="0">
+              <a:latin typeface="+mj-lt"/>
+            </a:endParaRPr>
+          </a:p>
+        </p:txBody>
+      </p:sp>
+      <p:sp>
+        <p:nvSpPr>
+          <p:cNvPr id="10" name="Content Placeholder 3"/>
           <p:cNvSpPr txBox="1">
             <a:spLocks/>
           </p:cNvSpPr>
@@ -20618,8 +20776,8 @@
         </p:nvSpPr>
         <p:spPr>
           <a:xfrm>
-            <a:off x="467544" y="1412776"/>
-            <a:ext cx="8424936" cy="2448272"/>
+            <a:off x="323528" y="1988840"/>
+            <a:ext cx="8424936" cy="1296144"/>
           </a:xfrm>
           <a:prstGeom prst="rect">
             <a:avLst/>
@@ -20788,121 +20946,432 @@
             </a:lvl9pPr>
           </a:lstStyle>
           <a:p>
-            <a:pPr marL="0" indent="0"/>
-            <a:r>
-              <a:rPr lang="it-IT" dirty="0" smtClean="0"/>
-              <a:t> Visto il poco tempo a disposizione, ed essendo forniti soltanto di una versione imparziale del sistema, non è stato possibile individuare test case basandosi esclusivamente sul </a:t>
-            </a:r>
-            <a:r>
-              <a:rPr lang="it-IT" dirty="0" err="1" smtClean="0"/>
-              <a:t>Weak</a:t>
-            </a:r>
-            <a:r>
-              <a:rPr lang="it-IT" dirty="0" smtClean="0"/>
-              <a:t> </a:t>
-            </a:r>
-            <a:r>
-              <a:rPr lang="it-IT" dirty="0" err="1" smtClean="0"/>
-              <a:t>Equivalance</a:t>
-            </a:r>
-            <a:r>
-              <a:rPr lang="it-IT" dirty="0" smtClean="0"/>
-              <a:t> </a:t>
-            </a:r>
-            <a:r>
-              <a:rPr lang="it-IT" dirty="0" err="1" smtClean="0"/>
-              <a:t>Class</a:t>
-            </a:r>
-            <a:r>
-              <a:rPr lang="it-IT" dirty="0" smtClean="0"/>
-              <a:t> </a:t>
-            </a:r>
-            <a:r>
-              <a:rPr lang="it-IT" dirty="0" err="1" smtClean="0"/>
-              <a:t>Testing</a:t>
-            </a:r>
-            <a:r>
-              <a:rPr lang="it-IT" dirty="0" smtClean="0"/>
-              <a:t> con </a:t>
-            </a:r>
-            <a:r>
-              <a:rPr lang="it-IT" dirty="0" err="1" smtClean="0"/>
-              <a:t>Boundary</a:t>
-            </a:r>
-            <a:r>
-              <a:rPr lang="it-IT" dirty="0" smtClean="0"/>
-              <a:t> </a:t>
-            </a:r>
-            <a:r>
-              <a:rPr lang="it-IT" dirty="0" err="1" smtClean="0"/>
-              <a:t>condition</a:t>
-            </a:r>
-            <a:r>
-              <a:rPr lang="it-IT" dirty="0" smtClean="0"/>
-              <a:t>, come previsto dal Test </a:t>
-            </a:r>
-            <a:r>
-              <a:rPr lang="it-IT" dirty="0" err="1" smtClean="0"/>
-              <a:t>Plan</a:t>
-            </a:r>
-            <a:r>
-              <a:rPr lang="it-IT" dirty="0" smtClean="0"/>
-              <a:t>.</a:t>
-            </a:r>
-          </a:p>
-          <a:p>
             <a:pPr marL="0" indent="0">
               <a:buNone/>
             </a:pPr>
-            <a:endParaRPr lang="it-IT" dirty="0" smtClean="0"/>
-          </a:p>
+            <a:r>
+              <a:rPr lang="en-US" b="1" dirty="0" err="1" smtClean="0"/>
+              <a:t>Obiettivo</a:t>
+            </a:r>
+            <a:r>
+              <a:rPr lang="en-US" dirty="0" smtClean="0"/>
+              <a:t>: </a:t>
+            </a:r>
+            <a:r>
+              <a:rPr lang="en-US" dirty="0" err="1" smtClean="0"/>
+              <a:t>verificare</a:t>
+            </a:r>
+            <a:r>
+              <a:rPr lang="en-US" dirty="0" smtClean="0"/>
+              <a:t> </a:t>
+            </a:r>
+            <a:r>
+              <a:rPr lang="en-US" dirty="0" err="1" smtClean="0"/>
+              <a:t>l’affidabilità</a:t>
+            </a:r>
+            <a:r>
+              <a:rPr lang="en-US" dirty="0" smtClean="0"/>
+              <a:t> del </a:t>
+            </a:r>
+            <a:r>
+              <a:rPr lang="en-US" dirty="0" err="1" smtClean="0"/>
+              <a:t>sistema</a:t>
+            </a:r>
+            <a:r>
+              <a:rPr lang="en-US" dirty="0" smtClean="0"/>
+              <a:t> Kids, </a:t>
+            </a:r>
+            <a:r>
+              <a:rPr lang="en-US" dirty="0" err="1" smtClean="0"/>
+              <a:t>cioè</a:t>
+            </a:r>
+            <a:r>
+              <a:rPr lang="en-US" dirty="0" smtClean="0"/>
+              <a:t> la </a:t>
+            </a:r>
+            <a:r>
+              <a:rPr lang="en-US" dirty="0" err="1" smtClean="0"/>
+              <a:t>sua</a:t>
+            </a:r>
+            <a:r>
+              <a:rPr lang="en-US" dirty="0" smtClean="0"/>
+              <a:t> </a:t>
+            </a:r>
+            <a:r>
+              <a:rPr lang="en-US" dirty="0" err="1" smtClean="0"/>
+              <a:t>corretta</a:t>
+            </a:r>
+            <a:r>
+              <a:rPr lang="en-US" dirty="0" smtClean="0"/>
+              <a:t> </a:t>
+            </a:r>
+            <a:r>
+              <a:rPr lang="en-US" dirty="0" err="1" smtClean="0"/>
+              <a:t>funzionalità</a:t>
+            </a:r>
+            <a:r>
+              <a:rPr lang="en-US" dirty="0" smtClean="0"/>
+              <a:t> </a:t>
+            </a:r>
+            <a:r>
+              <a:rPr lang="en-US" dirty="0" err="1" smtClean="0"/>
+              <a:t>nella</a:t>
+            </a:r>
+            <a:r>
+              <a:rPr lang="en-US" dirty="0" smtClean="0"/>
+              <a:t> </a:t>
+            </a:r>
+            <a:r>
+              <a:rPr lang="en-US" dirty="0" err="1" smtClean="0"/>
+              <a:t>gestione</a:t>
+            </a:r>
+            <a:r>
+              <a:rPr lang="en-US" dirty="0" smtClean="0"/>
+              <a:t> </a:t>
+            </a:r>
+            <a:r>
+              <a:rPr lang="en-US" dirty="0" err="1" smtClean="0"/>
+              <a:t>degli</a:t>
+            </a:r>
+            <a:r>
+              <a:rPr lang="en-US" dirty="0" smtClean="0"/>
+              <a:t> input (</a:t>
+            </a:r>
+            <a:r>
+              <a:rPr lang="en-US" dirty="0" err="1" smtClean="0"/>
+              <a:t>validi</a:t>
+            </a:r>
+            <a:r>
+              <a:rPr lang="en-US" dirty="0" smtClean="0"/>
+              <a:t> e non </a:t>
+            </a:r>
+            <a:r>
+              <a:rPr lang="en-US" dirty="0" err="1" smtClean="0"/>
+              <a:t>validi</a:t>
+            </a:r>
+            <a:r>
+              <a:rPr lang="en-US" dirty="0" smtClean="0"/>
+              <a:t>)</a:t>
+            </a:r>
+            <a:endParaRPr lang="en-US" dirty="0"/>
+          </a:p>
+        </p:txBody>
+      </p:sp>
+      <p:sp>
+        <p:nvSpPr>
+          <p:cNvPr id="6" name="Content Placeholder 3"/>
+          <p:cNvSpPr txBox="1">
+            <a:spLocks/>
+          </p:cNvSpPr>
+          <p:nvPr/>
+        </p:nvSpPr>
+        <p:spPr>
+          <a:xfrm>
+            <a:off x="395536" y="4077072"/>
+            <a:ext cx="8424936" cy="1296144"/>
+          </a:xfrm>
+          <a:prstGeom prst="rect">
+            <a:avLst/>
+          </a:prstGeom>
+        </p:spPr>
+        <p:txBody>
+          <a:bodyPr tIns="0"/>
+          <a:lstStyle>
+            <a:lvl1pPr marL="274320" indent="-274320" algn="l" rtl="0" eaLnBrk="1" latinLnBrk="0" hangingPunct="1">
+              <a:spcBef>
+                <a:spcPct val="20000"/>
+              </a:spcBef>
+              <a:buClrTx/>
+              <a:buSzPct val="95000"/>
+              <a:buFont typeface="Wingdings" pitchFamily="2" charset="2"/>
+              <a:buChar char="v"/>
+              <a:defRPr kumimoji="0" sz="2800" kern="1200">
+                <a:solidFill>
+                  <a:schemeClr val="tx1"/>
+                </a:solidFill>
+                <a:latin typeface="+mn-lt"/>
+                <a:ea typeface="+mn-ea"/>
+                <a:cs typeface="+mn-cs"/>
+              </a:defRPr>
+            </a:lvl1pPr>
+            <a:lvl2pPr marL="640080" indent="-246888" algn="l" rtl="0" eaLnBrk="1" latinLnBrk="0" hangingPunct="1">
+              <a:spcBef>
+                <a:spcPct val="20000"/>
+              </a:spcBef>
+              <a:buClrTx/>
+              <a:buSzPct val="85000"/>
+              <a:buFont typeface="Courier New" pitchFamily="49" charset="0"/>
+              <a:buChar char="o"/>
+              <a:defRPr kumimoji="0" sz="2600" kern="1200">
+                <a:solidFill>
+                  <a:schemeClr val="tx1"/>
+                </a:solidFill>
+                <a:latin typeface="+mn-lt"/>
+                <a:ea typeface="+mn-ea"/>
+                <a:cs typeface="+mn-cs"/>
+              </a:defRPr>
+            </a:lvl2pPr>
+            <a:lvl3pPr marL="914400" indent="-246888" algn="l" rtl="0" eaLnBrk="1" latinLnBrk="0" hangingPunct="1">
+              <a:spcBef>
+                <a:spcPct val="20000"/>
+              </a:spcBef>
+              <a:buClrTx/>
+              <a:buSzPct val="70000"/>
+              <a:buFont typeface="Wingdings 2"/>
+              <a:buChar char=""/>
+              <a:defRPr kumimoji="0" sz="2400" kern="1200">
+                <a:solidFill>
+                  <a:schemeClr val="tx1"/>
+                </a:solidFill>
+                <a:latin typeface="+mn-lt"/>
+                <a:ea typeface="+mn-ea"/>
+                <a:cs typeface="+mn-cs"/>
+              </a:defRPr>
+            </a:lvl3pPr>
+            <a:lvl4pPr marL="1188720" indent="-210312" algn="l" rtl="0" eaLnBrk="1" latinLnBrk="0" hangingPunct="1">
+              <a:spcBef>
+                <a:spcPct val="20000"/>
+              </a:spcBef>
+              <a:buClrTx/>
+              <a:buSzPct val="65000"/>
+              <a:buFont typeface="Wingdings 2"/>
+              <a:buChar char=""/>
+              <a:defRPr kumimoji="0" sz="2000" kern="1200">
+                <a:solidFill>
+                  <a:schemeClr val="tx1"/>
+                </a:solidFill>
+                <a:latin typeface="+mn-lt"/>
+                <a:ea typeface="+mn-ea"/>
+                <a:cs typeface="+mn-cs"/>
+              </a:defRPr>
+            </a:lvl4pPr>
+            <a:lvl5pPr marL="1463040" indent="-210312" algn="l" rtl="0" eaLnBrk="1" latinLnBrk="0" hangingPunct="1">
+              <a:spcBef>
+                <a:spcPct val="20000"/>
+              </a:spcBef>
+              <a:buClrTx/>
+              <a:buSzPct val="65000"/>
+              <a:buFont typeface="Wingdings 2"/>
+              <a:buChar char=""/>
+              <a:defRPr kumimoji="0" sz="1800" kern="1200">
+                <a:solidFill>
+                  <a:schemeClr val="tx1"/>
+                </a:solidFill>
+                <a:latin typeface="+mn-lt"/>
+                <a:ea typeface="+mn-ea"/>
+                <a:cs typeface="+mn-cs"/>
+              </a:defRPr>
+            </a:lvl5pPr>
+            <a:lvl6pPr marL="1737360" indent="-210312" algn="l" rtl="0" eaLnBrk="1" latinLnBrk="0" hangingPunct="1">
+              <a:spcBef>
+                <a:spcPct val="20000"/>
+              </a:spcBef>
+              <a:buClr>
+                <a:schemeClr val="accent5"/>
+              </a:buClr>
+              <a:buSzPct val="80000"/>
+              <a:buFont typeface="Wingdings 2"/>
+              <a:buChar char=""/>
+              <a:defRPr kumimoji="0" sz="1800" kern="1200">
+                <a:solidFill>
+                  <a:schemeClr val="tx1"/>
+                </a:solidFill>
+                <a:latin typeface="+mn-lt"/>
+                <a:ea typeface="+mn-ea"/>
+                <a:cs typeface="+mn-cs"/>
+              </a:defRPr>
+            </a:lvl6pPr>
+            <a:lvl7pPr marL="1920240" indent="-182880" algn="l" rtl="0" eaLnBrk="1" latinLnBrk="0" hangingPunct="1">
+              <a:spcBef>
+                <a:spcPct val="20000"/>
+              </a:spcBef>
+              <a:buClr>
+                <a:schemeClr val="accent6"/>
+              </a:buClr>
+              <a:buSzPct val="80000"/>
+              <a:buFont typeface="Wingdings 2"/>
+              <a:buChar char=""/>
+              <a:defRPr kumimoji="0" sz="1600" kern="1200" baseline="0">
+                <a:solidFill>
+                  <a:schemeClr val="tx1"/>
+                </a:solidFill>
+                <a:latin typeface="+mn-lt"/>
+                <a:ea typeface="+mn-ea"/>
+                <a:cs typeface="+mn-cs"/>
+              </a:defRPr>
+            </a:lvl7pPr>
+            <a:lvl8pPr marL="2194560" indent="-182880" algn="l" rtl="0" eaLnBrk="1" latinLnBrk="0" hangingPunct="1">
+              <a:spcBef>
+                <a:spcPct val="20000"/>
+              </a:spcBef>
+              <a:buClr>
+                <a:schemeClr val="tx2"/>
+              </a:buClr>
+              <a:buChar char="•"/>
+              <a:defRPr kumimoji="0" sz="1600" kern="1200">
+                <a:solidFill>
+                  <a:schemeClr val="tx1"/>
+                </a:solidFill>
+                <a:latin typeface="+mn-lt"/>
+                <a:ea typeface="+mn-ea"/>
+                <a:cs typeface="+mn-cs"/>
+              </a:defRPr>
+            </a:lvl8pPr>
+            <a:lvl9pPr marL="2468880" indent="-182880" algn="l" rtl="0" eaLnBrk="1" latinLnBrk="0" hangingPunct="1">
+              <a:spcBef>
+                <a:spcPct val="20000"/>
+              </a:spcBef>
+              <a:buClr>
+                <a:schemeClr val="tx2"/>
+              </a:buClr>
+              <a:buFontTx/>
+              <a:buChar char="•"/>
+              <a:defRPr kumimoji="0" sz="1400" kern="1200" baseline="0">
+                <a:solidFill>
+                  <a:schemeClr val="tx1"/>
+                </a:solidFill>
+                <a:latin typeface="+mn-lt"/>
+                <a:ea typeface="+mn-ea"/>
+                <a:cs typeface="+mn-cs"/>
+              </a:defRPr>
+            </a:lvl9pPr>
+          </a:lstStyle>
           <a:p>
             <a:pPr marL="0" indent="0"/>
             <a:r>
-              <a:rPr lang="it-IT" dirty="0" smtClean="0"/>
-              <a:t>Per ogni </a:t>
-            </a:r>
-            <a:r>
-              <a:rPr lang="it-IT" dirty="0" err="1" smtClean="0"/>
-              <a:t>use</a:t>
-            </a:r>
-            <a:r>
-              <a:rPr lang="it-IT" dirty="0" smtClean="0"/>
-              <a:t> case ad alta priorità sono stati realizzati diversi test </a:t>
-            </a:r>
-            <a:r>
-              <a:rPr lang="it-IT" dirty="0" err="1" smtClean="0"/>
-              <a:t>cases</a:t>
-            </a:r>
-            <a:r>
-              <a:rPr lang="it-IT" dirty="0" smtClean="0"/>
-              <a:t>, basandosi su un </a:t>
-            </a:r>
-            <a:r>
-              <a:rPr lang="it-IT" dirty="0" err="1" smtClean="0"/>
-              <a:t>Boundary</a:t>
-            </a:r>
-            <a:r>
-              <a:rPr lang="it-IT" dirty="0" smtClean="0"/>
+              <a:rPr lang="en-US" dirty="0" smtClean="0"/>
+              <a:t>Le </a:t>
+            </a:r>
+            <a:r>
+              <a:rPr lang="en-US" dirty="0" err="1" smtClean="0"/>
+              <a:t>funzionalità</a:t>
+            </a:r>
+            <a:r>
+              <a:rPr lang="en-US" dirty="0" smtClean="0"/>
+              <a:t> testate </a:t>
+            </a:r>
+            <a:r>
+              <a:rPr lang="en-US" dirty="0" err="1" smtClean="0"/>
+              <a:t>sono</a:t>
+            </a:r>
+            <a:r>
+              <a:rPr lang="en-US" dirty="0" smtClean="0"/>
               <a:t> </a:t>
             </a:r>
             <a:r>
-              <a:rPr lang="it-IT" dirty="0" err="1" smtClean="0"/>
-              <a:t>Testing</a:t>
-            </a:r>
-            <a:r>
-              <a:rPr lang="it-IT" dirty="0" smtClean="0"/>
-              <a:t> per individuare input errati.</a:t>
-            </a:r>
-            <a:endParaRPr lang="it-IT" dirty="0"/>
+              <a:rPr lang="en-US" dirty="0" err="1" smtClean="0"/>
+              <a:t>quelle</a:t>
+            </a:r>
+            <a:r>
+              <a:rPr lang="en-US" dirty="0" smtClean="0"/>
+              <a:t> indicate </a:t>
+            </a:r>
+            <a:r>
+              <a:rPr lang="en-US" dirty="0" err="1" smtClean="0"/>
+              <a:t>dal</a:t>
+            </a:r>
+            <a:r>
+              <a:rPr lang="en-US" dirty="0" smtClean="0"/>
+              <a:t> team </a:t>
+            </a:r>
+            <a:r>
+              <a:rPr lang="en-US" dirty="0" err="1" smtClean="0"/>
+              <a:t>di</a:t>
+            </a:r>
+            <a:r>
+              <a:rPr lang="en-US" dirty="0" smtClean="0"/>
+              <a:t> </a:t>
+            </a:r>
+            <a:r>
+              <a:rPr lang="en-US" dirty="0" err="1" smtClean="0"/>
+              <a:t>sviluppo</a:t>
+            </a:r>
+            <a:r>
+              <a:rPr lang="en-US" dirty="0" smtClean="0"/>
+              <a:t> </a:t>
+            </a:r>
+            <a:r>
+              <a:rPr lang="en-US" dirty="0" err="1" smtClean="0"/>
+              <a:t>nel</a:t>
+            </a:r>
+            <a:r>
+              <a:rPr lang="en-US" dirty="0" smtClean="0"/>
+              <a:t> Test Plan </a:t>
+            </a:r>
+            <a:r>
+              <a:rPr lang="en-US" dirty="0" err="1" smtClean="0"/>
+              <a:t>attraverso</a:t>
+            </a:r>
+            <a:r>
+              <a:rPr lang="en-US" dirty="0" smtClean="0"/>
+              <a:t> un </a:t>
+            </a:r>
+            <a:r>
+              <a:rPr lang="en-US" dirty="0" err="1" smtClean="0"/>
+              <a:t>approccio</a:t>
+            </a:r>
+            <a:r>
+              <a:rPr lang="en-US" dirty="0" smtClean="0"/>
+              <a:t> </a:t>
+            </a:r>
+            <a:r>
+              <a:rPr lang="en-US" dirty="0" err="1" smtClean="0"/>
+              <a:t>di</a:t>
+            </a:r>
+            <a:r>
+              <a:rPr lang="en-US" dirty="0" smtClean="0"/>
+              <a:t> </a:t>
+            </a:r>
+            <a:r>
+              <a:rPr lang="en-US" dirty="0" err="1" smtClean="0"/>
+              <a:t>tipo</a:t>
+            </a:r>
+            <a:r>
+              <a:rPr lang="en-US" dirty="0" smtClean="0"/>
+              <a:t> </a:t>
+            </a:r>
+            <a:r>
+              <a:rPr lang="en-US" dirty="0" smtClean="0">
+                <a:solidFill>
+                  <a:schemeClr val="accent5"/>
+                </a:solidFill>
+              </a:rPr>
+              <a:t>BLACK BOX</a:t>
+            </a:r>
+            <a:r>
+              <a:rPr lang="en-US" dirty="0" smtClean="0">
+                <a:solidFill>
+                  <a:schemeClr val="bg1"/>
+                </a:solidFill>
+              </a:rPr>
+              <a:t>.</a:t>
+            </a:r>
+            <a:endParaRPr lang="en-US" dirty="0">
+              <a:solidFill>
+                <a:schemeClr val="bg1"/>
+              </a:solidFill>
+            </a:endParaRPr>
           </a:p>
         </p:txBody>
       </p:sp>
     </p:spTree>
+    <p:extLst>
+      <p:ext uri="{BB962C8B-B14F-4D97-AF65-F5344CB8AC3E}">
+        <p14:creationId xmlns:p14="http://schemas.microsoft.com/office/powerpoint/2010/main" val="155874689"/>
+      </p:ext>
+    </p:extLst>
   </p:cSld>
   <p:clrMapOvr>
     <a:masterClrMapping/>
   </p:clrMapOvr>
+  <mc:AlternateContent xmlns:mc="http://schemas.openxmlformats.org/markup-compatibility/2006" xmlns:p14="http://schemas.microsoft.com/office/powerpoint/2010/main">
+    <mc:Choice Requires="p14">
+      <p:transition spd="slow" p14:dur="2000"/>
+    </mc:Choice>
+    <mc:Fallback xmlns="">
+      <p:transition spd="slow"/>
+    </mc:Fallback>
+  </mc:AlternateContent>
   <p:timing>
     <p:tnLst>
       <p:par>
@@ -20932,30 +21401,291 @@
       </p:grpSpPr>
       <p:sp>
         <p:nvSpPr>
-          <p:cNvPr id="3" name="Rettangolo 2"/>
-          <p:cNvSpPr/>
+          <p:cNvPr id="3" name="Content Placeholder 3"/>
+          <p:cNvSpPr txBox="1">
+            <a:spLocks/>
+          </p:cNvSpPr>
           <p:nvPr/>
         </p:nvSpPr>
         <p:spPr>
           <a:xfrm>
-            <a:off x="539552" y="908720"/>
-            <a:ext cx="6428226" cy="523220"/>
+            <a:off x="467544" y="1412776"/>
+            <a:ext cx="8424936" cy="2448272"/>
           </a:xfrm>
           <a:prstGeom prst="rect">
             <a:avLst/>
           </a:prstGeom>
         </p:spPr>
         <p:txBody>
-          <a:bodyPr wrap="square">
-            <a:spAutoFit/>
-          </a:bodyPr>
-          <a:lstStyle/>
-          <a:p>
-            <a:pPr algn="ctr"/>
-            <a:r>
-              <a:rPr lang="it-IT" sz="2800" b="1" dirty="0" smtClean="0"/>
-              <a:t>Esempio di Test Case</a:t>
-            </a:r>
+          <a:bodyPr tIns="0"/>
+          <a:lstStyle>
+            <a:lvl1pPr marL="274320" indent="-274320" algn="l" rtl="0" eaLnBrk="1" latinLnBrk="0" hangingPunct="1">
+              <a:spcBef>
+                <a:spcPct val="20000"/>
+              </a:spcBef>
+              <a:buClrTx/>
+              <a:buSzPct val="95000"/>
+              <a:buFont typeface="Wingdings" pitchFamily="2" charset="2"/>
+              <a:buChar char="v"/>
+              <a:defRPr kumimoji="0" sz="2800" kern="1200">
+                <a:solidFill>
+                  <a:schemeClr val="tx1"/>
+                </a:solidFill>
+                <a:latin typeface="+mn-lt"/>
+                <a:ea typeface="+mn-ea"/>
+                <a:cs typeface="+mn-cs"/>
+              </a:defRPr>
+            </a:lvl1pPr>
+            <a:lvl2pPr marL="640080" indent="-246888" algn="l" rtl="0" eaLnBrk="1" latinLnBrk="0" hangingPunct="1">
+              <a:spcBef>
+                <a:spcPct val="20000"/>
+              </a:spcBef>
+              <a:buClrTx/>
+              <a:buSzPct val="85000"/>
+              <a:buFont typeface="Courier New" pitchFamily="49" charset="0"/>
+              <a:buChar char="o"/>
+              <a:defRPr kumimoji="0" sz="2600" kern="1200">
+                <a:solidFill>
+                  <a:schemeClr val="tx1"/>
+                </a:solidFill>
+                <a:latin typeface="+mn-lt"/>
+                <a:ea typeface="+mn-ea"/>
+                <a:cs typeface="+mn-cs"/>
+              </a:defRPr>
+            </a:lvl2pPr>
+            <a:lvl3pPr marL="914400" indent="-246888" algn="l" rtl="0" eaLnBrk="1" latinLnBrk="0" hangingPunct="1">
+              <a:spcBef>
+                <a:spcPct val="20000"/>
+              </a:spcBef>
+              <a:buClrTx/>
+              <a:buSzPct val="70000"/>
+              <a:buFont typeface="Wingdings 2"/>
+              <a:buChar char=""/>
+              <a:defRPr kumimoji="0" sz="2400" kern="1200">
+                <a:solidFill>
+                  <a:schemeClr val="tx1"/>
+                </a:solidFill>
+                <a:latin typeface="+mn-lt"/>
+                <a:ea typeface="+mn-ea"/>
+                <a:cs typeface="+mn-cs"/>
+              </a:defRPr>
+            </a:lvl3pPr>
+            <a:lvl4pPr marL="1188720" indent="-210312" algn="l" rtl="0" eaLnBrk="1" latinLnBrk="0" hangingPunct="1">
+              <a:spcBef>
+                <a:spcPct val="20000"/>
+              </a:spcBef>
+              <a:buClrTx/>
+              <a:buSzPct val="65000"/>
+              <a:buFont typeface="Wingdings 2"/>
+              <a:buChar char=""/>
+              <a:defRPr kumimoji="0" sz="2000" kern="1200">
+                <a:solidFill>
+                  <a:schemeClr val="tx1"/>
+                </a:solidFill>
+                <a:latin typeface="+mn-lt"/>
+                <a:ea typeface="+mn-ea"/>
+                <a:cs typeface="+mn-cs"/>
+              </a:defRPr>
+            </a:lvl4pPr>
+            <a:lvl5pPr marL="1463040" indent="-210312" algn="l" rtl="0" eaLnBrk="1" latinLnBrk="0" hangingPunct="1">
+              <a:spcBef>
+                <a:spcPct val="20000"/>
+              </a:spcBef>
+              <a:buClrTx/>
+              <a:buSzPct val="65000"/>
+              <a:buFont typeface="Wingdings 2"/>
+              <a:buChar char=""/>
+              <a:defRPr kumimoji="0" sz="1800" kern="1200">
+                <a:solidFill>
+                  <a:schemeClr val="tx1"/>
+                </a:solidFill>
+                <a:latin typeface="+mn-lt"/>
+                <a:ea typeface="+mn-ea"/>
+                <a:cs typeface="+mn-cs"/>
+              </a:defRPr>
+            </a:lvl5pPr>
+            <a:lvl6pPr marL="1737360" indent="-210312" algn="l" rtl="0" eaLnBrk="1" latinLnBrk="0" hangingPunct="1">
+              <a:spcBef>
+                <a:spcPct val="20000"/>
+              </a:spcBef>
+              <a:buClr>
+                <a:schemeClr val="accent5"/>
+              </a:buClr>
+              <a:buSzPct val="80000"/>
+              <a:buFont typeface="Wingdings 2"/>
+              <a:buChar char=""/>
+              <a:defRPr kumimoji="0" sz="1800" kern="1200">
+                <a:solidFill>
+                  <a:schemeClr val="tx1"/>
+                </a:solidFill>
+                <a:latin typeface="+mn-lt"/>
+                <a:ea typeface="+mn-ea"/>
+                <a:cs typeface="+mn-cs"/>
+              </a:defRPr>
+            </a:lvl6pPr>
+            <a:lvl7pPr marL="1920240" indent="-182880" algn="l" rtl="0" eaLnBrk="1" latinLnBrk="0" hangingPunct="1">
+              <a:spcBef>
+                <a:spcPct val="20000"/>
+              </a:spcBef>
+              <a:buClr>
+                <a:schemeClr val="accent6"/>
+              </a:buClr>
+              <a:buSzPct val="80000"/>
+              <a:buFont typeface="Wingdings 2"/>
+              <a:buChar char=""/>
+              <a:defRPr kumimoji="0" sz="1600" kern="1200" baseline="0">
+                <a:solidFill>
+                  <a:schemeClr val="tx1"/>
+                </a:solidFill>
+                <a:latin typeface="+mn-lt"/>
+                <a:ea typeface="+mn-ea"/>
+                <a:cs typeface="+mn-cs"/>
+              </a:defRPr>
+            </a:lvl7pPr>
+            <a:lvl8pPr marL="2194560" indent="-182880" algn="l" rtl="0" eaLnBrk="1" latinLnBrk="0" hangingPunct="1">
+              <a:spcBef>
+                <a:spcPct val="20000"/>
+              </a:spcBef>
+              <a:buClr>
+                <a:schemeClr val="tx2"/>
+              </a:buClr>
+              <a:buChar char="•"/>
+              <a:defRPr kumimoji="0" sz="1600" kern="1200">
+                <a:solidFill>
+                  <a:schemeClr val="tx1"/>
+                </a:solidFill>
+                <a:latin typeface="+mn-lt"/>
+                <a:ea typeface="+mn-ea"/>
+                <a:cs typeface="+mn-cs"/>
+              </a:defRPr>
+            </a:lvl8pPr>
+            <a:lvl9pPr marL="2468880" indent="-182880" algn="l" rtl="0" eaLnBrk="1" latinLnBrk="0" hangingPunct="1">
+              <a:spcBef>
+                <a:spcPct val="20000"/>
+              </a:spcBef>
+              <a:buClr>
+                <a:schemeClr val="tx2"/>
+              </a:buClr>
+              <a:buFontTx/>
+              <a:buChar char="•"/>
+              <a:defRPr kumimoji="0" sz="1400" kern="1200" baseline="0">
+                <a:solidFill>
+                  <a:schemeClr val="tx1"/>
+                </a:solidFill>
+                <a:latin typeface="+mn-lt"/>
+                <a:ea typeface="+mn-ea"/>
+                <a:cs typeface="+mn-cs"/>
+              </a:defRPr>
+            </a:lvl9pPr>
+          </a:lstStyle>
+          <a:p>
+            <a:pPr marL="0" indent="0"/>
+            <a:r>
+              <a:rPr lang="it-IT" dirty="0" smtClean="0"/>
+              <a:t> Visto il poco tempo a disposizione, ed essendo forniti soltanto di una versione imparziale del sistema, non è stato possibile individuare test case basandosi esclusivamente sul </a:t>
+            </a:r>
+            <a:r>
+              <a:rPr lang="it-IT" dirty="0" err="1" smtClean="0"/>
+              <a:t>Weak</a:t>
+            </a:r>
+            <a:r>
+              <a:rPr lang="it-IT" dirty="0" smtClean="0"/>
+              <a:t> </a:t>
+            </a:r>
+            <a:r>
+              <a:rPr lang="it-IT" dirty="0" err="1" smtClean="0"/>
+              <a:t>Equivalance</a:t>
+            </a:r>
+            <a:r>
+              <a:rPr lang="it-IT" dirty="0" smtClean="0"/>
+              <a:t> </a:t>
+            </a:r>
+            <a:r>
+              <a:rPr lang="it-IT" dirty="0" err="1" smtClean="0"/>
+              <a:t>Class</a:t>
+            </a:r>
+            <a:r>
+              <a:rPr lang="it-IT" dirty="0" smtClean="0"/>
+              <a:t> </a:t>
+            </a:r>
+            <a:r>
+              <a:rPr lang="it-IT" dirty="0" err="1" smtClean="0"/>
+              <a:t>Testing</a:t>
+            </a:r>
+            <a:r>
+              <a:rPr lang="it-IT" dirty="0" smtClean="0"/>
+              <a:t> con </a:t>
+            </a:r>
+            <a:r>
+              <a:rPr lang="it-IT" dirty="0" err="1" smtClean="0"/>
+              <a:t>Boundary</a:t>
+            </a:r>
+            <a:r>
+              <a:rPr lang="it-IT" dirty="0" smtClean="0"/>
+              <a:t> </a:t>
+            </a:r>
+            <a:r>
+              <a:rPr lang="it-IT" dirty="0" err="1" smtClean="0"/>
+              <a:t>condition</a:t>
+            </a:r>
+            <a:r>
+              <a:rPr lang="it-IT" dirty="0" smtClean="0"/>
+              <a:t>, come previsto dal Test </a:t>
+            </a:r>
+            <a:r>
+              <a:rPr lang="it-IT" dirty="0" err="1" smtClean="0"/>
+              <a:t>Plan</a:t>
+            </a:r>
+            <a:r>
+              <a:rPr lang="it-IT" dirty="0" smtClean="0"/>
+              <a:t>.</a:t>
+            </a:r>
+          </a:p>
+          <a:p>
+            <a:pPr marL="0" indent="0">
+              <a:buNone/>
+            </a:pPr>
+            <a:endParaRPr lang="it-IT" dirty="0" smtClean="0"/>
+          </a:p>
+          <a:p>
+            <a:pPr marL="0" indent="0"/>
+            <a:r>
+              <a:rPr lang="it-IT" dirty="0" smtClean="0"/>
+              <a:t>Per ogni </a:t>
+            </a:r>
+            <a:r>
+              <a:rPr lang="it-IT" dirty="0" err="1" smtClean="0"/>
+              <a:t>use</a:t>
+            </a:r>
+            <a:r>
+              <a:rPr lang="it-IT" dirty="0" smtClean="0"/>
+              <a:t> case ad alta priorità sono stati realizzati diversi test </a:t>
+            </a:r>
+            <a:r>
+              <a:rPr lang="it-IT" dirty="0" err="1" smtClean="0"/>
+              <a:t>cases</a:t>
+            </a:r>
+            <a:r>
+              <a:rPr lang="it-IT" dirty="0" smtClean="0"/>
+              <a:t>, basandosi su un </a:t>
+            </a:r>
+            <a:r>
+              <a:rPr lang="it-IT" dirty="0" err="1" smtClean="0"/>
+              <a:t>Boundary</a:t>
+            </a:r>
+            <a:r>
+              <a:rPr lang="it-IT" dirty="0" smtClean="0"/>
+              <a:t> </a:t>
+            </a:r>
+            <a:r>
+              <a:rPr lang="it-IT" dirty="0" err="1" smtClean="0"/>
+              <a:t>Testing</a:t>
+            </a:r>
+            <a:r>
+              <a:rPr lang="it-IT" dirty="0" smtClean="0"/>
+              <a:t> per individuare input errati.</a:t>
+            </a:r>
+            <a:endParaRPr lang="it-IT" dirty="0"/>
           </a:p>
         </p:txBody>
       </p:sp>
@@ -21061,7 +21791,7 @@
     </p:spTree>
     <p:extLst>
       <p:ext uri="{BB962C8B-B14F-4D97-AF65-F5344CB8AC3E}">
-        <p14:creationId xmlns:p14="http://schemas.microsoft.com/office/powerpoint/2010/main" xmlns="" val="2537338845"/>
+        <p14:creationId xmlns:p14="http://schemas.microsoft.com/office/powerpoint/2010/main" val="2537338845"/>
       </p:ext>
     </p:extLst>
   </p:cSld>
@@ -21097,13 +21827,13 @@
       </p:grpSpPr>
       <p:sp>
         <p:nvSpPr>
-          <p:cNvPr id="2" name="Rettangolo 1"/>
+          <p:cNvPr id="3" name="Rettangolo 2"/>
           <p:cNvSpPr/>
           <p:nvPr/>
         </p:nvSpPr>
         <p:spPr>
           <a:xfrm>
-            <a:off x="539552" y="745540"/>
+            <a:off x="539552" y="908720"/>
             <a:ext cx="6428226" cy="523220"/>
           </a:xfrm>
           <a:prstGeom prst="rect">
@@ -21119,243 +21849,7 @@
             <a:pPr algn="ctr"/>
             <a:r>
               <a:rPr lang="it-IT" sz="2800" b="1" dirty="0" smtClean="0"/>
-              <a:t>Problemi riscontrati durante il </a:t>
-            </a:r>
-            <a:r>
-              <a:rPr lang="it-IT" sz="2800" b="1" dirty="0" err="1" smtClean="0"/>
-              <a:t>testing</a:t>
-            </a:r>
-            <a:endParaRPr lang="it-IT" sz="2800" b="1" dirty="0" smtClean="0"/>
-          </a:p>
-        </p:txBody>
-      </p:sp>
-      <p:sp>
-        <p:nvSpPr>
-          <p:cNvPr id="3" name="Content Placeholder 3"/>
-          <p:cNvSpPr txBox="1">
-            <a:spLocks/>
-          </p:cNvSpPr>
-          <p:nvPr/>
-        </p:nvSpPr>
-        <p:spPr>
-          <a:xfrm>
-            <a:off x="323528" y="1700808"/>
-            <a:ext cx="8424936" cy="4536504"/>
-          </a:xfrm>
-          <a:prstGeom prst="rect">
-            <a:avLst/>
-          </a:prstGeom>
-        </p:spPr>
-        <p:txBody>
-          <a:bodyPr tIns="0"/>
-          <a:lstStyle>
-            <a:lvl1pPr marL="274320" indent="-274320" algn="l" rtl="0" eaLnBrk="1" latinLnBrk="0" hangingPunct="1">
-              <a:spcBef>
-                <a:spcPct val="20000"/>
-              </a:spcBef>
-              <a:buClrTx/>
-              <a:buSzPct val="95000"/>
-              <a:buFont typeface="Wingdings" pitchFamily="2" charset="2"/>
-              <a:buChar char="v"/>
-              <a:defRPr kumimoji="0" sz="2800" kern="1200">
-                <a:solidFill>
-                  <a:schemeClr val="tx1"/>
-                </a:solidFill>
-                <a:latin typeface="+mn-lt"/>
-                <a:ea typeface="+mn-ea"/>
-                <a:cs typeface="+mn-cs"/>
-              </a:defRPr>
-            </a:lvl1pPr>
-            <a:lvl2pPr marL="640080" indent="-246888" algn="l" rtl="0" eaLnBrk="1" latinLnBrk="0" hangingPunct="1">
-              <a:spcBef>
-                <a:spcPct val="20000"/>
-              </a:spcBef>
-              <a:buClrTx/>
-              <a:buSzPct val="85000"/>
-              <a:buFont typeface="Courier New" pitchFamily="49" charset="0"/>
-              <a:buChar char="o"/>
-              <a:defRPr kumimoji="0" sz="2600" kern="1200">
-                <a:solidFill>
-                  <a:schemeClr val="tx1"/>
-                </a:solidFill>
-                <a:latin typeface="+mn-lt"/>
-                <a:ea typeface="+mn-ea"/>
-                <a:cs typeface="+mn-cs"/>
-              </a:defRPr>
-            </a:lvl2pPr>
-            <a:lvl3pPr marL="914400" indent="-246888" algn="l" rtl="0" eaLnBrk="1" latinLnBrk="0" hangingPunct="1">
-              <a:spcBef>
-                <a:spcPct val="20000"/>
-              </a:spcBef>
-              <a:buClrTx/>
-              <a:buSzPct val="70000"/>
-              <a:buFont typeface="Wingdings 2"/>
-              <a:buChar char=""/>
-              <a:defRPr kumimoji="0" sz="2400" kern="1200">
-                <a:solidFill>
-                  <a:schemeClr val="tx1"/>
-                </a:solidFill>
-                <a:latin typeface="+mn-lt"/>
-                <a:ea typeface="+mn-ea"/>
-                <a:cs typeface="+mn-cs"/>
-              </a:defRPr>
-            </a:lvl3pPr>
-            <a:lvl4pPr marL="1188720" indent="-210312" algn="l" rtl="0" eaLnBrk="1" latinLnBrk="0" hangingPunct="1">
-              <a:spcBef>
-                <a:spcPct val="20000"/>
-              </a:spcBef>
-              <a:buClrTx/>
-              <a:buSzPct val="65000"/>
-              <a:buFont typeface="Wingdings 2"/>
-              <a:buChar char=""/>
-              <a:defRPr kumimoji="0" sz="2000" kern="1200">
-                <a:solidFill>
-                  <a:schemeClr val="tx1"/>
-                </a:solidFill>
-                <a:latin typeface="+mn-lt"/>
-                <a:ea typeface="+mn-ea"/>
-                <a:cs typeface="+mn-cs"/>
-              </a:defRPr>
-            </a:lvl4pPr>
-            <a:lvl5pPr marL="1463040" indent="-210312" algn="l" rtl="0" eaLnBrk="1" latinLnBrk="0" hangingPunct="1">
-              <a:spcBef>
-                <a:spcPct val="20000"/>
-              </a:spcBef>
-              <a:buClrTx/>
-              <a:buSzPct val="65000"/>
-              <a:buFont typeface="Wingdings 2"/>
-              <a:buChar char=""/>
-              <a:defRPr kumimoji="0" sz="1800" kern="1200">
-                <a:solidFill>
-                  <a:schemeClr val="tx1"/>
-                </a:solidFill>
-                <a:latin typeface="+mn-lt"/>
-                <a:ea typeface="+mn-ea"/>
-                <a:cs typeface="+mn-cs"/>
-              </a:defRPr>
-            </a:lvl5pPr>
-            <a:lvl6pPr marL="1737360" indent="-210312" algn="l" rtl="0" eaLnBrk="1" latinLnBrk="0" hangingPunct="1">
-              <a:spcBef>
-                <a:spcPct val="20000"/>
-              </a:spcBef>
-              <a:buClr>
-                <a:schemeClr val="accent5"/>
-              </a:buClr>
-              <a:buSzPct val="80000"/>
-              <a:buFont typeface="Wingdings 2"/>
-              <a:buChar char=""/>
-              <a:defRPr kumimoji="0" sz="1800" kern="1200">
-                <a:solidFill>
-                  <a:schemeClr val="tx1"/>
-                </a:solidFill>
-                <a:latin typeface="+mn-lt"/>
-                <a:ea typeface="+mn-ea"/>
-                <a:cs typeface="+mn-cs"/>
-              </a:defRPr>
-            </a:lvl6pPr>
-            <a:lvl7pPr marL="1920240" indent="-182880" algn="l" rtl="0" eaLnBrk="1" latinLnBrk="0" hangingPunct="1">
-              <a:spcBef>
-                <a:spcPct val="20000"/>
-              </a:spcBef>
-              <a:buClr>
-                <a:schemeClr val="accent6"/>
-              </a:buClr>
-              <a:buSzPct val="80000"/>
-              <a:buFont typeface="Wingdings 2"/>
-              <a:buChar char=""/>
-              <a:defRPr kumimoji="0" sz="1600" kern="1200" baseline="0">
-                <a:solidFill>
-                  <a:schemeClr val="tx1"/>
-                </a:solidFill>
-                <a:latin typeface="+mn-lt"/>
-                <a:ea typeface="+mn-ea"/>
-                <a:cs typeface="+mn-cs"/>
-              </a:defRPr>
-            </a:lvl7pPr>
-            <a:lvl8pPr marL="2194560" indent="-182880" algn="l" rtl="0" eaLnBrk="1" latinLnBrk="0" hangingPunct="1">
-              <a:spcBef>
-                <a:spcPct val="20000"/>
-              </a:spcBef>
-              <a:buClr>
-                <a:schemeClr val="tx2"/>
-              </a:buClr>
-              <a:buChar char="•"/>
-              <a:defRPr kumimoji="0" sz="1600" kern="1200">
-                <a:solidFill>
-                  <a:schemeClr val="tx1"/>
-                </a:solidFill>
-                <a:latin typeface="+mn-lt"/>
-                <a:ea typeface="+mn-ea"/>
-                <a:cs typeface="+mn-cs"/>
-              </a:defRPr>
-            </a:lvl8pPr>
-            <a:lvl9pPr marL="2468880" indent="-182880" algn="l" rtl="0" eaLnBrk="1" latinLnBrk="0" hangingPunct="1">
-              <a:spcBef>
-                <a:spcPct val="20000"/>
-              </a:spcBef>
-              <a:buClr>
-                <a:schemeClr val="tx2"/>
-              </a:buClr>
-              <a:buFontTx/>
-              <a:buChar char="•"/>
-              <a:defRPr kumimoji="0" sz="1400" kern="1200" baseline="0">
-                <a:solidFill>
-                  <a:schemeClr val="tx1"/>
-                </a:solidFill>
-                <a:latin typeface="+mn-lt"/>
-                <a:ea typeface="+mn-ea"/>
-                <a:cs typeface="+mn-cs"/>
-              </a:defRPr>
-            </a:lvl9pPr>
-          </a:lstStyle>
-          <a:p>
-            <a:pPr marL="0" indent="0"/>
-            <a:r>
-              <a:rPr lang="it-IT" dirty="0" smtClean="0"/>
-              <a:t> Diverse incongruenze tra documentazione fornita e sistema implementato hanno reso difficile:</a:t>
-            </a:r>
-          </a:p>
-          <a:p>
-            <a:pPr marL="365760" lvl="1" indent="0"/>
-            <a:r>
-              <a:rPr lang="it-IT" dirty="0" smtClean="0"/>
-              <a:t> l’organizzazione della fase di </a:t>
-            </a:r>
-            <a:r>
-              <a:rPr lang="it-IT" dirty="0" err="1" smtClean="0"/>
-              <a:t>testing</a:t>
-            </a:r>
-            <a:r>
-              <a:rPr lang="it-IT" dirty="0" smtClean="0"/>
-              <a:t>, poiché spesso impossibilitati nel seguire la tracciabilità specificata;</a:t>
-            </a:r>
-          </a:p>
-          <a:p>
-            <a:pPr marL="365760" lvl="1" indent="0"/>
-            <a:r>
-              <a:rPr lang="it-IT" dirty="0" smtClean="0"/>
-              <a:t> la comprensione della documentazione e del  funzionamento del sistema stesso;	</a:t>
-            </a:r>
-          </a:p>
-          <a:p>
-            <a:pPr marL="365760" lvl="1" indent="0">
-              <a:buNone/>
-            </a:pPr>
-            <a:endParaRPr lang="it-IT" sz="1500" dirty="0" smtClean="0"/>
-          </a:p>
-          <a:p>
-            <a:pPr marL="0" indent="0"/>
-            <a:r>
-              <a:rPr lang="it-IT" dirty="0" smtClean="0"/>
-              <a:t> Numerosi test </a:t>
-            </a:r>
-            <a:r>
-              <a:rPr lang="it-IT" dirty="0" err="1" smtClean="0"/>
-              <a:t>cases</a:t>
-            </a:r>
-            <a:r>
-              <a:rPr lang="it-IT" dirty="0" smtClean="0"/>
-              <a:t> specificati sono diventati inutili, in quanto funzionalità non implementate o non coerenti con la documentazione			</a:t>
+              <a:t>Esempio di Test Case</a:t>
             </a:r>
           </a:p>
         </p:txBody>
@@ -21394,6 +21888,303 @@
       </p:grpSpPr>
       <p:sp>
         <p:nvSpPr>
+          <p:cNvPr id="2" name="Rettangolo 1"/>
+          <p:cNvSpPr/>
+          <p:nvPr/>
+        </p:nvSpPr>
+        <p:spPr>
+          <a:xfrm>
+            <a:off x="539552" y="745540"/>
+            <a:ext cx="6428226" cy="523220"/>
+          </a:xfrm>
+          <a:prstGeom prst="rect">
+            <a:avLst/>
+          </a:prstGeom>
+        </p:spPr>
+        <p:txBody>
+          <a:bodyPr wrap="square">
+            <a:spAutoFit/>
+          </a:bodyPr>
+          <a:lstStyle/>
+          <a:p>
+            <a:pPr algn="ctr"/>
+            <a:r>
+              <a:rPr lang="it-IT" sz="2800" b="1" dirty="0" smtClean="0"/>
+              <a:t>Problemi riscontrati durante il </a:t>
+            </a:r>
+            <a:r>
+              <a:rPr lang="it-IT" sz="2800" b="1" dirty="0" err="1" smtClean="0"/>
+              <a:t>testing</a:t>
+            </a:r>
+            <a:endParaRPr lang="it-IT" sz="2800" b="1" dirty="0" smtClean="0"/>
+          </a:p>
+        </p:txBody>
+      </p:sp>
+      <p:sp>
+        <p:nvSpPr>
+          <p:cNvPr id="3" name="Content Placeholder 3"/>
+          <p:cNvSpPr txBox="1">
+            <a:spLocks/>
+          </p:cNvSpPr>
+          <p:nvPr/>
+        </p:nvSpPr>
+        <p:spPr>
+          <a:xfrm>
+            <a:off x="323528" y="1700808"/>
+            <a:ext cx="8424936" cy="4536504"/>
+          </a:xfrm>
+          <a:prstGeom prst="rect">
+            <a:avLst/>
+          </a:prstGeom>
+        </p:spPr>
+        <p:txBody>
+          <a:bodyPr tIns="0"/>
+          <a:lstStyle>
+            <a:lvl1pPr marL="274320" indent="-274320" algn="l" rtl="0" eaLnBrk="1" latinLnBrk="0" hangingPunct="1">
+              <a:spcBef>
+                <a:spcPct val="20000"/>
+              </a:spcBef>
+              <a:buClrTx/>
+              <a:buSzPct val="95000"/>
+              <a:buFont typeface="Wingdings" pitchFamily="2" charset="2"/>
+              <a:buChar char="v"/>
+              <a:defRPr kumimoji="0" sz="2800" kern="1200">
+                <a:solidFill>
+                  <a:schemeClr val="tx1"/>
+                </a:solidFill>
+                <a:latin typeface="+mn-lt"/>
+                <a:ea typeface="+mn-ea"/>
+                <a:cs typeface="+mn-cs"/>
+              </a:defRPr>
+            </a:lvl1pPr>
+            <a:lvl2pPr marL="640080" indent="-246888" algn="l" rtl="0" eaLnBrk="1" latinLnBrk="0" hangingPunct="1">
+              <a:spcBef>
+                <a:spcPct val="20000"/>
+              </a:spcBef>
+              <a:buClrTx/>
+              <a:buSzPct val="85000"/>
+              <a:buFont typeface="Courier New" pitchFamily="49" charset="0"/>
+              <a:buChar char="o"/>
+              <a:defRPr kumimoji="0" sz="2600" kern="1200">
+                <a:solidFill>
+                  <a:schemeClr val="tx1"/>
+                </a:solidFill>
+                <a:latin typeface="+mn-lt"/>
+                <a:ea typeface="+mn-ea"/>
+                <a:cs typeface="+mn-cs"/>
+              </a:defRPr>
+            </a:lvl2pPr>
+            <a:lvl3pPr marL="914400" indent="-246888" algn="l" rtl="0" eaLnBrk="1" latinLnBrk="0" hangingPunct="1">
+              <a:spcBef>
+                <a:spcPct val="20000"/>
+              </a:spcBef>
+              <a:buClrTx/>
+              <a:buSzPct val="70000"/>
+              <a:buFont typeface="Wingdings 2"/>
+              <a:buChar char=""/>
+              <a:defRPr kumimoji="0" sz="2400" kern="1200">
+                <a:solidFill>
+                  <a:schemeClr val="tx1"/>
+                </a:solidFill>
+                <a:latin typeface="+mn-lt"/>
+                <a:ea typeface="+mn-ea"/>
+                <a:cs typeface="+mn-cs"/>
+              </a:defRPr>
+            </a:lvl3pPr>
+            <a:lvl4pPr marL="1188720" indent="-210312" algn="l" rtl="0" eaLnBrk="1" latinLnBrk="0" hangingPunct="1">
+              <a:spcBef>
+                <a:spcPct val="20000"/>
+              </a:spcBef>
+              <a:buClrTx/>
+              <a:buSzPct val="65000"/>
+              <a:buFont typeface="Wingdings 2"/>
+              <a:buChar char=""/>
+              <a:defRPr kumimoji="0" sz="2000" kern="1200">
+                <a:solidFill>
+                  <a:schemeClr val="tx1"/>
+                </a:solidFill>
+                <a:latin typeface="+mn-lt"/>
+                <a:ea typeface="+mn-ea"/>
+                <a:cs typeface="+mn-cs"/>
+              </a:defRPr>
+            </a:lvl4pPr>
+            <a:lvl5pPr marL="1463040" indent="-210312" algn="l" rtl="0" eaLnBrk="1" latinLnBrk="0" hangingPunct="1">
+              <a:spcBef>
+                <a:spcPct val="20000"/>
+              </a:spcBef>
+              <a:buClrTx/>
+              <a:buSzPct val="65000"/>
+              <a:buFont typeface="Wingdings 2"/>
+              <a:buChar char=""/>
+              <a:defRPr kumimoji="0" sz="1800" kern="1200">
+                <a:solidFill>
+                  <a:schemeClr val="tx1"/>
+                </a:solidFill>
+                <a:latin typeface="+mn-lt"/>
+                <a:ea typeface="+mn-ea"/>
+                <a:cs typeface="+mn-cs"/>
+              </a:defRPr>
+            </a:lvl5pPr>
+            <a:lvl6pPr marL="1737360" indent="-210312" algn="l" rtl="0" eaLnBrk="1" latinLnBrk="0" hangingPunct="1">
+              <a:spcBef>
+                <a:spcPct val="20000"/>
+              </a:spcBef>
+              <a:buClr>
+                <a:schemeClr val="accent5"/>
+              </a:buClr>
+              <a:buSzPct val="80000"/>
+              <a:buFont typeface="Wingdings 2"/>
+              <a:buChar char=""/>
+              <a:defRPr kumimoji="0" sz="1800" kern="1200">
+                <a:solidFill>
+                  <a:schemeClr val="tx1"/>
+                </a:solidFill>
+                <a:latin typeface="+mn-lt"/>
+                <a:ea typeface="+mn-ea"/>
+                <a:cs typeface="+mn-cs"/>
+              </a:defRPr>
+            </a:lvl6pPr>
+            <a:lvl7pPr marL="1920240" indent="-182880" algn="l" rtl="0" eaLnBrk="1" latinLnBrk="0" hangingPunct="1">
+              <a:spcBef>
+                <a:spcPct val="20000"/>
+              </a:spcBef>
+              <a:buClr>
+                <a:schemeClr val="accent6"/>
+              </a:buClr>
+              <a:buSzPct val="80000"/>
+              <a:buFont typeface="Wingdings 2"/>
+              <a:buChar char=""/>
+              <a:defRPr kumimoji="0" sz="1600" kern="1200" baseline="0">
+                <a:solidFill>
+                  <a:schemeClr val="tx1"/>
+                </a:solidFill>
+                <a:latin typeface="+mn-lt"/>
+                <a:ea typeface="+mn-ea"/>
+                <a:cs typeface="+mn-cs"/>
+              </a:defRPr>
+            </a:lvl7pPr>
+            <a:lvl8pPr marL="2194560" indent="-182880" algn="l" rtl="0" eaLnBrk="1" latinLnBrk="0" hangingPunct="1">
+              <a:spcBef>
+                <a:spcPct val="20000"/>
+              </a:spcBef>
+              <a:buClr>
+                <a:schemeClr val="tx2"/>
+              </a:buClr>
+              <a:buChar char="•"/>
+              <a:defRPr kumimoji="0" sz="1600" kern="1200">
+                <a:solidFill>
+                  <a:schemeClr val="tx1"/>
+                </a:solidFill>
+                <a:latin typeface="+mn-lt"/>
+                <a:ea typeface="+mn-ea"/>
+                <a:cs typeface="+mn-cs"/>
+              </a:defRPr>
+            </a:lvl8pPr>
+            <a:lvl9pPr marL="2468880" indent="-182880" algn="l" rtl="0" eaLnBrk="1" latinLnBrk="0" hangingPunct="1">
+              <a:spcBef>
+                <a:spcPct val="20000"/>
+              </a:spcBef>
+              <a:buClr>
+                <a:schemeClr val="tx2"/>
+              </a:buClr>
+              <a:buFontTx/>
+              <a:buChar char="•"/>
+              <a:defRPr kumimoji="0" sz="1400" kern="1200" baseline="0">
+                <a:solidFill>
+                  <a:schemeClr val="tx1"/>
+                </a:solidFill>
+                <a:latin typeface="+mn-lt"/>
+                <a:ea typeface="+mn-ea"/>
+                <a:cs typeface="+mn-cs"/>
+              </a:defRPr>
+            </a:lvl9pPr>
+          </a:lstStyle>
+          <a:p>
+            <a:pPr marL="0" indent="0"/>
+            <a:r>
+              <a:rPr lang="it-IT" dirty="0" smtClean="0"/>
+              <a:t> Diverse incongruenze tra documentazione fornita e sistema implementato hanno reso difficile:</a:t>
+            </a:r>
+          </a:p>
+          <a:p>
+            <a:pPr marL="365760" lvl="1" indent="0"/>
+            <a:r>
+              <a:rPr lang="it-IT" dirty="0" smtClean="0"/>
+              <a:t> l’organizzazione della fase di </a:t>
+            </a:r>
+            <a:r>
+              <a:rPr lang="it-IT" dirty="0" err="1" smtClean="0"/>
+              <a:t>testing</a:t>
+            </a:r>
+            <a:r>
+              <a:rPr lang="it-IT" dirty="0" smtClean="0"/>
+              <a:t>, poiché spesso impossibilitati nel seguire la tracciabilità specificata;</a:t>
+            </a:r>
+          </a:p>
+          <a:p>
+            <a:pPr marL="365760" lvl="1" indent="0"/>
+            <a:r>
+              <a:rPr lang="it-IT" dirty="0" smtClean="0"/>
+              <a:t> la comprensione della documentazione e del  funzionamento del sistema stesso;	</a:t>
+            </a:r>
+          </a:p>
+          <a:p>
+            <a:pPr marL="365760" lvl="1" indent="0">
+              <a:buNone/>
+            </a:pPr>
+            <a:endParaRPr lang="it-IT" sz="1500" dirty="0" smtClean="0"/>
+          </a:p>
+          <a:p>
+            <a:pPr marL="0" indent="0"/>
+            <a:r>
+              <a:rPr lang="it-IT" dirty="0" smtClean="0"/>
+              <a:t> Numerosi test </a:t>
+            </a:r>
+            <a:r>
+              <a:rPr lang="it-IT" dirty="0" err="1" smtClean="0"/>
+              <a:t>cases</a:t>
+            </a:r>
+            <a:r>
+              <a:rPr lang="it-IT" dirty="0" smtClean="0"/>
+              <a:t> specificati sono diventati inutili, in quanto funzionalità non implementate o non coerenti con la documentazione			</a:t>
+            </a:r>
+          </a:p>
+        </p:txBody>
+      </p:sp>
+    </p:spTree>
+  </p:cSld>
+  <p:clrMapOvr>
+    <a:masterClrMapping/>
+  </p:clrMapOvr>
+  <p:timing>
+    <p:tnLst>
+      <p:par>
+        <p:cTn id="1" dur="indefinite" restart="never" nodeType="tmRoot"/>
+      </p:par>
+    </p:tnLst>
+  </p:timing>
+</p:sld>
+</file>
+
+<file path=ppt/slides/slide62.xml><?xml version="1.0" encoding="utf-8"?>
+<p:sld xmlns:a="http://schemas.openxmlformats.org/drawingml/2006/main" xmlns:r="http://schemas.openxmlformats.org/officeDocument/2006/relationships" xmlns:p="http://schemas.openxmlformats.org/presentationml/2006/main">
+  <p:cSld>
+    <p:spTree>
+      <p:nvGrpSpPr>
+        <p:cNvPr id="1" name=""/>
+        <p:cNvGrpSpPr/>
+        <p:nvPr/>
+      </p:nvGrpSpPr>
+      <p:grpSpPr>
+        <a:xfrm>
+          <a:off x="0" y="0"/>
+          <a:ext cx="0" cy="0"/>
+          <a:chOff x="0" y="0"/>
+          <a:chExt cx="0" cy="0"/>
+        </a:xfrm>
+      </p:grpSpPr>
+      <p:sp>
+        <p:nvSpPr>
           <p:cNvPr id="2" name="CasellaDiTesto 1"/>
           <p:cNvSpPr txBox="1"/>
           <p:nvPr/>
@@ -21511,7 +22302,7 @@
     </p:spTree>
     <p:extLst>
       <p:ext uri="{BB962C8B-B14F-4D97-AF65-F5344CB8AC3E}">
-        <p14:creationId xmlns:p14="http://schemas.microsoft.com/office/powerpoint/2010/main" xmlns="" val="2314765427"/>
+        <p14:creationId xmlns:p14="http://schemas.microsoft.com/office/powerpoint/2010/main" val="2314765427"/>
       </p:ext>
     </p:extLst>
   </p:cSld>
@@ -21589,7 +22380,7 @@
           <a:blip r:embed="rId2" cstate="print">
             <a:extLst>
               <a:ext uri="{28A0092B-C50C-407E-A947-70E740481C1C}">
-                <a14:useLocalDpi xmlns:a14="http://schemas.microsoft.com/office/drawing/2010/main" xmlns="" val="0"/>
+                <a14:useLocalDpi xmlns:a14="http://schemas.microsoft.com/office/drawing/2010/main" val="0"/>
               </a:ext>
             </a:extLst>
           </a:blip>
@@ -21610,7 +22401,7 @@
     </p:spTree>
     <p:extLst>
       <p:ext uri="{BB962C8B-B14F-4D97-AF65-F5344CB8AC3E}">
-        <p14:creationId xmlns:p14="http://schemas.microsoft.com/office/powerpoint/2010/main" xmlns="" val="1296864160"/>
+        <p14:creationId xmlns:p14="http://schemas.microsoft.com/office/powerpoint/2010/main" val="1296864160"/>
       </p:ext>
     </p:extLst>
   </p:cSld>
@@ -21690,7 +22481,7 @@
           <a:blip r:embed="rId2" cstate="print">
             <a:extLst>
               <a:ext uri="{28A0092B-C50C-407E-A947-70E740481C1C}">
-                <a14:useLocalDpi xmlns:a14="http://schemas.microsoft.com/office/drawing/2010/main" xmlns="" val="0"/>
+                <a14:useLocalDpi xmlns:a14="http://schemas.microsoft.com/office/drawing/2010/main" val="0"/>
               </a:ext>
             </a:extLst>
           </a:blip>
@@ -21711,7 +22502,7 @@
     </p:spTree>
     <p:extLst>
       <p:ext uri="{BB962C8B-B14F-4D97-AF65-F5344CB8AC3E}">
-        <p14:creationId xmlns:p14="http://schemas.microsoft.com/office/powerpoint/2010/main" xmlns="" val="4136420094"/>
+        <p14:creationId xmlns:p14="http://schemas.microsoft.com/office/powerpoint/2010/main" val="4136420094"/>
       </p:ext>
     </p:extLst>
   </p:cSld>
@@ -21895,7 +22686,7 @@
     </p:spTree>
     <p:extLst>
       <p:ext uri="{BB962C8B-B14F-4D97-AF65-F5344CB8AC3E}">
-        <p14:creationId xmlns:p14="http://schemas.microsoft.com/office/powerpoint/2010/main" xmlns="" val="529095658"/>
+        <p14:creationId xmlns:p14="http://schemas.microsoft.com/office/powerpoint/2010/main" val="529095658"/>
       </p:ext>
     </p:extLst>
   </p:cSld>

--- a/Presentazione/Atsilo2/[BOZZA] Atsilo_M_PresentazioneFinale.pptx
+++ b/Presentazione/Atsilo2/[BOZZA] Atsilo_M_PresentazioneFinale.pptx
@@ -5,7 +5,7 @@
     <p:sldMasterId id="2147483684" r:id="rId1"/>
   </p:sldMasterIdLst>
   <p:notesMasterIdLst>
-    <p:notesMasterId r:id="rId64"/>
+    <p:notesMasterId r:id="rId63"/>
   </p:notesMasterIdLst>
   <p:sldIdLst>
     <p:sldId id="256" r:id="rId2"/>
@@ -56,20 +56,19 @@
     <p:sldId id="298" r:id="rId47"/>
     <p:sldId id="299" r:id="rId48"/>
     <p:sldId id="300" r:id="rId49"/>
-    <p:sldId id="301" r:id="rId50"/>
-    <p:sldId id="302" r:id="rId51"/>
-    <p:sldId id="303" r:id="rId52"/>
-    <p:sldId id="304" r:id="rId53"/>
-    <p:sldId id="305" r:id="rId54"/>
-    <p:sldId id="306" r:id="rId55"/>
-    <p:sldId id="307" r:id="rId56"/>
-    <p:sldId id="308" r:id="rId57"/>
-    <p:sldId id="309" r:id="rId58"/>
-    <p:sldId id="310" r:id="rId59"/>
-    <p:sldId id="311" r:id="rId60"/>
-    <p:sldId id="312" r:id="rId61"/>
-    <p:sldId id="313" r:id="rId62"/>
-    <p:sldId id="316" r:id="rId63"/>
+    <p:sldId id="302" r:id="rId50"/>
+    <p:sldId id="303" r:id="rId51"/>
+    <p:sldId id="304" r:id="rId52"/>
+    <p:sldId id="305" r:id="rId53"/>
+    <p:sldId id="306" r:id="rId54"/>
+    <p:sldId id="307" r:id="rId55"/>
+    <p:sldId id="308" r:id="rId56"/>
+    <p:sldId id="309" r:id="rId57"/>
+    <p:sldId id="310" r:id="rId58"/>
+    <p:sldId id="311" r:id="rId59"/>
+    <p:sldId id="312" r:id="rId60"/>
+    <p:sldId id="313" r:id="rId61"/>
+    <p:sldId id="316" r:id="rId62"/>
   </p:sldIdLst>
   <p:sldSz cx="9144000" cy="6858000" type="screen4x3"/>
   <p:notesSz cx="6858000" cy="9144000"/>
@@ -1312,7 +1311,7 @@
             <a:fld id="{D70604CA-7593-4640-8FA1-5523937B8510}" type="slidenum">
               <a:rPr lang="it-IT" smtClean="0"/>
               <a:pPr/>
-              <a:t>50</a:t>
+              <a:t>49</a:t>
             </a:fld>
             <a:endParaRPr lang="it-IT"/>
           </a:p>
@@ -1407,7 +1406,7 @@
             <a:fld id="{D70604CA-7593-4640-8FA1-5523937B8510}" type="slidenum">
               <a:rPr lang="it-IT" smtClean="0"/>
               <a:pPr/>
-              <a:t>51</a:t>
+              <a:t>50</a:t>
             </a:fld>
             <a:endParaRPr lang="it-IT"/>
           </a:p>
@@ -1497,7 +1496,7 @@
             <a:fld id="{D70604CA-7593-4640-8FA1-5523937B8510}" type="slidenum">
               <a:rPr lang="it-IT" smtClean="0"/>
               <a:pPr/>
-              <a:t>52</a:t>
+              <a:t>51</a:t>
             </a:fld>
             <a:endParaRPr lang="it-IT"/>
           </a:p>
@@ -1587,7 +1586,7 @@
             <a:fld id="{D70604CA-7593-4640-8FA1-5523937B8510}" type="slidenum">
               <a:rPr lang="it-IT" smtClean="0"/>
               <a:pPr/>
-              <a:t>53</a:t>
+              <a:t>52</a:t>
             </a:fld>
             <a:endParaRPr lang="it-IT"/>
           </a:p>
@@ -1693,7 +1692,7 @@
             <a:fld id="{D70604CA-7593-4640-8FA1-5523937B8510}" type="slidenum">
               <a:rPr lang="it-IT" smtClean="0"/>
               <a:pPr/>
-              <a:t>54</a:t>
+              <a:t>53</a:t>
             </a:fld>
             <a:endParaRPr lang="it-IT"/>
           </a:p>
@@ -1799,7 +1798,7 @@
             <a:fld id="{D70604CA-7593-4640-8FA1-5523937B8510}" type="slidenum">
               <a:rPr lang="it-IT" smtClean="0"/>
               <a:pPr/>
-              <a:t>55</a:t>
+              <a:t>54</a:t>
             </a:fld>
             <a:endParaRPr lang="it-IT"/>
           </a:p>
@@ -1978,7 +1977,7 @@
             <a:fld id="{D70604CA-7593-4640-8FA1-5523937B8510}" type="slidenum">
               <a:rPr lang="it-IT" smtClean="0"/>
               <a:pPr/>
-              <a:t>56</a:t>
+              <a:t>55</a:t>
             </a:fld>
             <a:endParaRPr lang="it-IT"/>
           </a:p>
@@ -2099,7 +2098,7 @@
             <a:fld id="{D70604CA-7593-4640-8FA1-5523937B8510}" type="slidenum">
               <a:rPr lang="it-IT" smtClean="0"/>
               <a:pPr/>
-              <a:t>57</a:t>
+              <a:t>56</a:t>
             </a:fld>
             <a:endParaRPr lang="it-IT"/>
           </a:p>
@@ -18585,17 +18584,8 @@
               <a:rPr lang="it-IT" sz="3200" b="1" dirty="0" smtClean="0">
                 <a:latin typeface="+mj-lt"/>
               </a:rPr>
-              <a:t>Mappare associazioni in collezioni e </a:t>
-            </a:r>
-            <a:r>
-              <a:rPr lang="it-IT" sz="3200" b="1" dirty="0" smtClean="0">
-                <a:latin typeface="+mj-lt"/>
-              </a:rPr>
-              <a:t>riferimenti(2)</a:t>
-            </a:r>
-            <a:endParaRPr lang="it-IT" sz="3200" b="1" dirty="0" smtClean="0">
-              <a:latin typeface="+mj-lt"/>
-            </a:endParaRPr>
+              <a:t>Mappare associazioni in collezioni e riferimenti(2)</a:t>
+            </a:r>
           </a:p>
           <a:p>
             <a:pPr algn="ctr"/>
@@ -18750,17 +18740,8 @@
               <a:rPr lang="it-IT" sz="3200" b="1" dirty="0" smtClean="0">
                 <a:latin typeface="+mj-lt"/>
               </a:rPr>
-              <a:t>Mappare associazioni in collezioni e </a:t>
-            </a:r>
-            <a:r>
-              <a:rPr lang="it-IT" sz="3200" b="1" dirty="0" smtClean="0">
-                <a:latin typeface="+mj-lt"/>
-              </a:rPr>
-              <a:t>riferimenti(3)</a:t>
-            </a:r>
-            <a:endParaRPr lang="it-IT" sz="3200" b="1" dirty="0" smtClean="0">
-              <a:latin typeface="+mj-lt"/>
-            </a:endParaRPr>
+              <a:t>Mappare associazioni in collezioni e riferimenti(3)</a:t>
+            </a:r>
           </a:p>
           <a:p>
             <a:pPr algn="ctr"/>
@@ -19125,180 +19106,6 @@
               <a:rPr lang="it-IT" sz="3200" b="1" dirty="0" smtClean="0">
                 <a:latin typeface="+mj-lt"/>
               </a:rPr>
-              <a:t>Contratti </a:t>
-            </a:r>
-          </a:p>
-          <a:p>
-            <a:pPr algn="ctr"/>
-            <a:endParaRPr lang="it-IT" dirty="0">
-              <a:latin typeface="+mj-lt"/>
-            </a:endParaRPr>
-          </a:p>
-        </p:txBody>
-      </p:sp>
-    </p:spTree>
-    <p:extLst>
-      <p:ext uri="{BB962C8B-B14F-4D97-AF65-F5344CB8AC3E}">
-        <p14:creationId xmlns:p14="http://schemas.microsoft.com/office/powerpoint/2010/main" val="950909589"/>
-      </p:ext>
-    </p:extLst>
-  </p:cSld>
-  <p:clrMapOvr>
-    <a:masterClrMapping/>
-  </p:clrMapOvr>
-</p:sld>
-</file>
-
-<file path=ppt/slides/slide5.xml><?xml version="1.0" encoding="utf-8"?>
-<p:sld xmlns:a="http://schemas.openxmlformats.org/drawingml/2006/main" xmlns:r="http://schemas.openxmlformats.org/officeDocument/2006/relationships" xmlns:p="http://schemas.openxmlformats.org/presentationml/2006/main">
-  <p:cSld>
-    <p:spTree>
-      <p:nvGrpSpPr>
-        <p:cNvPr id="1" name=""/>
-        <p:cNvGrpSpPr/>
-        <p:nvPr/>
-      </p:nvGrpSpPr>
-      <p:grpSpPr>
-        <a:xfrm>
-          <a:off x="0" y="0"/>
-          <a:ext cx="0" cy="0"/>
-          <a:chOff x="0" y="0"/>
-          <a:chExt cx="0" cy="0"/>
-        </a:xfrm>
-      </p:grpSpPr>
-      <p:sp>
-        <p:nvSpPr>
-          <p:cNvPr id="3" name="CasellaDiTesto 2"/>
-          <p:cNvSpPr txBox="1"/>
-          <p:nvPr/>
-        </p:nvSpPr>
-        <p:spPr>
-          <a:xfrm>
-            <a:off x="0" y="1124744"/>
-            <a:ext cx="9144000" cy="830997"/>
-          </a:xfrm>
-          <a:prstGeom prst="rect">
-            <a:avLst/>
-          </a:prstGeom>
-          <a:noFill/>
-        </p:spPr>
-        <p:txBody>
-          <a:bodyPr wrap="square" rtlCol="0">
-            <a:spAutoFit/>
-          </a:bodyPr>
-          <a:lstStyle/>
-          <a:p>
-            <a:pPr algn="ctr"/>
-            <a:r>
-              <a:rPr lang="it-IT" sz="4800" b="1" dirty="0" smtClean="0"/>
-              <a:t>Tirocinanti</a:t>
-            </a:r>
-            <a:endParaRPr lang="it-IT" sz="4800" b="1" dirty="0"/>
-          </a:p>
-        </p:txBody>
-      </p:sp>
-      <p:sp>
-        <p:nvSpPr>
-          <p:cNvPr id="4" name="CasellaDiTesto 3"/>
-          <p:cNvSpPr txBox="1"/>
-          <p:nvPr/>
-        </p:nvSpPr>
-        <p:spPr>
-          <a:xfrm>
-            <a:off x="0" y="2204864"/>
-            <a:ext cx="9144000" cy="1631216"/>
-          </a:xfrm>
-          <a:prstGeom prst="rect">
-            <a:avLst/>
-          </a:prstGeom>
-          <a:noFill/>
-        </p:spPr>
-        <p:txBody>
-          <a:bodyPr wrap="square" rtlCol="0">
-            <a:spAutoFit/>
-          </a:bodyPr>
-          <a:lstStyle/>
-          <a:p>
-            <a:r>
-              <a:rPr lang="it-IT" sz="2000" dirty="0" smtClean="0"/>
-              <a:t>Questa funzionalità è stata quella che ci ha impegnati maggiormente.</a:t>
-            </a:r>
-          </a:p>
-          <a:p>
-            <a:r>
-              <a:rPr lang="it-IT" sz="2000" dirty="0" smtClean="0"/>
-              <a:t>Infatti in una prima analisi erano stati riscontrati solo 6 casi d’uso, poi in corso d’opera, man mano che il progetto prendeva forma e acquisivamo nuove informazioni su come dovevano interagire i tirocinanti con il sistema i casi d’uso sono diventati 19. </a:t>
-            </a:r>
-          </a:p>
-          <a:p>
-            <a:endParaRPr lang="it-IT" sz="2000" dirty="0"/>
-          </a:p>
-        </p:txBody>
-      </p:sp>
-    </p:spTree>
-    <p:extLst>
-      <p:ext uri="{BB962C8B-B14F-4D97-AF65-F5344CB8AC3E}">
-        <p14:creationId xmlns:p14="http://schemas.microsoft.com/office/powerpoint/2010/main" val="966444375"/>
-      </p:ext>
-    </p:extLst>
-  </p:cSld>
-  <p:clrMapOvr>
-    <a:masterClrMapping/>
-  </p:clrMapOvr>
-  <p:timing>
-    <p:tnLst>
-      <p:par>
-        <p:cTn id="1" dur="indefinite" restart="never" nodeType="tmRoot"/>
-      </p:par>
-    </p:tnLst>
-  </p:timing>
-</p:sld>
-</file>
-
-<file path=ppt/slides/slide50.xml><?xml version="1.0" encoding="utf-8"?>
-<p:sld xmlns:a="http://schemas.openxmlformats.org/drawingml/2006/main" xmlns:r="http://schemas.openxmlformats.org/officeDocument/2006/relationships" xmlns:p="http://schemas.openxmlformats.org/presentationml/2006/main">
-  <p:cSld>
-    <p:spTree>
-      <p:nvGrpSpPr>
-        <p:cNvPr id="1" name=""/>
-        <p:cNvGrpSpPr/>
-        <p:nvPr/>
-      </p:nvGrpSpPr>
-      <p:grpSpPr>
-        <a:xfrm>
-          <a:off x="0" y="0"/>
-          <a:ext cx="0" cy="0"/>
-          <a:chOff x="0" y="0"/>
-          <a:chExt cx="0" cy="0"/>
-        </a:xfrm>
-      </p:grpSpPr>
-      <p:sp>
-        <p:nvSpPr>
-          <p:cNvPr id="2" name="CasellaDiTesto 1"/>
-          <p:cNvSpPr txBox="1"/>
-          <p:nvPr/>
-        </p:nvSpPr>
-        <p:spPr>
-          <a:xfrm>
-            <a:off x="232560" y="476672"/>
-            <a:ext cx="8709292" cy="861774"/>
-          </a:xfrm>
-          <a:prstGeom prst="rect">
-            <a:avLst/>
-          </a:prstGeom>
-          <a:noFill/>
-        </p:spPr>
-        <p:txBody>
-          <a:bodyPr wrap="square" rtlCol="0">
-            <a:spAutoFit/>
-          </a:bodyPr>
-          <a:lstStyle/>
-          <a:p>
-            <a:pPr algn="ctr"/>
-            <a:r>
-              <a:rPr lang="it-IT" sz="3200" b="1" dirty="0" smtClean="0">
-                <a:latin typeface="+mj-lt"/>
-              </a:rPr>
               <a:t>Problematiche </a:t>
             </a:r>
           </a:p>
@@ -19456,7 +19263,113 @@
 </p:sld>
 </file>
 
-<file path=ppt/slides/slide51.xml><?xml version="1.0" encoding="utf-8"?>
+<file path=ppt/slides/slide5.xml><?xml version="1.0" encoding="utf-8"?>
+<p:sld xmlns:a="http://schemas.openxmlformats.org/drawingml/2006/main" xmlns:r="http://schemas.openxmlformats.org/officeDocument/2006/relationships" xmlns:p="http://schemas.openxmlformats.org/presentationml/2006/main">
+  <p:cSld>
+    <p:spTree>
+      <p:nvGrpSpPr>
+        <p:cNvPr id="1" name=""/>
+        <p:cNvGrpSpPr/>
+        <p:nvPr/>
+      </p:nvGrpSpPr>
+      <p:grpSpPr>
+        <a:xfrm>
+          <a:off x="0" y="0"/>
+          <a:ext cx="0" cy="0"/>
+          <a:chOff x="0" y="0"/>
+          <a:chExt cx="0" cy="0"/>
+        </a:xfrm>
+      </p:grpSpPr>
+      <p:sp>
+        <p:nvSpPr>
+          <p:cNvPr id="3" name="CasellaDiTesto 2"/>
+          <p:cNvSpPr txBox="1"/>
+          <p:nvPr/>
+        </p:nvSpPr>
+        <p:spPr>
+          <a:xfrm>
+            <a:off x="0" y="1124744"/>
+            <a:ext cx="9144000" cy="830997"/>
+          </a:xfrm>
+          <a:prstGeom prst="rect">
+            <a:avLst/>
+          </a:prstGeom>
+          <a:noFill/>
+        </p:spPr>
+        <p:txBody>
+          <a:bodyPr wrap="square" rtlCol="0">
+            <a:spAutoFit/>
+          </a:bodyPr>
+          <a:lstStyle/>
+          <a:p>
+            <a:pPr algn="ctr"/>
+            <a:r>
+              <a:rPr lang="it-IT" sz="4800" b="1" dirty="0" smtClean="0"/>
+              <a:t>Tirocinanti</a:t>
+            </a:r>
+            <a:endParaRPr lang="it-IT" sz="4800" b="1" dirty="0"/>
+          </a:p>
+        </p:txBody>
+      </p:sp>
+      <p:sp>
+        <p:nvSpPr>
+          <p:cNvPr id="4" name="CasellaDiTesto 3"/>
+          <p:cNvSpPr txBox="1"/>
+          <p:nvPr/>
+        </p:nvSpPr>
+        <p:spPr>
+          <a:xfrm>
+            <a:off x="0" y="2204864"/>
+            <a:ext cx="9144000" cy="1631216"/>
+          </a:xfrm>
+          <a:prstGeom prst="rect">
+            <a:avLst/>
+          </a:prstGeom>
+          <a:noFill/>
+        </p:spPr>
+        <p:txBody>
+          <a:bodyPr wrap="square" rtlCol="0">
+            <a:spAutoFit/>
+          </a:bodyPr>
+          <a:lstStyle/>
+          <a:p>
+            <a:r>
+              <a:rPr lang="it-IT" sz="2000" dirty="0" smtClean="0"/>
+              <a:t>Questa funzionalità è stata quella che ci ha impegnati maggiormente.</a:t>
+            </a:r>
+          </a:p>
+          <a:p>
+            <a:r>
+              <a:rPr lang="it-IT" sz="2000" dirty="0" smtClean="0"/>
+              <a:t>Infatti in una prima analisi erano stati riscontrati solo 6 casi d’uso, poi in corso d’opera, man mano che il progetto prendeva forma e acquisivamo nuove informazioni su come dovevano interagire i tirocinanti con il sistema i casi d’uso sono diventati 19. </a:t>
+            </a:r>
+          </a:p>
+          <a:p>
+            <a:endParaRPr lang="it-IT" sz="2000" dirty="0"/>
+          </a:p>
+        </p:txBody>
+      </p:sp>
+    </p:spTree>
+    <p:extLst>
+      <p:ext uri="{BB962C8B-B14F-4D97-AF65-F5344CB8AC3E}">
+        <p14:creationId xmlns:p14="http://schemas.microsoft.com/office/powerpoint/2010/main" val="966444375"/>
+      </p:ext>
+    </p:extLst>
+  </p:cSld>
+  <p:clrMapOvr>
+    <a:masterClrMapping/>
+  </p:clrMapOvr>
+  <p:timing>
+    <p:tnLst>
+      <p:par>
+        <p:cTn id="1" dur="indefinite" restart="never" nodeType="tmRoot"/>
+      </p:par>
+    </p:tnLst>
+  </p:timing>
+</p:sld>
+</file>
+
+<file path=ppt/slides/slide50.xml><?xml version="1.0" encoding="utf-8"?>
 <p:sld xmlns:a="http://schemas.openxmlformats.org/drawingml/2006/main" xmlns:r="http://schemas.openxmlformats.org/officeDocument/2006/relationships" xmlns:p="http://schemas.openxmlformats.org/presentationml/2006/main">
   <p:cSld>
     <p:spTree>
@@ -19782,7 +19695,7 @@
 </p:sld>
 </file>
 
-<file path=ppt/slides/slide52.xml><?xml version="1.0" encoding="utf-8"?>
+<file path=ppt/slides/slide51.xml><?xml version="1.0" encoding="utf-8"?>
 <p:sld xmlns:a="http://schemas.openxmlformats.org/drawingml/2006/main" xmlns:r="http://schemas.openxmlformats.org/officeDocument/2006/relationships" xmlns:p="http://schemas.openxmlformats.org/presentationml/2006/main">
   <p:cSld>
     <p:spTree>
@@ -19889,7 +19802,7 @@
 </p:sld>
 </file>
 
-<file path=ppt/slides/slide53.xml><?xml version="1.0" encoding="utf-8"?>
+<file path=ppt/slides/slide52.xml><?xml version="1.0" encoding="utf-8"?>
 <p:sld xmlns:a="http://schemas.openxmlformats.org/drawingml/2006/main" xmlns:r="http://schemas.openxmlformats.org/officeDocument/2006/relationships" xmlns:p="http://schemas.openxmlformats.org/presentationml/2006/main">
   <p:cSld>
     <p:spTree>
@@ -20060,7 +19973,7 @@
 </p:sld>
 </file>
 
-<file path=ppt/slides/slide54.xml><?xml version="1.0" encoding="utf-8"?>
+<file path=ppt/slides/slide53.xml><?xml version="1.0" encoding="utf-8"?>
 <p:sld xmlns:a="http://schemas.openxmlformats.org/drawingml/2006/main" xmlns:r="http://schemas.openxmlformats.org/officeDocument/2006/relationships" xmlns:p="http://schemas.openxmlformats.org/presentationml/2006/main">
   <p:cSld>
     <p:spTree>
@@ -20213,7 +20126,7 @@
 </p:sld>
 </file>
 
-<file path=ppt/slides/slide55.xml><?xml version="1.0" encoding="utf-8"?>
+<file path=ppt/slides/slide54.xml><?xml version="1.0" encoding="utf-8"?>
 <p:sld xmlns:a="http://schemas.openxmlformats.org/drawingml/2006/main" xmlns:r="http://schemas.openxmlformats.org/officeDocument/2006/relationships" xmlns:p="http://schemas.openxmlformats.org/presentationml/2006/main">
   <p:cSld>
     <p:spTree>
@@ -20358,7 +20271,7 @@
 </p:sld>
 </file>
 
-<file path=ppt/slides/slide56.xml><?xml version="1.0" encoding="utf-8"?>
+<file path=ppt/slides/slide55.xml><?xml version="1.0" encoding="utf-8"?>
 <p:sld xmlns:a="http://schemas.openxmlformats.org/drawingml/2006/main" xmlns:r="http://schemas.openxmlformats.org/officeDocument/2006/relationships" xmlns:p="http://schemas.openxmlformats.org/presentationml/2006/main">
   <p:cSld>
     <p:spTree>
@@ -20503,7 +20416,7 @@
 </p:sld>
 </file>
 
-<file path=ppt/slides/slide57.xml><?xml version="1.0" encoding="utf-8"?>
+<file path=ppt/slides/slide56.xml><?xml version="1.0" encoding="utf-8"?>
 <p:sld xmlns:a="http://schemas.openxmlformats.org/drawingml/2006/main" xmlns:r="http://schemas.openxmlformats.org/officeDocument/2006/relationships" xmlns:p="http://schemas.openxmlformats.org/presentationml/2006/main">
   <p:cSld>
     <p:spTree>
@@ -20693,7 +20606,7 @@
 </p:sld>
 </file>
 
-<file path=ppt/slides/slide58.xml><?xml version="1.0" encoding="utf-8"?>
+<file path=ppt/slides/slide57.xml><?xml version="1.0" encoding="utf-8"?>
 <p:sld xmlns:a="http://schemas.openxmlformats.org/drawingml/2006/main" xmlns:r="http://schemas.openxmlformats.org/officeDocument/2006/relationships" xmlns:p="http://schemas.openxmlformats.org/presentationml/2006/main">
   <p:cSld>
     <p:spTree>
@@ -21382,6 +21295,328 @@
 </p:sld>
 </file>
 
+<file path=ppt/slides/slide58.xml><?xml version="1.0" encoding="utf-8"?>
+<p:sld xmlns:a="http://schemas.openxmlformats.org/drawingml/2006/main" xmlns:r="http://schemas.openxmlformats.org/officeDocument/2006/relationships" xmlns:p="http://schemas.openxmlformats.org/presentationml/2006/main">
+  <p:cSld>
+    <p:spTree>
+      <p:nvGrpSpPr>
+        <p:cNvPr id="1" name=""/>
+        <p:cNvGrpSpPr/>
+        <p:nvPr/>
+      </p:nvGrpSpPr>
+      <p:grpSpPr>
+        <a:xfrm>
+          <a:off x="0" y="0"/>
+          <a:ext cx="0" cy="0"/>
+          <a:chOff x="0" y="0"/>
+          <a:chExt cx="0" cy="0"/>
+        </a:xfrm>
+      </p:grpSpPr>
+      <p:sp>
+        <p:nvSpPr>
+          <p:cNvPr id="3" name="Content Placeholder 3"/>
+          <p:cNvSpPr txBox="1">
+            <a:spLocks/>
+          </p:cNvSpPr>
+          <p:nvPr/>
+        </p:nvSpPr>
+        <p:spPr>
+          <a:xfrm>
+            <a:off x="467544" y="1412776"/>
+            <a:ext cx="8424936" cy="2448272"/>
+          </a:xfrm>
+          <a:prstGeom prst="rect">
+            <a:avLst/>
+          </a:prstGeom>
+        </p:spPr>
+        <p:txBody>
+          <a:bodyPr tIns="0"/>
+          <a:lstStyle>
+            <a:lvl1pPr marL="274320" indent="-274320" algn="l" rtl="0" eaLnBrk="1" latinLnBrk="0" hangingPunct="1">
+              <a:spcBef>
+                <a:spcPct val="20000"/>
+              </a:spcBef>
+              <a:buClrTx/>
+              <a:buSzPct val="95000"/>
+              <a:buFont typeface="Wingdings" pitchFamily="2" charset="2"/>
+              <a:buChar char="v"/>
+              <a:defRPr kumimoji="0" sz="2800" kern="1200">
+                <a:solidFill>
+                  <a:schemeClr val="tx1"/>
+                </a:solidFill>
+                <a:latin typeface="+mn-lt"/>
+                <a:ea typeface="+mn-ea"/>
+                <a:cs typeface="+mn-cs"/>
+              </a:defRPr>
+            </a:lvl1pPr>
+            <a:lvl2pPr marL="640080" indent="-246888" algn="l" rtl="0" eaLnBrk="1" latinLnBrk="0" hangingPunct="1">
+              <a:spcBef>
+                <a:spcPct val="20000"/>
+              </a:spcBef>
+              <a:buClrTx/>
+              <a:buSzPct val="85000"/>
+              <a:buFont typeface="Courier New" pitchFamily="49" charset="0"/>
+              <a:buChar char="o"/>
+              <a:defRPr kumimoji="0" sz="2600" kern="1200">
+                <a:solidFill>
+                  <a:schemeClr val="tx1"/>
+                </a:solidFill>
+                <a:latin typeface="+mn-lt"/>
+                <a:ea typeface="+mn-ea"/>
+                <a:cs typeface="+mn-cs"/>
+              </a:defRPr>
+            </a:lvl2pPr>
+            <a:lvl3pPr marL="914400" indent="-246888" algn="l" rtl="0" eaLnBrk="1" latinLnBrk="0" hangingPunct="1">
+              <a:spcBef>
+                <a:spcPct val="20000"/>
+              </a:spcBef>
+              <a:buClrTx/>
+              <a:buSzPct val="70000"/>
+              <a:buFont typeface="Wingdings 2"/>
+              <a:buChar char=""/>
+              <a:defRPr kumimoji="0" sz="2400" kern="1200">
+                <a:solidFill>
+                  <a:schemeClr val="tx1"/>
+                </a:solidFill>
+                <a:latin typeface="+mn-lt"/>
+                <a:ea typeface="+mn-ea"/>
+                <a:cs typeface="+mn-cs"/>
+              </a:defRPr>
+            </a:lvl3pPr>
+            <a:lvl4pPr marL="1188720" indent="-210312" algn="l" rtl="0" eaLnBrk="1" latinLnBrk="0" hangingPunct="1">
+              <a:spcBef>
+                <a:spcPct val="20000"/>
+              </a:spcBef>
+              <a:buClrTx/>
+              <a:buSzPct val="65000"/>
+              <a:buFont typeface="Wingdings 2"/>
+              <a:buChar char=""/>
+              <a:defRPr kumimoji="0" sz="2000" kern="1200">
+                <a:solidFill>
+                  <a:schemeClr val="tx1"/>
+                </a:solidFill>
+                <a:latin typeface="+mn-lt"/>
+                <a:ea typeface="+mn-ea"/>
+                <a:cs typeface="+mn-cs"/>
+              </a:defRPr>
+            </a:lvl4pPr>
+            <a:lvl5pPr marL="1463040" indent="-210312" algn="l" rtl="0" eaLnBrk="1" latinLnBrk="0" hangingPunct="1">
+              <a:spcBef>
+                <a:spcPct val="20000"/>
+              </a:spcBef>
+              <a:buClrTx/>
+              <a:buSzPct val="65000"/>
+              <a:buFont typeface="Wingdings 2"/>
+              <a:buChar char=""/>
+              <a:defRPr kumimoji="0" sz="1800" kern="1200">
+                <a:solidFill>
+                  <a:schemeClr val="tx1"/>
+                </a:solidFill>
+                <a:latin typeface="+mn-lt"/>
+                <a:ea typeface="+mn-ea"/>
+                <a:cs typeface="+mn-cs"/>
+              </a:defRPr>
+            </a:lvl5pPr>
+            <a:lvl6pPr marL="1737360" indent="-210312" algn="l" rtl="0" eaLnBrk="1" latinLnBrk="0" hangingPunct="1">
+              <a:spcBef>
+                <a:spcPct val="20000"/>
+              </a:spcBef>
+              <a:buClr>
+                <a:schemeClr val="accent5"/>
+              </a:buClr>
+              <a:buSzPct val="80000"/>
+              <a:buFont typeface="Wingdings 2"/>
+              <a:buChar char=""/>
+              <a:defRPr kumimoji="0" sz="1800" kern="1200">
+                <a:solidFill>
+                  <a:schemeClr val="tx1"/>
+                </a:solidFill>
+                <a:latin typeface="+mn-lt"/>
+                <a:ea typeface="+mn-ea"/>
+                <a:cs typeface="+mn-cs"/>
+              </a:defRPr>
+            </a:lvl6pPr>
+            <a:lvl7pPr marL="1920240" indent="-182880" algn="l" rtl="0" eaLnBrk="1" latinLnBrk="0" hangingPunct="1">
+              <a:spcBef>
+                <a:spcPct val="20000"/>
+              </a:spcBef>
+              <a:buClr>
+                <a:schemeClr val="accent6"/>
+              </a:buClr>
+              <a:buSzPct val="80000"/>
+              <a:buFont typeface="Wingdings 2"/>
+              <a:buChar char=""/>
+              <a:defRPr kumimoji="0" sz="1600" kern="1200" baseline="0">
+                <a:solidFill>
+                  <a:schemeClr val="tx1"/>
+                </a:solidFill>
+                <a:latin typeface="+mn-lt"/>
+                <a:ea typeface="+mn-ea"/>
+                <a:cs typeface="+mn-cs"/>
+              </a:defRPr>
+            </a:lvl7pPr>
+            <a:lvl8pPr marL="2194560" indent="-182880" algn="l" rtl="0" eaLnBrk="1" latinLnBrk="0" hangingPunct="1">
+              <a:spcBef>
+                <a:spcPct val="20000"/>
+              </a:spcBef>
+              <a:buClr>
+                <a:schemeClr val="tx2"/>
+              </a:buClr>
+              <a:buChar char="•"/>
+              <a:defRPr kumimoji="0" sz="1600" kern="1200">
+                <a:solidFill>
+                  <a:schemeClr val="tx1"/>
+                </a:solidFill>
+                <a:latin typeface="+mn-lt"/>
+                <a:ea typeface="+mn-ea"/>
+                <a:cs typeface="+mn-cs"/>
+              </a:defRPr>
+            </a:lvl8pPr>
+            <a:lvl9pPr marL="2468880" indent="-182880" algn="l" rtl="0" eaLnBrk="1" latinLnBrk="0" hangingPunct="1">
+              <a:spcBef>
+                <a:spcPct val="20000"/>
+              </a:spcBef>
+              <a:buClr>
+                <a:schemeClr val="tx2"/>
+              </a:buClr>
+              <a:buFontTx/>
+              <a:buChar char="•"/>
+              <a:defRPr kumimoji="0" sz="1400" kern="1200" baseline="0">
+                <a:solidFill>
+                  <a:schemeClr val="tx1"/>
+                </a:solidFill>
+                <a:latin typeface="+mn-lt"/>
+                <a:ea typeface="+mn-ea"/>
+                <a:cs typeface="+mn-cs"/>
+              </a:defRPr>
+            </a:lvl9pPr>
+          </a:lstStyle>
+          <a:p>
+            <a:pPr marL="0" indent="0"/>
+            <a:r>
+              <a:rPr lang="it-IT" dirty="0" smtClean="0"/>
+              <a:t> Visto il poco tempo a disposizione, ed essendo forniti soltanto di una versione imparziale del sistema, non è stato possibile individuare test case basandosi esclusivamente sul </a:t>
+            </a:r>
+            <a:r>
+              <a:rPr lang="it-IT" dirty="0" err="1" smtClean="0"/>
+              <a:t>Weak</a:t>
+            </a:r>
+            <a:r>
+              <a:rPr lang="it-IT" dirty="0" smtClean="0"/>
+              <a:t> </a:t>
+            </a:r>
+            <a:r>
+              <a:rPr lang="it-IT" dirty="0" err="1" smtClean="0"/>
+              <a:t>Equivalance</a:t>
+            </a:r>
+            <a:r>
+              <a:rPr lang="it-IT" dirty="0" smtClean="0"/>
+              <a:t> </a:t>
+            </a:r>
+            <a:r>
+              <a:rPr lang="it-IT" dirty="0" err="1" smtClean="0"/>
+              <a:t>Class</a:t>
+            </a:r>
+            <a:r>
+              <a:rPr lang="it-IT" dirty="0" smtClean="0"/>
+              <a:t> </a:t>
+            </a:r>
+            <a:r>
+              <a:rPr lang="it-IT" dirty="0" err="1" smtClean="0"/>
+              <a:t>Testing</a:t>
+            </a:r>
+            <a:r>
+              <a:rPr lang="it-IT" dirty="0" smtClean="0"/>
+              <a:t> con </a:t>
+            </a:r>
+            <a:r>
+              <a:rPr lang="it-IT" dirty="0" err="1" smtClean="0"/>
+              <a:t>Boundary</a:t>
+            </a:r>
+            <a:r>
+              <a:rPr lang="it-IT" dirty="0" smtClean="0"/>
+              <a:t> </a:t>
+            </a:r>
+            <a:r>
+              <a:rPr lang="it-IT" dirty="0" err="1" smtClean="0"/>
+              <a:t>condition</a:t>
+            </a:r>
+            <a:r>
+              <a:rPr lang="it-IT" dirty="0" smtClean="0"/>
+              <a:t>, come previsto dal Test </a:t>
+            </a:r>
+            <a:r>
+              <a:rPr lang="it-IT" dirty="0" err="1" smtClean="0"/>
+              <a:t>Plan</a:t>
+            </a:r>
+            <a:r>
+              <a:rPr lang="it-IT" dirty="0" smtClean="0"/>
+              <a:t>.</a:t>
+            </a:r>
+          </a:p>
+          <a:p>
+            <a:pPr marL="0" indent="0">
+              <a:buNone/>
+            </a:pPr>
+            <a:endParaRPr lang="it-IT" dirty="0" smtClean="0"/>
+          </a:p>
+          <a:p>
+            <a:pPr marL="0" indent="0"/>
+            <a:r>
+              <a:rPr lang="it-IT" dirty="0" smtClean="0"/>
+              <a:t>Per ogni </a:t>
+            </a:r>
+            <a:r>
+              <a:rPr lang="it-IT" dirty="0" err="1" smtClean="0"/>
+              <a:t>use</a:t>
+            </a:r>
+            <a:r>
+              <a:rPr lang="it-IT" dirty="0" smtClean="0"/>
+              <a:t> case ad alta priorità sono stati realizzati diversi test </a:t>
+            </a:r>
+            <a:r>
+              <a:rPr lang="it-IT" dirty="0" err="1" smtClean="0"/>
+              <a:t>cases</a:t>
+            </a:r>
+            <a:r>
+              <a:rPr lang="it-IT" dirty="0" smtClean="0"/>
+              <a:t>, basandosi su un </a:t>
+            </a:r>
+            <a:r>
+              <a:rPr lang="it-IT" dirty="0" err="1" smtClean="0"/>
+              <a:t>Boundary</a:t>
+            </a:r>
+            <a:r>
+              <a:rPr lang="it-IT" dirty="0" smtClean="0"/>
+              <a:t> </a:t>
+            </a:r>
+            <a:r>
+              <a:rPr lang="it-IT" dirty="0" err="1" smtClean="0"/>
+              <a:t>Testing</a:t>
+            </a:r>
+            <a:r>
+              <a:rPr lang="it-IT" dirty="0" smtClean="0"/>
+              <a:t> per individuare input errati.</a:t>
+            </a:r>
+            <a:endParaRPr lang="it-IT" dirty="0"/>
+          </a:p>
+        </p:txBody>
+      </p:sp>
+    </p:spTree>
+  </p:cSld>
+  <p:clrMapOvr>
+    <a:masterClrMapping/>
+  </p:clrMapOvr>
+  <p:timing>
+    <p:tnLst>
+      <p:par>
+        <p:cTn id="1" dur="indefinite" restart="never" nodeType="tmRoot"/>
+      </p:par>
+    </p:tnLst>
+  </p:timing>
+</p:sld>
+</file>
+
 <file path=ppt/slides/slide59.xml><?xml version="1.0" encoding="utf-8"?>
 <p:sld xmlns:a="http://schemas.openxmlformats.org/drawingml/2006/main" xmlns:r="http://schemas.openxmlformats.org/officeDocument/2006/relationships" xmlns:p="http://schemas.openxmlformats.org/presentationml/2006/main">
   <p:cSld>
@@ -21401,291 +21636,30 @@
       </p:grpSpPr>
       <p:sp>
         <p:nvSpPr>
-          <p:cNvPr id="3" name="Content Placeholder 3"/>
-          <p:cNvSpPr txBox="1">
-            <a:spLocks/>
-          </p:cNvSpPr>
+          <p:cNvPr id="3" name="Rettangolo 2"/>
+          <p:cNvSpPr/>
           <p:nvPr/>
         </p:nvSpPr>
         <p:spPr>
           <a:xfrm>
-            <a:off x="467544" y="1412776"/>
-            <a:ext cx="8424936" cy="2448272"/>
+            <a:off x="539552" y="908720"/>
+            <a:ext cx="6428226" cy="523220"/>
           </a:xfrm>
           <a:prstGeom prst="rect">
             <a:avLst/>
           </a:prstGeom>
         </p:spPr>
         <p:txBody>
-          <a:bodyPr tIns="0"/>
-          <a:lstStyle>
-            <a:lvl1pPr marL="274320" indent="-274320" algn="l" rtl="0" eaLnBrk="1" latinLnBrk="0" hangingPunct="1">
-              <a:spcBef>
-                <a:spcPct val="20000"/>
-              </a:spcBef>
-              <a:buClrTx/>
-              <a:buSzPct val="95000"/>
-              <a:buFont typeface="Wingdings" pitchFamily="2" charset="2"/>
-              <a:buChar char="v"/>
-              <a:defRPr kumimoji="0" sz="2800" kern="1200">
-                <a:solidFill>
-                  <a:schemeClr val="tx1"/>
-                </a:solidFill>
-                <a:latin typeface="+mn-lt"/>
-                <a:ea typeface="+mn-ea"/>
-                <a:cs typeface="+mn-cs"/>
-              </a:defRPr>
-            </a:lvl1pPr>
-            <a:lvl2pPr marL="640080" indent="-246888" algn="l" rtl="0" eaLnBrk="1" latinLnBrk="0" hangingPunct="1">
-              <a:spcBef>
-                <a:spcPct val="20000"/>
-              </a:spcBef>
-              <a:buClrTx/>
-              <a:buSzPct val="85000"/>
-              <a:buFont typeface="Courier New" pitchFamily="49" charset="0"/>
-              <a:buChar char="o"/>
-              <a:defRPr kumimoji="0" sz="2600" kern="1200">
-                <a:solidFill>
-                  <a:schemeClr val="tx1"/>
-                </a:solidFill>
-                <a:latin typeface="+mn-lt"/>
-                <a:ea typeface="+mn-ea"/>
-                <a:cs typeface="+mn-cs"/>
-              </a:defRPr>
-            </a:lvl2pPr>
-            <a:lvl3pPr marL="914400" indent="-246888" algn="l" rtl="0" eaLnBrk="1" latinLnBrk="0" hangingPunct="1">
-              <a:spcBef>
-                <a:spcPct val="20000"/>
-              </a:spcBef>
-              <a:buClrTx/>
-              <a:buSzPct val="70000"/>
-              <a:buFont typeface="Wingdings 2"/>
-              <a:buChar char=""/>
-              <a:defRPr kumimoji="0" sz="2400" kern="1200">
-                <a:solidFill>
-                  <a:schemeClr val="tx1"/>
-                </a:solidFill>
-                <a:latin typeface="+mn-lt"/>
-                <a:ea typeface="+mn-ea"/>
-                <a:cs typeface="+mn-cs"/>
-              </a:defRPr>
-            </a:lvl3pPr>
-            <a:lvl4pPr marL="1188720" indent="-210312" algn="l" rtl="0" eaLnBrk="1" latinLnBrk="0" hangingPunct="1">
-              <a:spcBef>
-                <a:spcPct val="20000"/>
-              </a:spcBef>
-              <a:buClrTx/>
-              <a:buSzPct val="65000"/>
-              <a:buFont typeface="Wingdings 2"/>
-              <a:buChar char=""/>
-              <a:defRPr kumimoji="0" sz="2000" kern="1200">
-                <a:solidFill>
-                  <a:schemeClr val="tx1"/>
-                </a:solidFill>
-                <a:latin typeface="+mn-lt"/>
-                <a:ea typeface="+mn-ea"/>
-                <a:cs typeface="+mn-cs"/>
-              </a:defRPr>
-            </a:lvl4pPr>
-            <a:lvl5pPr marL="1463040" indent="-210312" algn="l" rtl="0" eaLnBrk="1" latinLnBrk="0" hangingPunct="1">
-              <a:spcBef>
-                <a:spcPct val="20000"/>
-              </a:spcBef>
-              <a:buClrTx/>
-              <a:buSzPct val="65000"/>
-              <a:buFont typeface="Wingdings 2"/>
-              <a:buChar char=""/>
-              <a:defRPr kumimoji="0" sz="1800" kern="1200">
-                <a:solidFill>
-                  <a:schemeClr val="tx1"/>
-                </a:solidFill>
-                <a:latin typeface="+mn-lt"/>
-                <a:ea typeface="+mn-ea"/>
-                <a:cs typeface="+mn-cs"/>
-              </a:defRPr>
-            </a:lvl5pPr>
-            <a:lvl6pPr marL="1737360" indent="-210312" algn="l" rtl="0" eaLnBrk="1" latinLnBrk="0" hangingPunct="1">
-              <a:spcBef>
-                <a:spcPct val="20000"/>
-              </a:spcBef>
-              <a:buClr>
-                <a:schemeClr val="accent5"/>
-              </a:buClr>
-              <a:buSzPct val="80000"/>
-              <a:buFont typeface="Wingdings 2"/>
-              <a:buChar char=""/>
-              <a:defRPr kumimoji="0" sz="1800" kern="1200">
-                <a:solidFill>
-                  <a:schemeClr val="tx1"/>
-                </a:solidFill>
-                <a:latin typeface="+mn-lt"/>
-                <a:ea typeface="+mn-ea"/>
-                <a:cs typeface="+mn-cs"/>
-              </a:defRPr>
-            </a:lvl6pPr>
-            <a:lvl7pPr marL="1920240" indent="-182880" algn="l" rtl="0" eaLnBrk="1" latinLnBrk="0" hangingPunct="1">
-              <a:spcBef>
-                <a:spcPct val="20000"/>
-              </a:spcBef>
-              <a:buClr>
-                <a:schemeClr val="accent6"/>
-              </a:buClr>
-              <a:buSzPct val="80000"/>
-              <a:buFont typeface="Wingdings 2"/>
-              <a:buChar char=""/>
-              <a:defRPr kumimoji="0" sz="1600" kern="1200" baseline="0">
-                <a:solidFill>
-                  <a:schemeClr val="tx1"/>
-                </a:solidFill>
-                <a:latin typeface="+mn-lt"/>
-                <a:ea typeface="+mn-ea"/>
-                <a:cs typeface="+mn-cs"/>
-              </a:defRPr>
-            </a:lvl7pPr>
-            <a:lvl8pPr marL="2194560" indent="-182880" algn="l" rtl="0" eaLnBrk="1" latinLnBrk="0" hangingPunct="1">
-              <a:spcBef>
-                <a:spcPct val="20000"/>
-              </a:spcBef>
-              <a:buClr>
-                <a:schemeClr val="tx2"/>
-              </a:buClr>
-              <a:buChar char="•"/>
-              <a:defRPr kumimoji="0" sz="1600" kern="1200">
-                <a:solidFill>
-                  <a:schemeClr val="tx1"/>
-                </a:solidFill>
-                <a:latin typeface="+mn-lt"/>
-                <a:ea typeface="+mn-ea"/>
-                <a:cs typeface="+mn-cs"/>
-              </a:defRPr>
-            </a:lvl8pPr>
-            <a:lvl9pPr marL="2468880" indent="-182880" algn="l" rtl="0" eaLnBrk="1" latinLnBrk="0" hangingPunct="1">
-              <a:spcBef>
-                <a:spcPct val="20000"/>
-              </a:spcBef>
-              <a:buClr>
-                <a:schemeClr val="tx2"/>
-              </a:buClr>
-              <a:buFontTx/>
-              <a:buChar char="•"/>
-              <a:defRPr kumimoji="0" sz="1400" kern="1200" baseline="0">
-                <a:solidFill>
-                  <a:schemeClr val="tx1"/>
-                </a:solidFill>
-                <a:latin typeface="+mn-lt"/>
-                <a:ea typeface="+mn-ea"/>
-                <a:cs typeface="+mn-cs"/>
-              </a:defRPr>
-            </a:lvl9pPr>
-          </a:lstStyle>
-          <a:p>
-            <a:pPr marL="0" indent="0"/>
-            <a:r>
-              <a:rPr lang="it-IT" dirty="0" smtClean="0"/>
-              <a:t> Visto il poco tempo a disposizione, ed essendo forniti soltanto di una versione imparziale del sistema, non è stato possibile individuare test case basandosi esclusivamente sul </a:t>
-            </a:r>
-            <a:r>
-              <a:rPr lang="it-IT" dirty="0" err="1" smtClean="0"/>
-              <a:t>Weak</a:t>
-            </a:r>
-            <a:r>
-              <a:rPr lang="it-IT" dirty="0" smtClean="0"/>
-              <a:t> </a:t>
-            </a:r>
-            <a:r>
-              <a:rPr lang="it-IT" dirty="0" err="1" smtClean="0"/>
-              <a:t>Equivalance</a:t>
-            </a:r>
-            <a:r>
-              <a:rPr lang="it-IT" dirty="0" smtClean="0"/>
-              <a:t> </a:t>
-            </a:r>
-            <a:r>
-              <a:rPr lang="it-IT" dirty="0" err="1" smtClean="0"/>
-              <a:t>Class</a:t>
-            </a:r>
-            <a:r>
-              <a:rPr lang="it-IT" dirty="0" smtClean="0"/>
-              <a:t> </a:t>
-            </a:r>
-            <a:r>
-              <a:rPr lang="it-IT" dirty="0" err="1" smtClean="0"/>
-              <a:t>Testing</a:t>
-            </a:r>
-            <a:r>
-              <a:rPr lang="it-IT" dirty="0" smtClean="0"/>
-              <a:t> con </a:t>
-            </a:r>
-            <a:r>
-              <a:rPr lang="it-IT" dirty="0" err="1" smtClean="0"/>
-              <a:t>Boundary</a:t>
-            </a:r>
-            <a:r>
-              <a:rPr lang="it-IT" dirty="0" smtClean="0"/>
-              <a:t> </a:t>
-            </a:r>
-            <a:r>
-              <a:rPr lang="it-IT" dirty="0" err="1" smtClean="0"/>
-              <a:t>condition</a:t>
-            </a:r>
-            <a:r>
-              <a:rPr lang="it-IT" dirty="0" smtClean="0"/>
-              <a:t>, come previsto dal Test </a:t>
-            </a:r>
-            <a:r>
-              <a:rPr lang="it-IT" dirty="0" err="1" smtClean="0"/>
-              <a:t>Plan</a:t>
-            </a:r>
-            <a:r>
-              <a:rPr lang="it-IT" dirty="0" smtClean="0"/>
-              <a:t>.</a:t>
-            </a:r>
-          </a:p>
-          <a:p>
-            <a:pPr marL="0" indent="0">
-              <a:buNone/>
-            </a:pPr>
-            <a:endParaRPr lang="it-IT" dirty="0" smtClean="0"/>
-          </a:p>
-          <a:p>
-            <a:pPr marL="0" indent="0"/>
-            <a:r>
-              <a:rPr lang="it-IT" dirty="0" smtClean="0"/>
-              <a:t>Per ogni </a:t>
-            </a:r>
-            <a:r>
-              <a:rPr lang="it-IT" dirty="0" err="1" smtClean="0"/>
-              <a:t>use</a:t>
-            </a:r>
-            <a:r>
-              <a:rPr lang="it-IT" dirty="0" smtClean="0"/>
-              <a:t> case ad alta priorità sono stati realizzati diversi test </a:t>
-            </a:r>
-            <a:r>
-              <a:rPr lang="it-IT" dirty="0" err="1" smtClean="0"/>
-              <a:t>cases</a:t>
-            </a:r>
-            <a:r>
-              <a:rPr lang="it-IT" dirty="0" smtClean="0"/>
-              <a:t>, basandosi su un </a:t>
-            </a:r>
-            <a:r>
-              <a:rPr lang="it-IT" dirty="0" err="1" smtClean="0"/>
-              <a:t>Boundary</a:t>
-            </a:r>
-            <a:r>
-              <a:rPr lang="it-IT" dirty="0" smtClean="0"/>
-              <a:t> </a:t>
-            </a:r>
-            <a:r>
-              <a:rPr lang="it-IT" dirty="0" err="1" smtClean="0"/>
-              <a:t>Testing</a:t>
-            </a:r>
-            <a:r>
-              <a:rPr lang="it-IT" dirty="0" smtClean="0"/>
-              <a:t> per individuare input errati.</a:t>
-            </a:r>
-            <a:endParaRPr lang="it-IT" dirty="0"/>
+          <a:bodyPr wrap="square">
+            <a:spAutoFit/>
+          </a:bodyPr>
+          <a:lstStyle/>
+          <a:p>
+            <a:pPr algn="ctr"/>
+            <a:r>
+              <a:rPr lang="it-IT" sz="2800" b="1" dirty="0" smtClean="0"/>
+              <a:t>Esempio di Test Case</a:t>
+            </a:r>
           </a:p>
         </p:txBody>
       </p:sp>
@@ -21827,13 +21801,13 @@
       </p:grpSpPr>
       <p:sp>
         <p:nvSpPr>
-          <p:cNvPr id="3" name="Rettangolo 2"/>
+          <p:cNvPr id="2" name="Rettangolo 1"/>
           <p:cNvSpPr/>
           <p:nvPr/>
         </p:nvSpPr>
         <p:spPr>
           <a:xfrm>
-            <a:off x="539552" y="908720"/>
+            <a:off x="539552" y="745540"/>
             <a:ext cx="6428226" cy="523220"/>
           </a:xfrm>
           <a:prstGeom prst="rect">
@@ -21849,7 +21823,243 @@
             <a:pPr algn="ctr"/>
             <a:r>
               <a:rPr lang="it-IT" sz="2800" b="1" dirty="0" smtClean="0"/>
-              <a:t>Esempio di Test Case</a:t>
+              <a:t>Problemi riscontrati durante il </a:t>
+            </a:r>
+            <a:r>
+              <a:rPr lang="it-IT" sz="2800" b="1" dirty="0" err="1" smtClean="0"/>
+              <a:t>testing</a:t>
+            </a:r>
+            <a:endParaRPr lang="it-IT" sz="2800" b="1" dirty="0" smtClean="0"/>
+          </a:p>
+        </p:txBody>
+      </p:sp>
+      <p:sp>
+        <p:nvSpPr>
+          <p:cNvPr id="3" name="Content Placeholder 3"/>
+          <p:cNvSpPr txBox="1">
+            <a:spLocks/>
+          </p:cNvSpPr>
+          <p:nvPr/>
+        </p:nvSpPr>
+        <p:spPr>
+          <a:xfrm>
+            <a:off x="323528" y="1700808"/>
+            <a:ext cx="8424936" cy="4536504"/>
+          </a:xfrm>
+          <a:prstGeom prst="rect">
+            <a:avLst/>
+          </a:prstGeom>
+        </p:spPr>
+        <p:txBody>
+          <a:bodyPr tIns="0"/>
+          <a:lstStyle>
+            <a:lvl1pPr marL="274320" indent="-274320" algn="l" rtl="0" eaLnBrk="1" latinLnBrk="0" hangingPunct="1">
+              <a:spcBef>
+                <a:spcPct val="20000"/>
+              </a:spcBef>
+              <a:buClrTx/>
+              <a:buSzPct val="95000"/>
+              <a:buFont typeface="Wingdings" pitchFamily="2" charset="2"/>
+              <a:buChar char="v"/>
+              <a:defRPr kumimoji="0" sz="2800" kern="1200">
+                <a:solidFill>
+                  <a:schemeClr val="tx1"/>
+                </a:solidFill>
+                <a:latin typeface="+mn-lt"/>
+                <a:ea typeface="+mn-ea"/>
+                <a:cs typeface="+mn-cs"/>
+              </a:defRPr>
+            </a:lvl1pPr>
+            <a:lvl2pPr marL="640080" indent="-246888" algn="l" rtl="0" eaLnBrk="1" latinLnBrk="0" hangingPunct="1">
+              <a:spcBef>
+                <a:spcPct val="20000"/>
+              </a:spcBef>
+              <a:buClrTx/>
+              <a:buSzPct val="85000"/>
+              <a:buFont typeface="Courier New" pitchFamily="49" charset="0"/>
+              <a:buChar char="o"/>
+              <a:defRPr kumimoji="0" sz="2600" kern="1200">
+                <a:solidFill>
+                  <a:schemeClr val="tx1"/>
+                </a:solidFill>
+                <a:latin typeface="+mn-lt"/>
+                <a:ea typeface="+mn-ea"/>
+                <a:cs typeface="+mn-cs"/>
+              </a:defRPr>
+            </a:lvl2pPr>
+            <a:lvl3pPr marL="914400" indent="-246888" algn="l" rtl="0" eaLnBrk="1" latinLnBrk="0" hangingPunct="1">
+              <a:spcBef>
+                <a:spcPct val="20000"/>
+              </a:spcBef>
+              <a:buClrTx/>
+              <a:buSzPct val="70000"/>
+              <a:buFont typeface="Wingdings 2"/>
+              <a:buChar char=""/>
+              <a:defRPr kumimoji="0" sz="2400" kern="1200">
+                <a:solidFill>
+                  <a:schemeClr val="tx1"/>
+                </a:solidFill>
+                <a:latin typeface="+mn-lt"/>
+                <a:ea typeface="+mn-ea"/>
+                <a:cs typeface="+mn-cs"/>
+              </a:defRPr>
+            </a:lvl3pPr>
+            <a:lvl4pPr marL="1188720" indent="-210312" algn="l" rtl="0" eaLnBrk="1" latinLnBrk="0" hangingPunct="1">
+              <a:spcBef>
+                <a:spcPct val="20000"/>
+              </a:spcBef>
+              <a:buClrTx/>
+              <a:buSzPct val="65000"/>
+              <a:buFont typeface="Wingdings 2"/>
+              <a:buChar char=""/>
+              <a:defRPr kumimoji="0" sz="2000" kern="1200">
+                <a:solidFill>
+                  <a:schemeClr val="tx1"/>
+                </a:solidFill>
+                <a:latin typeface="+mn-lt"/>
+                <a:ea typeface="+mn-ea"/>
+                <a:cs typeface="+mn-cs"/>
+              </a:defRPr>
+            </a:lvl4pPr>
+            <a:lvl5pPr marL="1463040" indent="-210312" algn="l" rtl="0" eaLnBrk="1" latinLnBrk="0" hangingPunct="1">
+              <a:spcBef>
+                <a:spcPct val="20000"/>
+              </a:spcBef>
+              <a:buClrTx/>
+              <a:buSzPct val="65000"/>
+              <a:buFont typeface="Wingdings 2"/>
+              <a:buChar char=""/>
+              <a:defRPr kumimoji="0" sz="1800" kern="1200">
+                <a:solidFill>
+                  <a:schemeClr val="tx1"/>
+                </a:solidFill>
+                <a:latin typeface="+mn-lt"/>
+                <a:ea typeface="+mn-ea"/>
+                <a:cs typeface="+mn-cs"/>
+              </a:defRPr>
+            </a:lvl5pPr>
+            <a:lvl6pPr marL="1737360" indent="-210312" algn="l" rtl="0" eaLnBrk="1" latinLnBrk="0" hangingPunct="1">
+              <a:spcBef>
+                <a:spcPct val="20000"/>
+              </a:spcBef>
+              <a:buClr>
+                <a:schemeClr val="accent5"/>
+              </a:buClr>
+              <a:buSzPct val="80000"/>
+              <a:buFont typeface="Wingdings 2"/>
+              <a:buChar char=""/>
+              <a:defRPr kumimoji="0" sz="1800" kern="1200">
+                <a:solidFill>
+                  <a:schemeClr val="tx1"/>
+                </a:solidFill>
+                <a:latin typeface="+mn-lt"/>
+                <a:ea typeface="+mn-ea"/>
+                <a:cs typeface="+mn-cs"/>
+              </a:defRPr>
+            </a:lvl6pPr>
+            <a:lvl7pPr marL="1920240" indent="-182880" algn="l" rtl="0" eaLnBrk="1" latinLnBrk="0" hangingPunct="1">
+              <a:spcBef>
+                <a:spcPct val="20000"/>
+              </a:spcBef>
+              <a:buClr>
+                <a:schemeClr val="accent6"/>
+              </a:buClr>
+              <a:buSzPct val="80000"/>
+              <a:buFont typeface="Wingdings 2"/>
+              <a:buChar char=""/>
+              <a:defRPr kumimoji="0" sz="1600" kern="1200" baseline="0">
+                <a:solidFill>
+                  <a:schemeClr val="tx1"/>
+                </a:solidFill>
+                <a:latin typeface="+mn-lt"/>
+                <a:ea typeface="+mn-ea"/>
+                <a:cs typeface="+mn-cs"/>
+              </a:defRPr>
+            </a:lvl7pPr>
+            <a:lvl8pPr marL="2194560" indent="-182880" algn="l" rtl="0" eaLnBrk="1" latinLnBrk="0" hangingPunct="1">
+              <a:spcBef>
+                <a:spcPct val="20000"/>
+              </a:spcBef>
+              <a:buClr>
+                <a:schemeClr val="tx2"/>
+              </a:buClr>
+              <a:buChar char="•"/>
+              <a:defRPr kumimoji="0" sz="1600" kern="1200">
+                <a:solidFill>
+                  <a:schemeClr val="tx1"/>
+                </a:solidFill>
+                <a:latin typeface="+mn-lt"/>
+                <a:ea typeface="+mn-ea"/>
+                <a:cs typeface="+mn-cs"/>
+              </a:defRPr>
+            </a:lvl8pPr>
+            <a:lvl9pPr marL="2468880" indent="-182880" algn="l" rtl="0" eaLnBrk="1" latinLnBrk="0" hangingPunct="1">
+              <a:spcBef>
+                <a:spcPct val="20000"/>
+              </a:spcBef>
+              <a:buClr>
+                <a:schemeClr val="tx2"/>
+              </a:buClr>
+              <a:buFontTx/>
+              <a:buChar char="•"/>
+              <a:defRPr kumimoji="0" sz="1400" kern="1200" baseline="0">
+                <a:solidFill>
+                  <a:schemeClr val="tx1"/>
+                </a:solidFill>
+                <a:latin typeface="+mn-lt"/>
+                <a:ea typeface="+mn-ea"/>
+                <a:cs typeface="+mn-cs"/>
+              </a:defRPr>
+            </a:lvl9pPr>
+          </a:lstStyle>
+          <a:p>
+            <a:pPr marL="0" indent="0"/>
+            <a:r>
+              <a:rPr lang="it-IT" dirty="0" smtClean="0"/>
+              <a:t> Diverse incongruenze tra documentazione fornita e sistema implementato hanno reso difficile:</a:t>
+            </a:r>
+          </a:p>
+          <a:p>
+            <a:pPr marL="365760" lvl="1" indent="0"/>
+            <a:r>
+              <a:rPr lang="it-IT" dirty="0" smtClean="0"/>
+              <a:t> l’organizzazione della fase di </a:t>
+            </a:r>
+            <a:r>
+              <a:rPr lang="it-IT" dirty="0" err="1" smtClean="0"/>
+              <a:t>testing</a:t>
+            </a:r>
+            <a:r>
+              <a:rPr lang="it-IT" dirty="0" smtClean="0"/>
+              <a:t>, poiché spesso impossibilitati nel seguire la tracciabilità specificata;</a:t>
+            </a:r>
+          </a:p>
+          <a:p>
+            <a:pPr marL="365760" lvl="1" indent="0"/>
+            <a:r>
+              <a:rPr lang="it-IT" dirty="0" smtClean="0"/>
+              <a:t> la comprensione della documentazione e del  funzionamento del sistema stesso;	</a:t>
+            </a:r>
+          </a:p>
+          <a:p>
+            <a:pPr marL="365760" lvl="1" indent="0">
+              <a:buNone/>
+            </a:pPr>
+            <a:endParaRPr lang="it-IT" sz="1500" dirty="0" smtClean="0"/>
+          </a:p>
+          <a:p>
+            <a:pPr marL="0" indent="0"/>
+            <a:r>
+              <a:rPr lang="it-IT" dirty="0" smtClean="0"/>
+              <a:t> Numerosi test </a:t>
+            </a:r>
+            <a:r>
+              <a:rPr lang="it-IT" dirty="0" err="1" smtClean="0"/>
+              <a:t>cases</a:t>
+            </a:r>
+            <a:r>
+              <a:rPr lang="it-IT" dirty="0" smtClean="0"/>
+              <a:t> specificati sono diventati inutili, in quanto funzionalità non implementate o non coerenti con la documentazione			</a:t>
             </a:r>
           </a:p>
         </p:txBody>
@@ -21870,303 +22080,6 @@
 </file>
 
 <file path=ppt/slides/slide61.xml><?xml version="1.0" encoding="utf-8"?>
-<p:sld xmlns:a="http://schemas.openxmlformats.org/drawingml/2006/main" xmlns:r="http://schemas.openxmlformats.org/officeDocument/2006/relationships" xmlns:p="http://schemas.openxmlformats.org/presentationml/2006/main">
-  <p:cSld>
-    <p:spTree>
-      <p:nvGrpSpPr>
-        <p:cNvPr id="1" name=""/>
-        <p:cNvGrpSpPr/>
-        <p:nvPr/>
-      </p:nvGrpSpPr>
-      <p:grpSpPr>
-        <a:xfrm>
-          <a:off x="0" y="0"/>
-          <a:ext cx="0" cy="0"/>
-          <a:chOff x="0" y="0"/>
-          <a:chExt cx="0" cy="0"/>
-        </a:xfrm>
-      </p:grpSpPr>
-      <p:sp>
-        <p:nvSpPr>
-          <p:cNvPr id="2" name="Rettangolo 1"/>
-          <p:cNvSpPr/>
-          <p:nvPr/>
-        </p:nvSpPr>
-        <p:spPr>
-          <a:xfrm>
-            <a:off x="539552" y="745540"/>
-            <a:ext cx="6428226" cy="523220"/>
-          </a:xfrm>
-          <a:prstGeom prst="rect">
-            <a:avLst/>
-          </a:prstGeom>
-        </p:spPr>
-        <p:txBody>
-          <a:bodyPr wrap="square">
-            <a:spAutoFit/>
-          </a:bodyPr>
-          <a:lstStyle/>
-          <a:p>
-            <a:pPr algn="ctr"/>
-            <a:r>
-              <a:rPr lang="it-IT" sz="2800" b="1" dirty="0" smtClean="0"/>
-              <a:t>Problemi riscontrati durante il </a:t>
-            </a:r>
-            <a:r>
-              <a:rPr lang="it-IT" sz="2800" b="1" dirty="0" err="1" smtClean="0"/>
-              <a:t>testing</a:t>
-            </a:r>
-            <a:endParaRPr lang="it-IT" sz="2800" b="1" dirty="0" smtClean="0"/>
-          </a:p>
-        </p:txBody>
-      </p:sp>
-      <p:sp>
-        <p:nvSpPr>
-          <p:cNvPr id="3" name="Content Placeholder 3"/>
-          <p:cNvSpPr txBox="1">
-            <a:spLocks/>
-          </p:cNvSpPr>
-          <p:nvPr/>
-        </p:nvSpPr>
-        <p:spPr>
-          <a:xfrm>
-            <a:off x="323528" y="1700808"/>
-            <a:ext cx="8424936" cy="4536504"/>
-          </a:xfrm>
-          <a:prstGeom prst="rect">
-            <a:avLst/>
-          </a:prstGeom>
-        </p:spPr>
-        <p:txBody>
-          <a:bodyPr tIns="0"/>
-          <a:lstStyle>
-            <a:lvl1pPr marL="274320" indent="-274320" algn="l" rtl="0" eaLnBrk="1" latinLnBrk="0" hangingPunct="1">
-              <a:spcBef>
-                <a:spcPct val="20000"/>
-              </a:spcBef>
-              <a:buClrTx/>
-              <a:buSzPct val="95000"/>
-              <a:buFont typeface="Wingdings" pitchFamily="2" charset="2"/>
-              <a:buChar char="v"/>
-              <a:defRPr kumimoji="0" sz="2800" kern="1200">
-                <a:solidFill>
-                  <a:schemeClr val="tx1"/>
-                </a:solidFill>
-                <a:latin typeface="+mn-lt"/>
-                <a:ea typeface="+mn-ea"/>
-                <a:cs typeface="+mn-cs"/>
-              </a:defRPr>
-            </a:lvl1pPr>
-            <a:lvl2pPr marL="640080" indent="-246888" algn="l" rtl="0" eaLnBrk="1" latinLnBrk="0" hangingPunct="1">
-              <a:spcBef>
-                <a:spcPct val="20000"/>
-              </a:spcBef>
-              <a:buClrTx/>
-              <a:buSzPct val="85000"/>
-              <a:buFont typeface="Courier New" pitchFamily="49" charset="0"/>
-              <a:buChar char="o"/>
-              <a:defRPr kumimoji="0" sz="2600" kern="1200">
-                <a:solidFill>
-                  <a:schemeClr val="tx1"/>
-                </a:solidFill>
-                <a:latin typeface="+mn-lt"/>
-                <a:ea typeface="+mn-ea"/>
-                <a:cs typeface="+mn-cs"/>
-              </a:defRPr>
-            </a:lvl2pPr>
-            <a:lvl3pPr marL="914400" indent="-246888" algn="l" rtl="0" eaLnBrk="1" latinLnBrk="0" hangingPunct="1">
-              <a:spcBef>
-                <a:spcPct val="20000"/>
-              </a:spcBef>
-              <a:buClrTx/>
-              <a:buSzPct val="70000"/>
-              <a:buFont typeface="Wingdings 2"/>
-              <a:buChar char=""/>
-              <a:defRPr kumimoji="0" sz="2400" kern="1200">
-                <a:solidFill>
-                  <a:schemeClr val="tx1"/>
-                </a:solidFill>
-                <a:latin typeface="+mn-lt"/>
-                <a:ea typeface="+mn-ea"/>
-                <a:cs typeface="+mn-cs"/>
-              </a:defRPr>
-            </a:lvl3pPr>
-            <a:lvl4pPr marL="1188720" indent="-210312" algn="l" rtl="0" eaLnBrk="1" latinLnBrk="0" hangingPunct="1">
-              <a:spcBef>
-                <a:spcPct val="20000"/>
-              </a:spcBef>
-              <a:buClrTx/>
-              <a:buSzPct val="65000"/>
-              <a:buFont typeface="Wingdings 2"/>
-              <a:buChar char=""/>
-              <a:defRPr kumimoji="0" sz="2000" kern="1200">
-                <a:solidFill>
-                  <a:schemeClr val="tx1"/>
-                </a:solidFill>
-                <a:latin typeface="+mn-lt"/>
-                <a:ea typeface="+mn-ea"/>
-                <a:cs typeface="+mn-cs"/>
-              </a:defRPr>
-            </a:lvl4pPr>
-            <a:lvl5pPr marL="1463040" indent="-210312" algn="l" rtl="0" eaLnBrk="1" latinLnBrk="0" hangingPunct="1">
-              <a:spcBef>
-                <a:spcPct val="20000"/>
-              </a:spcBef>
-              <a:buClrTx/>
-              <a:buSzPct val="65000"/>
-              <a:buFont typeface="Wingdings 2"/>
-              <a:buChar char=""/>
-              <a:defRPr kumimoji="0" sz="1800" kern="1200">
-                <a:solidFill>
-                  <a:schemeClr val="tx1"/>
-                </a:solidFill>
-                <a:latin typeface="+mn-lt"/>
-                <a:ea typeface="+mn-ea"/>
-                <a:cs typeface="+mn-cs"/>
-              </a:defRPr>
-            </a:lvl5pPr>
-            <a:lvl6pPr marL="1737360" indent="-210312" algn="l" rtl="0" eaLnBrk="1" latinLnBrk="0" hangingPunct="1">
-              <a:spcBef>
-                <a:spcPct val="20000"/>
-              </a:spcBef>
-              <a:buClr>
-                <a:schemeClr val="accent5"/>
-              </a:buClr>
-              <a:buSzPct val="80000"/>
-              <a:buFont typeface="Wingdings 2"/>
-              <a:buChar char=""/>
-              <a:defRPr kumimoji="0" sz="1800" kern="1200">
-                <a:solidFill>
-                  <a:schemeClr val="tx1"/>
-                </a:solidFill>
-                <a:latin typeface="+mn-lt"/>
-                <a:ea typeface="+mn-ea"/>
-                <a:cs typeface="+mn-cs"/>
-              </a:defRPr>
-            </a:lvl6pPr>
-            <a:lvl7pPr marL="1920240" indent="-182880" algn="l" rtl="0" eaLnBrk="1" latinLnBrk="0" hangingPunct="1">
-              <a:spcBef>
-                <a:spcPct val="20000"/>
-              </a:spcBef>
-              <a:buClr>
-                <a:schemeClr val="accent6"/>
-              </a:buClr>
-              <a:buSzPct val="80000"/>
-              <a:buFont typeface="Wingdings 2"/>
-              <a:buChar char=""/>
-              <a:defRPr kumimoji="0" sz="1600" kern="1200" baseline="0">
-                <a:solidFill>
-                  <a:schemeClr val="tx1"/>
-                </a:solidFill>
-                <a:latin typeface="+mn-lt"/>
-                <a:ea typeface="+mn-ea"/>
-                <a:cs typeface="+mn-cs"/>
-              </a:defRPr>
-            </a:lvl7pPr>
-            <a:lvl8pPr marL="2194560" indent="-182880" algn="l" rtl="0" eaLnBrk="1" latinLnBrk="0" hangingPunct="1">
-              <a:spcBef>
-                <a:spcPct val="20000"/>
-              </a:spcBef>
-              <a:buClr>
-                <a:schemeClr val="tx2"/>
-              </a:buClr>
-              <a:buChar char="•"/>
-              <a:defRPr kumimoji="0" sz="1600" kern="1200">
-                <a:solidFill>
-                  <a:schemeClr val="tx1"/>
-                </a:solidFill>
-                <a:latin typeface="+mn-lt"/>
-                <a:ea typeface="+mn-ea"/>
-                <a:cs typeface="+mn-cs"/>
-              </a:defRPr>
-            </a:lvl8pPr>
-            <a:lvl9pPr marL="2468880" indent="-182880" algn="l" rtl="0" eaLnBrk="1" latinLnBrk="0" hangingPunct="1">
-              <a:spcBef>
-                <a:spcPct val="20000"/>
-              </a:spcBef>
-              <a:buClr>
-                <a:schemeClr val="tx2"/>
-              </a:buClr>
-              <a:buFontTx/>
-              <a:buChar char="•"/>
-              <a:defRPr kumimoji="0" sz="1400" kern="1200" baseline="0">
-                <a:solidFill>
-                  <a:schemeClr val="tx1"/>
-                </a:solidFill>
-                <a:latin typeface="+mn-lt"/>
-                <a:ea typeface="+mn-ea"/>
-                <a:cs typeface="+mn-cs"/>
-              </a:defRPr>
-            </a:lvl9pPr>
-          </a:lstStyle>
-          <a:p>
-            <a:pPr marL="0" indent="0"/>
-            <a:r>
-              <a:rPr lang="it-IT" dirty="0" smtClean="0"/>
-              <a:t> Diverse incongruenze tra documentazione fornita e sistema implementato hanno reso difficile:</a:t>
-            </a:r>
-          </a:p>
-          <a:p>
-            <a:pPr marL="365760" lvl="1" indent="0"/>
-            <a:r>
-              <a:rPr lang="it-IT" dirty="0" smtClean="0"/>
-              <a:t> l’organizzazione della fase di </a:t>
-            </a:r>
-            <a:r>
-              <a:rPr lang="it-IT" dirty="0" err="1" smtClean="0"/>
-              <a:t>testing</a:t>
-            </a:r>
-            <a:r>
-              <a:rPr lang="it-IT" dirty="0" smtClean="0"/>
-              <a:t>, poiché spesso impossibilitati nel seguire la tracciabilità specificata;</a:t>
-            </a:r>
-          </a:p>
-          <a:p>
-            <a:pPr marL="365760" lvl="1" indent="0"/>
-            <a:r>
-              <a:rPr lang="it-IT" dirty="0" smtClean="0"/>
-              <a:t> la comprensione della documentazione e del  funzionamento del sistema stesso;	</a:t>
-            </a:r>
-          </a:p>
-          <a:p>
-            <a:pPr marL="365760" lvl="1" indent="0">
-              <a:buNone/>
-            </a:pPr>
-            <a:endParaRPr lang="it-IT" sz="1500" dirty="0" smtClean="0"/>
-          </a:p>
-          <a:p>
-            <a:pPr marL="0" indent="0"/>
-            <a:r>
-              <a:rPr lang="it-IT" dirty="0" smtClean="0"/>
-              <a:t> Numerosi test </a:t>
-            </a:r>
-            <a:r>
-              <a:rPr lang="it-IT" dirty="0" err="1" smtClean="0"/>
-              <a:t>cases</a:t>
-            </a:r>
-            <a:r>
-              <a:rPr lang="it-IT" dirty="0" smtClean="0"/>
-              <a:t> specificati sono diventati inutili, in quanto funzionalità non implementate o non coerenti con la documentazione			</a:t>
-            </a:r>
-          </a:p>
-        </p:txBody>
-      </p:sp>
-    </p:spTree>
-  </p:cSld>
-  <p:clrMapOvr>
-    <a:masterClrMapping/>
-  </p:clrMapOvr>
-  <p:timing>
-    <p:tnLst>
-      <p:par>
-        <p:cTn id="1" dur="indefinite" restart="never" nodeType="tmRoot"/>
-      </p:par>
-    </p:tnLst>
-  </p:timing>
-</p:sld>
-</file>
-
-<file path=ppt/slides/slide62.xml><?xml version="1.0" encoding="utf-8"?>
 <p:sld xmlns:a="http://schemas.openxmlformats.org/drawingml/2006/main" xmlns:r="http://schemas.openxmlformats.org/officeDocument/2006/relationships" xmlns:p="http://schemas.openxmlformats.org/presentationml/2006/main">
   <p:cSld>
     <p:spTree>
